--- a/presentation.pptx
+++ b/presentation.pptx
@@ -5,42 +5,45 @@
     <p:sldMasterId id="2147483648" r:id="rId1"/>
   </p:sldMasterIdLst>
   <p:notesMasterIdLst>
-    <p:notesMasterId r:id="rId25"/>
+    <p:notesMasterId r:id="rId28"/>
   </p:notesMasterIdLst>
   <p:sldIdLst>
     <p:sldId id="258" r:id="rId2"/>
-    <p:sldId id="259" r:id="rId3"/>
+    <p:sldId id="282" r:id="rId3"/>
     <p:sldId id="260" r:id="rId4"/>
-    <p:sldId id="261" r:id="rId5"/>
-    <p:sldId id="262" r:id="rId6"/>
-    <p:sldId id="267" r:id="rId7"/>
-    <p:sldId id="263" r:id="rId8"/>
-    <p:sldId id="272" r:id="rId9"/>
-    <p:sldId id="264" r:id="rId10"/>
-    <p:sldId id="281" r:id="rId11"/>
-    <p:sldId id="280" r:id="rId12"/>
-    <p:sldId id="265" r:id="rId13"/>
-    <p:sldId id="268" r:id="rId14"/>
-    <p:sldId id="269" r:id="rId15"/>
-    <p:sldId id="271" r:id="rId16"/>
-    <p:sldId id="270" r:id="rId17"/>
-    <p:sldId id="273" r:id="rId18"/>
-    <p:sldId id="274" r:id="rId19"/>
-    <p:sldId id="278" r:id="rId20"/>
-    <p:sldId id="279" r:id="rId21"/>
-    <p:sldId id="276" r:id="rId22"/>
-    <p:sldId id="275" r:id="rId23"/>
-    <p:sldId id="277" r:id="rId24"/>
+    <p:sldId id="284" r:id="rId5"/>
+    <p:sldId id="259" r:id="rId6"/>
+    <p:sldId id="261" r:id="rId7"/>
+    <p:sldId id="262" r:id="rId8"/>
+    <p:sldId id="267" r:id="rId9"/>
+    <p:sldId id="263" r:id="rId10"/>
+    <p:sldId id="272" r:id="rId11"/>
+    <p:sldId id="264" r:id="rId12"/>
+    <p:sldId id="281" r:id="rId13"/>
+    <p:sldId id="280" r:id="rId14"/>
+    <p:sldId id="265" r:id="rId15"/>
+    <p:sldId id="268" r:id="rId16"/>
+    <p:sldId id="269" r:id="rId17"/>
+    <p:sldId id="271" r:id="rId18"/>
+    <p:sldId id="270" r:id="rId19"/>
+    <p:sldId id="273" r:id="rId20"/>
+    <p:sldId id="274" r:id="rId21"/>
+    <p:sldId id="278" r:id="rId22"/>
+    <p:sldId id="279" r:id="rId23"/>
+    <p:sldId id="276" r:id="rId24"/>
+    <p:sldId id="275" r:id="rId25"/>
+    <p:sldId id="277" r:id="rId26"/>
+    <p:sldId id="283" r:id="rId27"/>
   </p:sldIdLst>
   <p:sldSz cx="9144000" cy="6858000" type="screen4x3"/>
   <p:notesSz cx="6858000" cy="9144000"/>
   <p:embeddedFontLst>
     <p:embeddedFont>
       <p:font typeface="Calibri" panose="020F0502020204030204" pitchFamily="34" charset="0"/>
-      <p:regular r:id="rId26"/>
-      <p:bold r:id="rId27"/>
-      <p:italic r:id="rId28"/>
-      <p:boldItalic r:id="rId29"/>
+      <p:regular r:id="rId29"/>
+      <p:bold r:id="rId30"/>
+      <p:italic r:id="rId31"/>
+      <p:boldItalic r:id="rId32"/>
     </p:embeddedFont>
   </p:embeddedFontLst>
   <p:defaultTextStyle>
@@ -239,7 +242,7 @@
           <a:p>
             <a:fld id="{4B11441F-F30F-4649-A32B-0EF4F2FA26B8}" type="datetimeFigureOut">
               <a:rPr lang="en-US" smtClean="0"/>
-              <a:t>11/14/2023</a:t>
+              <a:t>11/17/2023</a:t>
             </a:fld>
             <a:endParaRPr lang="en-US"/>
           </a:p>
@@ -571,7 +574,7 @@
           <a:p>
             <a:fld id="{2286E8F2-93EB-4C85-ABA8-D00AB60929F2}" type="slidenum">
               <a:rPr lang="en-US" smtClean="0"/>
-              <a:t>17</a:t>
+              <a:t>19</a:t>
             </a:fld>
             <a:endParaRPr lang="en-US"/>
           </a:p>
@@ -912,13 +915,13 @@
   <p:clrMapOvr>
     <a:masterClrMapping/>
   </p:clrMapOvr>
-  <mc:AlternateContent xmlns:mc="http://schemas.openxmlformats.org/markup-compatibility/2006">
-    <mc:Choice xmlns:p14="http://schemas.microsoft.com/office/powerpoint/2010/main" Requires="p14">
+  <mc:AlternateContent xmlns:mc="http://schemas.openxmlformats.org/markup-compatibility/2006" xmlns:p14="http://schemas.microsoft.com/office/powerpoint/2010/main">
+    <mc:Choice Requires="p14">
       <p:transition spd="med" p14:dur="700">
         <p:fade/>
       </p:transition>
     </mc:Choice>
-    <mc:Fallback>
+    <mc:Fallback xmlns="">
       <p:transition spd="med">
         <p:fade/>
       </p:transition>
@@ -1113,13 +1116,13 @@
   <p:clrMapOvr>
     <a:masterClrMapping/>
   </p:clrMapOvr>
-  <mc:AlternateContent xmlns:mc="http://schemas.openxmlformats.org/markup-compatibility/2006">
-    <mc:Choice xmlns:p14="http://schemas.microsoft.com/office/powerpoint/2010/main" Requires="p14">
+  <mc:AlternateContent xmlns:mc="http://schemas.openxmlformats.org/markup-compatibility/2006" xmlns:p14="http://schemas.microsoft.com/office/powerpoint/2010/main">
+    <mc:Choice Requires="p14">
       <p:transition spd="med" p14:dur="700">
         <p:fade/>
       </p:transition>
     </mc:Choice>
-    <mc:Fallback>
+    <mc:Fallback xmlns="">
       <p:transition spd="med">
         <p:fade/>
       </p:transition>
@@ -1324,13 +1327,13 @@
   <p:clrMapOvr>
     <a:masterClrMapping/>
   </p:clrMapOvr>
-  <mc:AlternateContent xmlns:mc="http://schemas.openxmlformats.org/markup-compatibility/2006">
-    <mc:Choice xmlns:p14="http://schemas.microsoft.com/office/powerpoint/2010/main" Requires="p14">
+  <mc:AlternateContent xmlns:mc="http://schemas.openxmlformats.org/markup-compatibility/2006" xmlns:p14="http://schemas.microsoft.com/office/powerpoint/2010/main">
+    <mc:Choice Requires="p14">
       <p:transition spd="med" p14:dur="700">
         <p:fade/>
       </p:transition>
     </mc:Choice>
-    <mc:Fallback>
+    <mc:Fallback xmlns="">
       <p:transition spd="med">
         <p:fade/>
       </p:transition>
@@ -1526,13 +1529,13 @@
   <p:clrMapOvr>
     <a:masterClrMapping/>
   </p:clrMapOvr>
-  <mc:AlternateContent xmlns:mc="http://schemas.openxmlformats.org/markup-compatibility/2006">
-    <mc:Choice xmlns:p14="http://schemas.microsoft.com/office/powerpoint/2010/main" Requires="p14">
+  <mc:AlternateContent xmlns:mc="http://schemas.openxmlformats.org/markup-compatibility/2006" xmlns:p14="http://schemas.microsoft.com/office/powerpoint/2010/main">
+    <mc:Choice Requires="p14">
       <p:transition spd="med" p14:dur="700">
         <p:fade/>
       </p:transition>
     </mc:Choice>
-    <mc:Fallback>
+    <mc:Fallback xmlns="">
       <p:transition spd="med">
         <p:fade/>
       </p:transition>
@@ -1834,13 +1837,13 @@
   <p:clrMapOvr>
     <a:masterClrMapping/>
   </p:clrMapOvr>
-  <mc:AlternateContent xmlns:mc="http://schemas.openxmlformats.org/markup-compatibility/2006">
-    <mc:Choice xmlns:p14="http://schemas.microsoft.com/office/powerpoint/2010/main" Requires="p14">
+  <mc:AlternateContent xmlns:mc="http://schemas.openxmlformats.org/markup-compatibility/2006" xmlns:p14="http://schemas.microsoft.com/office/powerpoint/2010/main">
+    <mc:Choice Requires="p14">
       <p:transition spd="med" p14:dur="700">
         <p:fade/>
       </p:transition>
     </mc:Choice>
-    <mc:Fallback>
+    <mc:Fallback xmlns="">
       <p:transition spd="med">
         <p:fade/>
       </p:transition>
@@ -2152,13 +2155,13 @@
   <p:clrMapOvr>
     <a:masterClrMapping/>
   </p:clrMapOvr>
-  <mc:AlternateContent xmlns:mc="http://schemas.openxmlformats.org/markup-compatibility/2006">
-    <mc:Choice xmlns:p14="http://schemas.microsoft.com/office/powerpoint/2010/main" Requires="p14">
+  <mc:AlternateContent xmlns:mc="http://schemas.openxmlformats.org/markup-compatibility/2006" xmlns:p14="http://schemas.microsoft.com/office/powerpoint/2010/main">
+    <mc:Choice Requires="p14">
       <p:transition spd="med" p14:dur="700">
         <p:fade/>
       </p:transition>
     </mc:Choice>
-    <mc:Fallback>
+    <mc:Fallback xmlns="">
       <p:transition spd="med">
         <p:fade/>
       </p:transition>
@@ -2609,13 +2612,13 @@
   <p:clrMapOvr>
     <a:masterClrMapping/>
   </p:clrMapOvr>
-  <mc:AlternateContent xmlns:mc="http://schemas.openxmlformats.org/markup-compatibility/2006">
-    <mc:Choice xmlns:p14="http://schemas.microsoft.com/office/powerpoint/2010/main" Requires="p14">
+  <mc:AlternateContent xmlns:mc="http://schemas.openxmlformats.org/markup-compatibility/2006" xmlns:p14="http://schemas.microsoft.com/office/powerpoint/2010/main">
+    <mc:Choice Requires="p14">
       <p:transition spd="med" p14:dur="700">
         <p:fade/>
       </p:transition>
     </mc:Choice>
-    <mc:Fallback>
+    <mc:Fallback xmlns="">
       <p:transition spd="med">
         <p:fade/>
       </p:transition>
@@ -2759,13 +2762,13 @@
   <p:clrMapOvr>
     <a:masterClrMapping/>
   </p:clrMapOvr>
-  <mc:AlternateContent xmlns:mc="http://schemas.openxmlformats.org/markup-compatibility/2006">
-    <mc:Choice xmlns:p14="http://schemas.microsoft.com/office/powerpoint/2010/main" Requires="p14">
+  <mc:AlternateContent xmlns:mc="http://schemas.openxmlformats.org/markup-compatibility/2006" xmlns:p14="http://schemas.microsoft.com/office/powerpoint/2010/main">
+    <mc:Choice Requires="p14">
       <p:transition spd="med" p14:dur="700">
         <p:fade/>
       </p:transition>
     </mc:Choice>
-    <mc:Fallback>
+    <mc:Fallback xmlns="">
       <p:transition spd="med">
         <p:fade/>
       </p:transition>
@@ -2887,13 +2890,13 @@
   <p:clrMapOvr>
     <a:masterClrMapping/>
   </p:clrMapOvr>
-  <mc:AlternateContent xmlns:mc="http://schemas.openxmlformats.org/markup-compatibility/2006">
-    <mc:Choice xmlns:p14="http://schemas.microsoft.com/office/powerpoint/2010/main" Requires="p14">
+  <mc:AlternateContent xmlns:mc="http://schemas.openxmlformats.org/markup-compatibility/2006" xmlns:p14="http://schemas.microsoft.com/office/powerpoint/2010/main">
+    <mc:Choice Requires="p14">
       <p:transition spd="med" p14:dur="700">
         <p:fade/>
       </p:transition>
     </mc:Choice>
-    <mc:Fallback>
+    <mc:Fallback xmlns="">
       <p:transition spd="med">
         <p:fade/>
       </p:transition>
@@ -3195,13 +3198,13 @@
   <p:clrMapOvr>
     <a:masterClrMapping/>
   </p:clrMapOvr>
-  <mc:AlternateContent xmlns:mc="http://schemas.openxmlformats.org/markup-compatibility/2006">
-    <mc:Choice xmlns:p14="http://schemas.microsoft.com/office/powerpoint/2010/main" Requires="p14">
+  <mc:AlternateContent xmlns:mc="http://schemas.openxmlformats.org/markup-compatibility/2006" xmlns:p14="http://schemas.microsoft.com/office/powerpoint/2010/main">
+    <mc:Choice Requires="p14">
       <p:transition spd="med" p14:dur="700">
         <p:fade/>
       </p:transition>
     </mc:Choice>
-    <mc:Fallback>
+    <mc:Fallback xmlns="">
       <p:transition spd="med">
         <p:fade/>
       </p:transition>
@@ -3480,13 +3483,13 @@
   <p:clrMapOvr>
     <a:masterClrMapping/>
   </p:clrMapOvr>
-  <mc:AlternateContent xmlns:mc="http://schemas.openxmlformats.org/markup-compatibility/2006">
-    <mc:Choice xmlns:p14="http://schemas.microsoft.com/office/powerpoint/2010/main" Requires="p14">
+  <mc:AlternateContent xmlns:mc="http://schemas.openxmlformats.org/markup-compatibility/2006" xmlns:p14="http://schemas.microsoft.com/office/powerpoint/2010/main">
+    <mc:Choice Requires="p14">
       <p:transition spd="med" p14:dur="700">
         <p:fade/>
       </p:transition>
     </mc:Choice>
-    <mc:Fallback>
+    <mc:Fallback xmlns="">
       <p:transition spd="med">
         <p:fade/>
       </p:transition>
@@ -3730,13 +3733,13 @@
     <p:sldLayoutId id="2147483658" r:id="rId10"/>
     <p:sldLayoutId id="2147483659" r:id="rId11"/>
   </p:sldLayoutIdLst>
-  <mc:AlternateContent xmlns:mc="http://schemas.openxmlformats.org/markup-compatibility/2006">
-    <mc:Choice xmlns:p14="http://schemas.microsoft.com/office/powerpoint/2010/main" Requires="p14">
+  <mc:AlternateContent xmlns:mc="http://schemas.openxmlformats.org/markup-compatibility/2006" xmlns:p14="http://schemas.microsoft.com/office/powerpoint/2010/main">
+    <mc:Choice Requires="p14">
       <p:transition spd="med" p14:dur="700">
         <p:fade/>
       </p:transition>
     </mc:Choice>
-    <mc:Fallback>
+    <mc:Fallback xmlns="">
       <p:transition spd="med">
         <p:fade/>
       </p:transition>
@@ -4230,13 +4233,13 @@
   <p:clrMapOvr>
     <a:masterClrMapping/>
   </p:clrMapOvr>
-  <mc:AlternateContent xmlns:mc="http://schemas.openxmlformats.org/markup-compatibility/2006">
-    <mc:Choice xmlns:p14="http://schemas.microsoft.com/office/powerpoint/2010/main" Requires="p14">
+  <mc:AlternateContent xmlns:mc="http://schemas.openxmlformats.org/markup-compatibility/2006" xmlns:p14="http://schemas.microsoft.com/office/powerpoint/2010/main">
+    <mc:Choice Requires="p14">
       <p:transition spd="med" p14:dur="700">
         <p:fade/>
       </p:transition>
     </mc:Choice>
-    <mc:Fallback>
+    <mc:Fallback xmlns="">
       <p:transition spd="med">
         <p:fade/>
       </p:transition>
@@ -4267,7 +4270,7 @@
           <p:cNvPr id="2" name="Title 1">
             <a:extLst>
               <a:ext uri="{FF2B5EF4-FFF2-40B4-BE49-F238E27FC236}">
-                <a16:creationId xmlns:a16="http://schemas.microsoft.com/office/drawing/2014/main" id="{06D90DFB-636E-15D9-DBCE-4A942943AC0E}"/>
+                <a16:creationId xmlns:a16="http://schemas.microsoft.com/office/drawing/2014/main" id="{676BA053-BBBE-4AD1-0E82-306B86326615}"/>
               </a:ext>
             </a:extLst>
           </p:cNvPr>
@@ -4285,7 +4288,7 @@
           <a:p>
             <a:r>
               <a:rPr lang="en-US" dirty="0"/>
-              <a:t>Attention!</a:t>
+              <a:t>Embeddings</a:t>
             </a:r>
             <a:endParaRPr lang="en-DE" dirty="0"/>
           </a:p>
@@ -4296,7 +4299,7 @@
           <p:cNvPr id="3" name="Content Placeholder 2">
             <a:extLst>
               <a:ext uri="{FF2B5EF4-FFF2-40B4-BE49-F238E27FC236}">
-                <a16:creationId xmlns:a16="http://schemas.microsoft.com/office/drawing/2014/main" id="{04D663A0-566F-4DD1-AD12-E8FF81F29347}"/>
+                <a16:creationId xmlns:a16="http://schemas.microsoft.com/office/drawing/2014/main" id="{10F19FFA-55FC-F88F-3CD6-B2E3BA63CC64}"/>
               </a:ext>
             </a:extLst>
           </p:cNvPr>
@@ -4314,25 +4317,16 @@
           <a:p>
             <a:r>
               <a:rPr lang="en-US" dirty="0"/>
-              <a:t>We use Attention before feeding the tensors into the autoencoder</a:t>
+              <a:t>Learnable embedding for each categorical feature</a:t>
             </a:r>
           </a:p>
           <a:p>
             <a:r>
               <a:rPr lang="en-US" dirty="0"/>
-              <a:t>We use 3 different learnable representations for the input</a:t>
-            </a:r>
-          </a:p>
-          <a:p>
-            <a:r>
-              <a:rPr lang="en-US" dirty="0"/>
-              <a:t>The resulting representations are called Queries (Q), Keys (K) and Values (V)</a:t>
+              <a:t>Shared embedding for all features (1/8 of embedding) to differentiate classes of different features (Idea by Huang et al, 2020)</a:t>
             </a:r>
             <a:endParaRPr lang="en-DE" dirty="0"/>
           </a:p>
-          <a:p>
-            <a:endParaRPr lang="en-DE" dirty="0"/>
-          </a:p>
         </p:txBody>
       </p:sp>
       <p:sp>
@@ -4340,7 +4334,7 @@
           <p:cNvPr id="4" name="Footer Placeholder 3">
             <a:extLst>
               <a:ext uri="{FF2B5EF4-FFF2-40B4-BE49-F238E27FC236}">
-                <a16:creationId xmlns:a16="http://schemas.microsoft.com/office/drawing/2014/main" id="{A72C3F78-E5C8-CFA9-1913-213CA904EF0A}"/>
+                <a16:creationId xmlns:a16="http://schemas.microsoft.com/office/drawing/2014/main" id="{580DB2E9-AA44-771E-56AA-A227847B7279}"/>
               </a:ext>
             </a:extLst>
           </p:cNvPr>
@@ -4369,7 +4363,7 @@
           <p:cNvPr id="5" name="Slide Number Placeholder 4">
             <a:extLst>
               <a:ext uri="{FF2B5EF4-FFF2-40B4-BE49-F238E27FC236}">
-                <a16:creationId xmlns:a16="http://schemas.microsoft.com/office/drawing/2014/main" id="{FC223D4C-951C-3746-1EF5-15A942135140}"/>
+                <a16:creationId xmlns:a16="http://schemas.microsoft.com/office/drawing/2014/main" id="{04E5CC93-5908-68A0-0437-61B96A0576AC}"/>
               </a:ext>
             </a:extLst>
           </p:cNvPr>
@@ -4393,23 +4387,53 @@
           </a:p>
         </p:txBody>
       </p:sp>
+      <p:pic>
+        <p:nvPicPr>
+          <p:cNvPr id="11" name="Picture 10">
+            <a:extLst>
+              <a:ext uri="{FF2B5EF4-FFF2-40B4-BE49-F238E27FC236}">
+                <a16:creationId xmlns:a16="http://schemas.microsoft.com/office/drawing/2014/main" id="{47DF48E3-EB15-3141-4E5D-688D45D3BAF5}"/>
+              </a:ext>
+            </a:extLst>
+          </p:cNvPr>
+          <p:cNvPicPr>
+            <a:picLocks noChangeAspect="1"/>
+          </p:cNvPicPr>
+          <p:nvPr/>
+        </p:nvPicPr>
+        <p:blipFill>
+          <a:blip r:embed="rId2"/>
+          <a:stretch>
+            <a:fillRect/>
+          </a:stretch>
+        </p:blipFill>
+        <p:spPr>
+          <a:xfrm>
+            <a:off x="2713400" y="4077072"/>
+            <a:ext cx="3717199" cy="2049093"/>
+          </a:xfrm>
+          <a:prstGeom prst="rect">
+            <a:avLst/>
+          </a:prstGeom>
+        </p:spPr>
+      </p:pic>
     </p:spTree>
     <p:extLst>
       <p:ext uri="{BB962C8B-B14F-4D97-AF65-F5344CB8AC3E}">
-        <p14:creationId xmlns:p14="http://schemas.microsoft.com/office/powerpoint/2010/main" val="1064982297"/>
+        <p14:creationId xmlns:p14="http://schemas.microsoft.com/office/powerpoint/2010/main" val="1621454117"/>
       </p:ext>
     </p:extLst>
   </p:cSld>
   <p:clrMapOvr>
     <a:masterClrMapping/>
   </p:clrMapOvr>
-  <mc:AlternateContent xmlns:mc="http://schemas.openxmlformats.org/markup-compatibility/2006">
-    <mc:Choice xmlns:p14="http://schemas.microsoft.com/office/powerpoint/2010/main" Requires="p14">
+  <mc:AlternateContent xmlns:mc="http://schemas.openxmlformats.org/markup-compatibility/2006" xmlns:p14="http://schemas.microsoft.com/office/powerpoint/2010/main">
+    <mc:Choice Requires="p14">
       <p:transition spd="med" p14:dur="700">
         <p:fade/>
       </p:transition>
     </mc:Choice>
-    <mc:Fallback>
+    <mc:Fallback xmlns="">
       <p:transition spd="med">
         <p:fade/>
       </p:transition>
@@ -4440,7 +4464,7 @@
           <p:cNvPr id="2" name="Title 1">
             <a:extLst>
               <a:ext uri="{FF2B5EF4-FFF2-40B4-BE49-F238E27FC236}">
-                <a16:creationId xmlns:a16="http://schemas.microsoft.com/office/drawing/2014/main" id="{6D33A234-2EBF-85DF-4B90-244693212DAC}"/>
+                <a16:creationId xmlns:a16="http://schemas.microsoft.com/office/drawing/2014/main" id="{B54D7757-EF28-7CB3-0C74-740DA5E5D44E}"/>
               </a:ext>
             </a:extLst>
           </p:cNvPr>
@@ -4469,7 +4493,7 @@
           <p:cNvPr id="3" name="Content Placeholder 2">
             <a:extLst>
               <a:ext uri="{FF2B5EF4-FFF2-40B4-BE49-F238E27FC236}">
-                <a16:creationId xmlns:a16="http://schemas.microsoft.com/office/drawing/2014/main" id="{6B827E35-9D2D-F644-1552-D21015DB934D}"/>
+                <a16:creationId xmlns:a16="http://schemas.microsoft.com/office/drawing/2014/main" id="{5494FB56-BBAF-97F8-1849-CAA55AA1F19F}"/>
               </a:ext>
             </a:extLst>
           </p:cNvPr>
@@ -4487,43 +4511,14 @@
           <a:p>
             <a:r>
               <a:rPr lang="en-US" dirty="0"/>
-              <a:t>Calculate Attention Weights:</a:t>
-            </a:r>
-          </a:p>
-          <a:p>
-            <a:endParaRPr lang="en-US" dirty="0"/>
+              <a:t>Mechanism used in NLP to compute relationships between tokens</a:t>
+            </a:r>
           </a:p>
           <a:p>
             <a:r>
               <a:rPr lang="en-US" dirty="0"/>
-              <a:t>Scale by embedding dimension:</a:t>
-            </a:r>
-          </a:p>
-          <a:p>
-            <a:endParaRPr lang="en-US" dirty="0"/>
-          </a:p>
-          <a:p>
-            <a:endParaRPr lang="en-US" dirty="0"/>
-          </a:p>
-          <a:p>
-            <a:r>
-              <a:rPr lang="en-US" dirty="0"/>
-              <a:t>Apply </a:t>
-            </a:r>
-            <a:r>
-              <a:rPr lang="en-US" dirty="0" err="1"/>
-              <a:t>softmax</a:t>
-            </a:r>
-            <a:r>
-              <a:rPr lang="en-US" dirty="0"/>
-              <a:t> and multiply with input again:</a:t>
-            </a:r>
-          </a:p>
-          <a:p>
-            <a:endParaRPr lang="en-US" dirty="0"/>
-          </a:p>
-          <a:p>
-            <a:endParaRPr lang="en-US" dirty="0"/>
+              <a:t>We can use attention to compute relationships between features</a:t>
+            </a:r>
           </a:p>
         </p:txBody>
       </p:sp>
@@ -4532,7 +4527,7 @@
           <p:cNvPr id="4" name="Footer Placeholder 3">
             <a:extLst>
               <a:ext uri="{FF2B5EF4-FFF2-40B4-BE49-F238E27FC236}">
-                <a16:creationId xmlns:a16="http://schemas.microsoft.com/office/drawing/2014/main" id="{C439C294-642F-54E8-64A4-3BED764C3BAC}"/>
+                <a16:creationId xmlns:a16="http://schemas.microsoft.com/office/drawing/2014/main" id="{30C5E13D-176C-A002-E70B-B8A678AE7E6E}"/>
               </a:ext>
             </a:extLst>
           </p:cNvPr>
@@ -4561,7 +4556,7 @@
           <p:cNvPr id="5" name="Slide Number Placeholder 4">
             <a:extLst>
               <a:ext uri="{FF2B5EF4-FFF2-40B4-BE49-F238E27FC236}">
-                <a16:creationId xmlns:a16="http://schemas.microsoft.com/office/drawing/2014/main" id="{18E88DDE-63D4-296B-7A32-24601C4C9A15}"/>
+                <a16:creationId xmlns:a16="http://schemas.microsoft.com/office/drawing/2014/main" id="{7B8B4535-E37D-224C-1588-01A45148B47A}"/>
               </a:ext>
             </a:extLst>
           </p:cNvPr>
@@ -4580,6 +4575,371 @@
             <a:fld id="{C28CD5F5-F489-4697-8849-AC1E2110C5BD}" type="slidenum">
               <a:rPr lang="en-US" smtClean="0"/>
               <a:t>11</a:t>
+            </a:fld>
+            <a:endParaRPr lang="en-US"/>
+          </a:p>
+        </p:txBody>
+      </p:sp>
+    </p:spTree>
+    <p:extLst>
+      <p:ext uri="{BB962C8B-B14F-4D97-AF65-F5344CB8AC3E}">
+        <p14:creationId xmlns:p14="http://schemas.microsoft.com/office/powerpoint/2010/main" val="3414753961"/>
+      </p:ext>
+    </p:extLst>
+  </p:cSld>
+  <p:clrMapOvr>
+    <a:masterClrMapping/>
+  </p:clrMapOvr>
+  <mc:AlternateContent xmlns:mc="http://schemas.openxmlformats.org/markup-compatibility/2006" xmlns:p14="http://schemas.microsoft.com/office/powerpoint/2010/main">
+    <mc:Choice Requires="p14">
+      <p:transition spd="med" p14:dur="700">
+        <p:fade/>
+      </p:transition>
+    </mc:Choice>
+    <mc:Fallback xmlns="">
+      <p:transition spd="med">
+        <p:fade/>
+      </p:transition>
+    </mc:Fallback>
+  </mc:AlternateContent>
+</p:sld>
+</file>
+
+<file path=ppt/slides/slide12.xml><?xml version="1.0" encoding="utf-8"?>
+<p:sld xmlns:a="http://schemas.openxmlformats.org/drawingml/2006/main" xmlns:r="http://schemas.openxmlformats.org/officeDocument/2006/relationships" xmlns:p="http://schemas.openxmlformats.org/presentationml/2006/main">
+  <p:cSld>
+    <p:spTree>
+      <p:nvGrpSpPr>
+        <p:cNvPr id="1" name=""/>
+        <p:cNvGrpSpPr/>
+        <p:nvPr/>
+      </p:nvGrpSpPr>
+      <p:grpSpPr>
+        <a:xfrm>
+          <a:off x="0" y="0"/>
+          <a:ext cx="0" cy="0"/>
+          <a:chOff x="0" y="0"/>
+          <a:chExt cx="0" cy="0"/>
+        </a:xfrm>
+      </p:grpSpPr>
+      <p:sp>
+        <p:nvSpPr>
+          <p:cNvPr id="2" name="Title 1">
+            <a:extLst>
+              <a:ext uri="{FF2B5EF4-FFF2-40B4-BE49-F238E27FC236}">
+                <a16:creationId xmlns:a16="http://schemas.microsoft.com/office/drawing/2014/main" id="{06D90DFB-636E-15D9-DBCE-4A942943AC0E}"/>
+              </a:ext>
+            </a:extLst>
+          </p:cNvPr>
+          <p:cNvSpPr>
+            <a:spLocks noGrp="1"/>
+          </p:cNvSpPr>
+          <p:nvPr>
+            <p:ph type="title"/>
+          </p:nvPr>
+        </p:nvSpPr>
+        <p:spPr/>
+        <p:txBody>
+          <a:bodyPr/>
+          <a:lstStyle/>
+          <a:p>
+            <a:r>
+              <a:rPr lang="en-US" dirty="0"/>
+              <a:t>Attention!</a:t>
+            </a:r>
+            <a:endParaRPr lang="en-DE" dirty="0"/>
+          </a:p>
+        </p:txBody>
+      </p:sp>
+      <p:sp>
+        <p:nvSpPr>
+          <p:cNvPr id="3" name="Content Placeholder 2">
+            <a:extLst>
+              <a:ext uri="{FF2B5EF4-FFF2-40B4-BE49-F238E27FC236}">
+                <a16:creationId xmlns:a16="http://schemas.microsoft.com/office/drawing/2014/main" id="{04D663A0-566F-4DD1-AD12-E8FF81F29347}"/>
+              </a:ext>
+            </a:extLst>
+          </p:cNvPr>
+          <p:cNvSpPr>
+            <a:spLocks noGrp="1"/>
+          </p:cNvSpPr>
+          <p:nvPr>
+            <p:ph idx="1"/>
+          </p:nvPr>
+        </p:nvSpPr>
+        <p:spPr/>
+        <p:txBody>
+          <a:bodyPr/>
+          <a:lstStyle/>
+          <a:p>
+            <a:r>
+              <a:rPr lang="en-US" dirty="0"/>
+              <a:t>We use Attention before feeding the tensors into the autoencoder</a:t>
+            </a:r>
+          </a:p>
+          <a:p>
+            <a:r>
+              <a:rPr lang="en-US" dirty="0"/>
+              <a:t>We use 3 different learnable representations for the input</a:t>
+            </a:r>
+          </a:p>
+          <a:p>
+            <a:r>
+              <a:rPr lang="en-US" dirty="0"/>
+              <a:t>The resulting representations are called Queries (Q), Keys (K) and Values (V)</a:t>
+            </a:r>
+            <a:endParaRPr lang="en-DE" dirty="0"/>
+          </a:p>
+          <a:p>
+            <a:endParaRPr lang="en-DE" dirty="0"/>
+          </a:p>
+        </p:txBody>
+      </p:sp>
+      <p:sp>
+        <p:nvSpPr>
+          <p:cNvPr id="4" name="Footer Placeholder 3">
+            <a:extLst>
+              <a:ext uri="{FF2B5EF4-FFF2-40B4-BE49-F238E27FC236}">
+                <a16:creationId xmlns:a16="http://schemas.microsoft.com/office/drawing/2014/main" id="{A72C3F78-E5C8-CFA9-1913-213CA904EF0A}"/>
+              </a:ext>
+            </a:extLst>
+          </p:cNvPr>
+          <p:cNvSpPr>
+            <a:spLocks noGrp="1"/>
+          </p:cNvSpPr>
+          <p:nvPr>
+            <p:ph type="ftr" sz="quarter" idx="11"/>
+          </p:nvPr>
+        </p:nvSpPr>
+        <p:spPr/>
+        <p:txBody>
+          <a:bodyPr/>
+          <a:lstStyle/>
+          <a:p>
+            <a:r>
+              <a:rPr lang="en-US"/>
+              <a:t>Attention in mixed-type Clustering</a:t>
+            </a:r>
+            <a:endParaRPr lang="en-US" dirty="0"/>
+          </a:p>
+        </p:txBody>
+      </p:sp>
+      <p:sp>
+        <p:nvSpPr>
+          <p:cNvPr id="5" name="Slide Number Placeholder 4">
+            <a:extLst>
+              <a:ext uri="{FF2B5EF4-FFF2-40B4-BE49-F238E27FC236}">
+                <a16:creationId xmlns:a16="http://schemas.microsoft.com/office/drawing/2014/main" id="{FC223D4C-951C-3746-1EF5-15A942135140}"/>
+              </a:ext>
+            </a:extLst>
+          </p:cNvPr>
+          <p:cNvSpPr>
+            <a:spLocks noGrp="1"/>
+          </p:cNvSpPr>
+          <p:nvPr>
+            <p:ph type="sldNum" sz="quarter" idx="12"/>
+          </p:nvPr>
+        </p:nvSpPr>
+        <p:spPr/>
+        <p:txBody>
+          <a:bodyPr/>
+          <a:lstStyle/>
+          <a:p>
+            <a:fld id="{C28CD5F5-F489-4697-8849-AC1E2110C5BD}" type="slidenum">
+              <a:rPr lang="en-US" smtClean="0"/>
+              <a:t>12</a:t>
+            </a:fld>
+            <a:endParaRPr lang="en-US"/>
+          </a:p>
+        </p:txBody>
+      </p:sp>
+    </p:spTree>
+    <p:extLst>
+      <p:ext uri="{BB962C8B-B14F-4D97-AF65-F5344CB8AC3E}">
+        <p14:creationId xmlns:p14="http://schemas.microsoft.com/office/powerpoint/2010/main" val="1064982297"/>
+      </p:ext>
+    </p:extLst>
+  </p:cSld>
+  <p:clrMapOvr>
+    <a:masterClrMapping/>
+  </p:clrMapOvr>
+  <mc:AlternateContent xmlns:mc="http://schemas.openxmlformats.org/markup-compatibility/2006" xmlns:p14="http://schemas.microsoft.com/office/powerpoint/2010/main">
+    <mc:Choice Requires="p14">
+      <p:transition spd="med" p14:dur="700">
+        <p:fade/>
+      </p:transition>
+    </mc:Choice>
+    <mc:Fallback xmlns="">
+      <p:transition spd="med">
+        <p:fade/>
+      </p:transition>
+    </mc:Fallback>
+  </mc:AlternateContent>
+</p:sld>
+</file>
+
+<file path=ppt/slides/slide13.xml><?xml version="1.0" encoding="utf-8"?>
+<p:sld xmlns:a="http://schemas.openxmlformats.org/drawingml/2006/main" xmlns:r="http://schemas.openxmlformats.org/officeDocument/2006/relationships" xmlns:p="http://schemas.openxmlformats.org/presentationml/2006/main">
+  <p:cSld>
+    <p:spTree>
+      <p:nvGrpSpPr>
+        <p:cNvPr id="1" name=""/>
+        <p:cNvGrpSpPr/>
+        <p:nvPr/>
+      </p:nvGrpSpPr>
+      <p:grpSpPr>
+        <a:xfrm>
+          <a:off x="0" y="0"/>
+          <a:ext cx="0" cy="0"/>
+          <a:chOff x="0" y="0"/>
+          <a:chExt cx="0" cy="0"/>
+        </a:xfrm>
+      </p:grpSpPr>
+      <p:sp>
+        <p:nvSpPr>
+          <p:cNvPr id="2" name="Title 1">
+            <a:extLst>
+              <a:ext uri="{FF2B5EF4-FFF2-40B4-BE49-F238E27FC236}">
+                <a16:creationId xmlns:a16="http://schemas.microsoft.com/office/drawing/2014/main" id="{6D33A234-2EBF-85DF-4B90-244693212DAC}"/>
+              </a:ext>
+            </a:extLst>
+          </p:cNvPr>
+          <p:cNvSpPr>
+            <a:spLocks noGrp="1"/>
+          </p:cNvSpPr>
+          <p:nvPr>
+            <p:ph type="title"/>
+          </p:nvPr>
+        </p:nvSpPr>
+        <p:spPr/>
+        <p:txBody>
+          <a:bodyPr/>
+          <a:lstStyle/>
+          <a:p>
+            <a:r>
+              <a:rPr lang="en-US" dirty="0"/>
+              <a:t>Attention!</a:t>
+            </a:r>
+            <a:endParaRPr lang="en-DE" dirty="0"/>
+          </a:p>
+        </p:txBody>
+      </p:sp>
+      <p:sp>
+        <p:nvSpPr>
+          <p:cNvPr id="3" name="Content Placeholder 2">
+            <a:extLst>
+              <a:ext uri="{FF2B5EF4-FFF2-40B4-BE49-F238E27FC236}">
+                <a16:creationId xmlns:a16="http://schemas.microsoft.com/office/drawing/2014/main" id="{6B827E35-9D2D-F644-1552-D21015DB934D}"/>
+              </a:ext>
+            </a:extLst>
+          </p:cNvPr>
+          <p:cNvSpPr>
+            <a:spLocks noGrp="1"/>
+          </p:cNvSpPr>
+          <p:nvPr>
+            <p:ph idx="1"/>
+          </p:nvPr>
+        </p:nvSpPr>
+        <p:spPr/>
+        <p:txBody>
+          <a:bodyPr/>
+          <a:lstStyle/>
+          <a:p>
+            <a:r>
+              <a:rPr lang="en-US" dirty="0"/>
+              <a:t>Calculate Attention Weights:</a:t>
+            </a:r>
+          </a:p>
+          <a:p>
+            <a:endParaRPr lang="en-US" dirty="0"/>
+          </a:p>
+          <a:p>
+            <a:r>
+              <a:rPr lang="en-US" dirty="0"/>
+              <a:t>Scale by embedding dimension:</a:t>
+            </a:r>
+          </a:p>
+          <a:p>
+            <a:endParaRPr lang="en-US" dirty="0"/>
+          </a:p>
+          <a:p>
+            <a:endParaRPr lang="en-US" dirty="0"/>
+          </a:p>
+          <a:p>
+            <a:r>
+              <a:rPr lang="en-US" dirty="0"/>
+              <a:t>Apply </a:t>
+            </a:r>
+            <a:r>
+              <a:rPr lang="en-US" dirty="0" err="1"/>
+              <a:t>softmax</a:t>
+            </a:r>
+            <a:r>
+              <a:rPr lang="en-US" dirty="0"/>
+              <a:t> and multiply with input again:</a:t>
+            </a:r>
+          </a:p>
+          <a:p>
+            <a:endParaRPr lang="en-US" dirty="0"/>
+          </a:p>
+          <a:p>
+            <a:endParaRPr lang="en-US" dirty="0"/>
+          </a:p>
+        </p:txBody>
+      </p:sp>
+      <p:sp>
+        <p:nvSpPr>
+          <p:cNvPr id="4" name="Footer Placeholder 3">
+            <a:extLst>
+              <a:ext uri="{FF2B5EF4-FFF2-40B4-BE49-F238E27FC236}">
+                <a16:creationId xmlns:a16="http://schemas.microsoft.com/office/drawing/2014/main" id="{C439C294-642F-54E8-64A4-3BED764C3BAC}"/>
+              </a:ext>
+            </a:extLst>
+          </p:cNvPr>
+          <p:cNvSpPr>
+            <a:spLocks noGrp="1"/>
+          </p:cNvSpPr>
+          <p:nvPr>
+            <p:ph type="ftr" sz="quarter" idx="11"/>
+          </p:nvPr>
+        </p:nvSpPr>
+        <p:spPr/>
+        <p:txBody>
+          <a:bodyPr/>
+          <a:lstStyle/>
+          <a:p>
+            <a:r>
+              <a:rPr lang="en-US"/>
+              <a:t>Attention in mixed-type Clustering</a:t>
+            </a:r>
+            <a:endParaRPr lang="en-US" dirty="0"/>
+          </a:p>
+        </p:txBody>
+      </p:sp>
+      <p:sp>
+        <p:nvSpPr>
+          <p:cNvPr id="5" name="Slide Number Placeholder 4">
+            <a:extLst>
+              <a:ext uri="{FF2B5EF4-FFF2-40B4-BE49-F238E27FC236}">
+                <a16:creationId xmlns:a16="http://schemas.microsoft.com/office/drawing/2014/main" id="{18E88DDE-63D4-296B-7A32-24601C4C9A15}"/>
+              </a:ext>
+            </a:extLst>
+          </p:cNvPr>
+          <p:cNvSpPr>
+            <a:spLocks noGrp="1"/>
+          </p:cNvSpPr>
+          <p:nvPr>
+            <p:ph type="sldNum" sz="quarter" idx="12"/>
+          </p:nvPr>
+        </p:nvSpPr>
+        <p:spPr/>
+        <p:txBody>
+          <a:bodyPr/>
+          <a:lstStyle/>
+          <a:p>
+            <a:fld id="{C28CD5F5-F489-4697-8849-AC1E2110C5BD}" type="slidenum">
+              <a:rPr lang="en-US" smtClean="0"/>
+              <a:t>13</a:t>
             </a:fld>
             <a:endParaRPr lang="en-US"/>
           </a:p>
@@ -4685,414 +5045,13 @@
   <p:clrMapOvr>
     <a:masterClrMapping/>
   </p:clrMapOvr>
-  <mc:AlternateContent xmlns:mc="http://schemas.openxmlformats.org/markup-compatibility/2006">
-    <mc:Choice xmlns:p14="http://schemas.microsoft.com/office/powerpoint/2010/main" Requires="p14">
+  <mc:AlternateContent xmlns:mc="http://schemas.openxmlformats.org/markup-compatibility/2006" xmlns:p14="http://schemas.microsoft.com/office/powerpoint/2010/main">
+    <mc:Choice Requires="p14">
       <p:transition spd="med" p14:dur="700">
         <p:fade/>
       </p:transition>
     </mc:Choice>
-    <mc:Fallback>
-      <p:transition spd="med">
-        <p:fade/>
-      </p:transition>
-    </mc:Fallback>
-  </mc:AlternateContent>
-</p:sld>
-</file>
-
-<file path=ppt/slides/slide12.xml><?xml version="1.0" encoding="utf-8"?>
-<p:sld xmlns:a="http://schemas.openxmlformats.org/drawingml/2006/main" xmlns:r="http://schemas.openxmlformats.org/officeDocument/2006/relationships" xmlns:p="http://schemas.openxmlformats.org/presentationml/2006/main">
-  <p:cSld>
-    <p:spTree>
-      <p:nvGrpSpPr>
-        <p:cNvPr id="1" name=""/>
-        <p:cNvGrpSpPr/>
-        <p:nvPr/>
-      </p:nvGrpSpPr>
-      <p:grpSpPr>
-        <a:xfrm>
-          <a:off x="0" y="0"/>
-          <a:ext cx="0" cy="0"/>
-          <a:chOff x="0" y="0"/>
-          <a:chExt cx="0" cy="0"/>
-        </a:xfrm>
-      </p:grpSpPr>
-      <p:sp>
-        <p:nvSpPr>
-          <p:cNvPr id="2" name="Title 1">
-            <a:extLst>
-              <a:ext uri="{FF2B5EF4-FFF2-40B4-BE49-F238E27FC236}">
-                <a16:creationId xmlns:a16="http://schemas.microsoft.com/office/drawing/2014/main" id="{550214E9-9A38-B086-6347-A71FCABCDB1C}"/>
-              </a:ext>
-            </a:extLst>
-          </p:cNvPr>
-          <p:cNvSpPr>
-            <a:spLocks noGrp="1"/>
-          </p:cNvSpPr>
-          <p:nvPr>
-            <p:ph type="title"/>
-          </p:nvPr>
-        </p:nvSpPr>
-        <p:spPr/>
-        <p:txBody>
-          <a:bodyPr/>
-          <a:lstStyle/>
-          <a:p>
-            <a:r>
-              <a:rPr lang="en-US" dirty="0"/>
-              <a:t>Attention!</a:t>
-            </a:r>
-            <a:endParaRPr lang="en-DE" dirty="0"/>
-          </a:p>
-        </p:txBody>
-      </p:sp>
-      <p:pic>
-        <p:nvPicPr>
-          <p:cNvPr id="7" name="Content Placeholder 6">
-            <a:extLst>
-              <a:ext uri="{FF2B5EF4-FFF2-40B4-BE49-F238E27FC236}">
-                <a16:creationId xmlns:a16="http://schemas.microsoft.com/office/drawing/2014/main" id="{2CCDF2A8-E50D-905E-33B7-95C56EC28124}"/>
-              </a:ext>
-            </a:extLst>
-          </p:cNvPr>
-          <p:cNvPicPr>
-            <a:picLocks noGrp="1" noChangeAspect="1"/>
-          </p:cNvPicPr>
-          <p:nvPr>
-            <p:ph idx="1"/>
-          </p:nvPr>
-        </p:nvPicPr>
-        <p:blipFill>
-          <a:blip r:embed="rId2"/>
-          <a:stretch>
-            <a:fillRect/>
-          </a:stretch>
-        </p:blipFill>
-        <p:spPr>
-          <a:xfrm>
-            <a:off x="1566443" y="1627803"/>
-            <a:ext cx="6011114" cy="4153480"/>
-          </a:xfrm>
-        </p:spPr>
-      </p:pic>
-      <p:sp>
-        <p:nvSpPr>
-          <p:cNvPr id="4" name="Footer Placeholder 3">
-            <a:extLst>
-              <a:ext uri="{FF2B5EF4-FFF2-40B4-BE49-F238E27FC236}">
-                <a16:creationId xmlns:a16="http://schemas.microsoft.com/office/drawing/2014/main" id="{68ED98A6-1B56-0B82-3109-A9B307C01B6C}"/>
-              </a:ext>
-            </a:extLst>
-          </p:cNvPr>
-          <p:cNvSpPr>
-            <a:spLocks noGrp="1"/>
-          </p:cNvSpPr>
-          <p:nvPr>
-            <p:ph type="ftr" sz="quarter" idx="11"/>
-          </p:nvPr>
-        </p:nvSpPr>
-        <p:spPr/>
-        <p:txBody>
-          <a:bodyPr/>
-          <a:lstStyle/>
-          <a:p>
-            <a:r>
-              <a:rPr lang="en-US" dirty="0"/>
-              <a:t>Attention in mixed-type Clustering</a:t>
-            </a:r>
-          </a:p>
-        </p:txBody>
-      </p:sp>
-      <p:sp>
-        <p:nvSpPr>
-          <p:cNvPr id="5" name="Slide Number Placeholder 4">
-            <a:extLst>
-              <a:ext uri="{FF2B5EF4-FFF2-40B4-BE49-F238E27FC236}">
-                <a16:creationId xmlns:a16="http://schemas.microsoft.com/office/drawing/2014/main" id="{6B94C2F7-36C9-5B34-3DC2-7CAC54758782}"/>
-              </a:ext>
-            </a:extLst>
-          </p:cNvPr>
-          <p:cNvSpPr>
-            <a:spLocks noGrp="1"/>
-          </p:cNvSpPr>
-          <p:nvPr>
-            <p:ph type="sldNum" sz="quarter" idx="12"/>
-          </p:nvPr>
-        </p:nvSpPr>
-        <p:spPr/>
-        <p:txBody>
-          <a:bodyPr/>
-          <a:lstStyle/>
-          <a:p>
-            <a:fld id="{C28CD5F5-F489-4697-8849-AC1E2110C5BD}" type="slidenum">
-              <a:rPr lang="en-US" smtClean="0"/>
-              <a:t>12</a:t>
-            </a:fld>
-            <a:endParaRPr lang="en-US"/>
-          </a:p>
-        </p:txBody>
-      </p:sp>
-      <p:sp>
-        <p:nvSpPr>
-          <p:cNvPr id="8" name="TextBox 7">
-            <a:extLst>
-              <a:ext uri="{FF2B5EF4-FFF2-40B4-BE49-F238E27FC236}">
-                <a16:creationId xmlns:a16="http://schemas.microsoft.com/office/drawing/2014/main" id="{7FB69F0A-33A2-ABE8-A283-E8DFCEE60BF9}"/>
-              </a:ext>
-            </a:extLst>
-          </p:cNvPr>
-          <p:cNvSpPr txBox="1"/>
-          <p:nvPr/>
-        </p:nvSpPr>
-        <p:spPr>
-          <a:xfrm>
-            <a:off x="4860032" y="5781283"/>
-            <a:ext cx="793807" cy="369332"/>
-          </a:xfrm>
-          <a:prstGeom prst="rect">
-            <a:avLst/>
-          </a:prstGeom>
-          <a:noFill/>
-        </p:spPr>
-        <p:txBody>
-          <a:bodyPr wrap="none" rtlCol="0">
-            <a:spAutoFit/>
-          </a:bodyPr>
-          <a:lstStyle/>
-          <a:p>
-            <a:r>
-              <a:rPr lang="en-US" dirty="0"/>
-              <a:t>Values</a:t>
-            </a:r>
-            <a:endParaRPr lang="en-DE" dirty="0"/>
-          </a:p>
-        </p:txBody>
-      </p:sp>
-      <p:sp>
-        <p:nvSpPr>
-          <p:cNvPr id="10" name="TextBox 9">
-            <a:extLst>
-              <a:ext uri="{FF2B5EF4-FFF2-40B4-BE49-F238E27FC236}">
-                <a16:creationId xmlns:a16="http://schemas.microsoft.com/office/drawing/2014/main" id="{B5C85647-3F9E-0215-5641-5CC8CB76C99E}"/>
-              </a:ext>
-            </a:extLst>
-          </p:cNvPr>
-          <p:cNvSpPr txBox="1"/>
-          <p:nvPr/>
-        </p:nvSpPr>
-        <p:spPr>
-          <a:xfrm>
-            <a:off x="3347580" y="1275366"/>
-            <a:ext cx="946093" cy="369332"/>
-          </a:xfrm>
-          <a:prstGeom prst="rect">
-            <a:avLst/>
-          </a:prstGeom>
-          <a:noFill/>
-        </p:spPr>
-        <p:txBody>
-          <a:bodyPr wrap="none" rtlCol="0">
-            <a:spAutoFit/>
-          </a:bodyPr>
-          <a:lstStyle/>
-          <a:p>
-            <a:r>
-              <a:rPr lang="en-US" dirty="0"/>
-              <a:t>Outputs</a:t>
-            </a:r>
-            <a:endParaRPr lang="en-DE" dirty="0"/>
-          </a:p>
-        </p:txBody>
-      </p:sp>
-      <p:sp>
-        <p:nvSpPr>
-          <p:cNvPr id="11" name="TextBox 10">
-            <a:extLst>
-              <a:ext uri="{FF2B5EF4-FFF2-40B4-BE49-F238E27FC236}">
-                <a16:creationId xmlns:a16="http://schemas.microsoft.com/office/drawing/2014/main" id="{B8456BF1-1EFC-C2A7-68CD-AD02FC2326C0}"/>
-              </a:ext>
-            </a:extLst>
-          </p:cNvPr>
-          <p:cNvSpPr txBox="1"/>
-          <p:nvPr/>
-        </p:nvSpPr>
-        <p:spPr>
-          <a:xfrm>
-            <a:off x="658935" y="4266238"/>
-            <a:ext cx="915635" cy="369332"/>
-          </a:xfrm>
-          <a:prstGeom prst="rect">
-            <a:avLst/>
-          </a:prstGeom>
-          <a:noFill/>
-        </p:spPr>
-        <p:txBody>
-          <a:bodyPr wrap="none" rtlCol="0">
-            <a:spAutoFit/>
-          </a:bodyPr>
-          <a:lstStyle/>
-          <a:p>
-            <a:r>
-              <a:rPr lang="en-US" dirty="0"/>
-              <a:t>Queries</a:t>
-            </a:r>
-            <a:endParaRPr lang="en-DE" dirty="0"/>
-          </a:p>
-        </p:txBody>
-      </p:sp>
-      <p:sp>
-        <p:nvSpPr>
-          <p:cNvPr id="12" name="TextBox 11">
-            <a:extLst>
-              <a:ext uri="{FF2B5EF4-FFF2-40B4-BE49-F238E27FC236}">
-                <a16:creationId xmlns:a16="http://schemas.microsoft.com/office/drawing/2014/main" id="{8D7AF8CE-3C08-2DFE-B421-7DB4F52691A3}"/>
-              </a:ext>
-            </a:extLst>
-          </p:cNvPr>
-          <p:cNvSpPr txBox="1"/>
-          <p:nvPr/>
-        </p:nvSpPr>
-        <p:spPr>
-          <a:xfrm>
-            <a:off x="959930" y="3636230"/>
-            <a:ext cx="606513" cy="369332"/>
-          </a:xfrm>
-          <a:prstGeom prst="rect">
-            <a:avLst/>
-          </a:prstGeom>
-          <a:noFill/>
-        </p:spPr>
-        <p:txBody>
-          <a:bodyPr wrap="none" rtlCol="0">
-            <a:spAutoFit/>
-          </a:bodyPr>
-          <a:lstStyle/>
-          <a:p>
-            <a:r>
-              <a:rPr lang="en-US" dirty="0"/>
-              <a:t>Keys</a:t>
-            </a:r>
-            <a:endParaRPr lang="en-DE" dirty="0"/>
-          </a:p>
-        </p:txBody>
-      </p:sp>
-    </p:spTree>
-    <p:extLst>
-      <p:ext uri="{BB962C8B-B14F-4D97-AF65-F5344CB8AC3E}">
-        <p14:creationId xmlns:p14="http://schemas.microsoft.com/office/powerpoint/2010/main" val="504172577"/>
-      </p:ext>
-    </p:extLst>
-  </p:cSld>
-  <p:clrMapOvr>
-    <a:masterClrMapping/>
-  </p:clrMapOvr>
-  <mc:AlternateContent xmlns:mc="http://schemas.openxmlformats.org/markup-compatibility/2006">
-    <mc:Choice xmlns:p14="http://schemas.microsoft.com/office/powerpoint/2010/main" Requires="p14">
-      <p:transition spd="med" p14:dur="700">
-        <p:fade/>
-      </p:transition>
-    </mc:Choice>
-    <mc:Fallback>
-      <p:transition spd="med">
-        <p:fade/>
-      </p:transition>
-    </mc:Fallback>
-  </mc:AlternateContent>
-</p:sld>
-</file>
-
-<file path=ppt/slides/slide13.xml><?xml version="1.0" encoding="utf-8"?>
-<p:sld xmlns:a="http://schemas.openxmlformats.org/drawingml/2006/main" xmlns:r="http://schemas.openxmlformats.org/officeDocument/2006/relationships" xmlns:p="http://schemas.openxmlformats.org/presentationml/2006/main">
-  <p:cSld>
-    <p:spTree>
-      <p:nvGrpSpPr>
-        <p:cNvPr id="1" name=""/>
-        <p:cNvGrpSpPr/>
-        <p:nvPr/>
-      </p:nvGrpSpPr>
-      <p:grpSpPr>
-        <a:xfrm>
-          <a:off x="0" y="0"/>
-          <a:ext cx="0" cy="0"/>
-          <a:chOff x="0" y="0"/>
-          <a:chExt cx="0" cy="0"/>
-        </a:xfrm>
-      </p:grpSpPr>
-      <p:pic>
-        <p:nvPicPr>
-          <p:cNvPr id="7" name="Content Placeholder 6">
-            <a:extLst>
-              <a:ext uri="{FF2B5EF4-FFF2-40B4-BE49-F238E27FC236}">
-                <a16:creationId xmlns:a16="http://schemas.microsoft.com/office/drawing/2014/main" id="{BAFF33DF-2286-1554-88C7-60128CC79146}"/>
-              </a:ext>
-            </a:extLst>
-          </p:cNvPr>
-          <p:cNvPicPr>
-            <a:picLocks noGrp="1" noChangeAspect="1"/>
-          </p:cNvPicPr>
-          <p:nvPr>
-            <p:ph idx="1"/>
-          </p:nvPr>
-        </p:nvPicPr>
-        <p:blipFill>
-          <a:blip r:embed="rId2"/>
-          <a:stretch>
-            <a:fillRect/>
-          </a:stretch>
-        </p:blipFill>
-        <p:spPr>
-          <a:xfrm>
-            <a:off x="1633388" y="-24432"/>
-            <a:ext cx="5877224" cy="6882432"/>
-          </a:xfrm>
-        </p:spPr>
-      </p:pic>
-      <p:sp>
-        <p:nvSpPr>
-          <p:cNvPr id="5" name="Slide Number Placeholder 4">
-            <a:extLst>
-              <a:ext uri="{FF2B5EF4-FFF2-40B4-BE49-F238E27FC236}">
-                <a16:creationId xmlns:a16="http://schemas.microsoft.com/office/drawing/2014/main" id="{A5925DEF-731E-C65D-17AA-5BA377FC0865}"/>
-              </a:ext>
-            </a:extLst>
-          </p:cNvPr>
-          <p:cNvSpPr>
-            <a:spLocks noGrp="1"/>
-          </p:cNvSpPr>
-          <p:nvPr>
-            <p:ph type="sldNum" sz="quarter" idx="12"/>
-          </p:nvPr>
-        </p:nvSpPr>
-        <p:spPr/>
-        <p:txBody>
-          <a:bodyPr/>
-          <a:lstStyle/>
-          <a:p>
-            <a:fld id="{C28CD5F5-F489-4697-8849-AC1E2110C5BD}" type="slidenum">
-              <a:rPr lang="en-US" smtClean="0"/>
-              <a:t>13</a:t>
-            </a:fld>
-            <a:endParaRPr lang="en-US"/>
-          </a:p>
-        </p:txBody>
-      </p:sp>
-    </p:spTree>
-    <p:extLst>
-      <p:ext uri="{BB962C8B-B14F-4D97-AF65-F5344CB8AC3E}">
-        <p14:creationId xmlns:p14="http://schemas.microsoft.com/office/powerpoint/2010/main" val="3676178029"/>
-      </p:ext>
-    </p:extLst>
-  </p:cSld>
-  <p:clrMapOvr>
-    <a:masterClrMapping/>
-  </p:clrMapOvr>
-  <mc:AlternateContent xmlns:mc="http://schemas.openxmlformats.org/markup-compatibility/2006">
-    <mc:Choice xmlns:p14="http://schemas.microsoft.com/office/powerpoint/2010/main" Requires="p14">
-      <p:transition spd="med" p14:dur="700">
-        <p:fade/>
-      </p:transition>
-    </mc:Choice>
-    <mc:Fallback>
+    <mc:Fallback xmlns="">
       <p:transition spd="med">
         <p:fade/>
       </p:transition>
@@ -5123,7 +5082,7 @@
           <p:cNvPr id="2" name="Title 1">
             <a:extLst>
               <a:ext uri="{FF2B5EF4-FFF2-40B4-BE49-F238E27FC236}">
-                <a16:creationId xmlns:a16="http://schemas.microsoft.com/office/drawing/2014/main" id="{4509D901-B333-D4F4-A9A1-738B53EDD3D8}"/>
+                <a16:creationId xmlns:a16="http://schemas.microsoft.com/office/drawing/2014/main" id="{550214E9-9A38-B086-6347-A71FCABCDB1C}"/>
               </a:ext>
             </a:extLst>
           </p:cNvPr>
@@ -5141,27 +5100,56 @@
           <a:p>
             <a:r>
               <a:rPr lang="en-US" dirty="0"/>
-              <a:t>The Transformer</a:t>
+              <a:t>Attention!</a:t>
             </a:r>
             <a:endParaRPr lang="en-DE" dirty="0"/>
           </a:p>
         </p:txBody>
       </p:sp>
-      <p:sp>
-        <p:nvSpPr>
-          <p:cNvPr id="3" name="Content Placeholder 2">
-            <a:extLst>
-              <a:ext uri="{FF2B5EF4-FFF2-40B4-BE49-F238E27FC236}">
-                <a16:creationId xmlns:a16="http://schemas.microsoft.com/office/drawing/2014/main" id="{0927AFB4-59A8-4C4F-1B07-6FDCAAB61494}"/>
-              </a:ext>
-            </a:extLst>
-          </p:cNvPr>
-          <p:cNvSpPr>
-            <a:spLocks noGrp="1"/>
-          </p:cNvSpPr>
+      <p:pic>
+        <p:nvPicPr>
+          <p:cNvPr id="7" name="Content Placeholder 6">
+            <a:extLst>
+              <a:ext uri="{FF2B5EF4-FFF2-40B4-BE49-F238E27FC236}">
+                <a16:creationId xmlns:a16="http://schemas.microsoft.com/office/drawing/2014/main" id="{2CCDF2A8-E50D-905E-33B7-95C56EC28124}"/>
+              </a:ext>
+            </a:extLst>
+          </p:cNvPr>
+          <p:cNvPicPr>
+            <a:picLocks noGrp="1" noChangeAspect="1"/>
+          </p:cNvPicPr>
           <p:nvPr>
             <p:ph idx="1"/>
           </p:nvPr>
+        </p:nvPicPr>
+        <p:blipFill>
+          <a:blip r:embed="rId2"/>
+          <a:stretch>
+            <a:fillRect/>
+          </a:stretch>
+        </p:blipFill>
+        <p:spPr>
+          <a:xfrm>
+            <a:off x="1566443" y="1627803"/>
+            <a:ext cx="6011114" cy="4153480"/>
+          </a:xfrm>
+        </p:spPr>
+      </p:pic>
+      <p:sp>
+        <p:nvSpPr>
+          <p:cNvPr id="4" name="Footer Placeholder 3">
+            <a:extLst>
+              <a:ext uri="{FF2B5EF4-FFF2-40B4-BE49-F238E27FC236}">
+                <a16:creationId xmlns:a16="http://schemas.microsoft.com/office/drawing/2014/main" id="{68ED98A6-1B56-0B82-3109-A9B307C01B6C}"/>
+              </a:ext>
+            </a:extLst>
+          </p:cNvPr>
+          <p:cNvSpPr>
+            <a:spLocks noGrp="1"/>
+          </p:cNvSpPr>
+          <p:nvPr>
+            <p:ph type="ftr" sz="quarter" idx="11"/>
+          </p:nvPr>
         </p:nvSpPr>
         <p:spPr/>
         <p:txBody>
@@ -5170,55 +5158,8 @@
           <a:p>
             <a:r>
               <a:rPr lang="en-US" dirty="0"/>
-              <a:t>Extension of Attention into a full model</a:t>
-            </a:r>
-          </a:p>
-          <a:p>
-            <a:r>
-              <a:rPr lang="en-US" dirty="0"/>
-              <a:t>Uses multi-head attention to attend different subspaces of the input</a:t>
-            </a:r>
-          </a:p>
-          <a:p>
-            <a:r>
-              <a:rPr lang="en-US" dirty="0"/>
-              <a:t>Combines Attention with linear layers and layer normalization</a:t>
-            </a:r>
-          </a:p>
-          <a:p>
-            <a:r>
-              <a:rPr lang="en-US" dirty="0"/>
-              <a:t>Is used multiple times sequentially</a:t>
-            </a:r>
-          </a:p>
-        </p:txBody>
-      </p:sp>
-      <p:sp>
-        <p:nvSpPr>
-          <p:cNvPr id="4" name="Footer Placeholder 3">
-            <a:extLst>
-              <a:ext uri="{FF2B5EF4-FFF2-40B4-BE49-F238E27FC236}">
-                <a16:creationId xmlns:a16="http://schemas.microsoft.com/office/drawing/2014/main" id="{FB882403-5753-A2FF-8752-A8A8E0828560}"/>
-              </a:ext>
-            </a:extLst>
-          </p:cNvPr>
-          <p:cNvSpPr>
-            <a:spLocks noGrp="1"/>
-          </p:cNvSpPr>
-          <p:nvPr>
-            <p:ph type="ftr" sz="quarter" idx="11"/>
-          </p:nvPr>
-        </p:nvSpPr>
-        <p:spPr/>
-        <p:txBody>
-          <a:bodyPr/>
-          <a:lstStyle/>
-          <a:p>
-            <a:r>
-              <a:rPr lang="en-US"/>
               <a:t>Attention in mixed-type Clustering</a:t>
             </a:r>
-            <a:endParaRPr lang="en-US" dirty="0"/>
           </a:p>
         </p:txBody>
       </p:sp>
@@ -5227,7 +5168,7 @@
           <p:cNvPr id="5" name="Slide Number Placeholder 4">
             <a:extLst>
               <a:ext uri="{FF2B5EF4-FFF2-40B4-BE49-F238E27FC236}">
-                <a16:creationId xmlns:a16="http://schemas.microsoft.com/office/drawing/2014/main" id="{3A3E060B-28E4-F952-6176-5B3BDC18C573}"/>
+                <a16:creationId xmlns:a16="http://schemas.microsoft.com/office/drawing/2014/main" id="{6B94C2F7-36C9-5B34-3DC2-7CAC54758782}"/>
               </a:ext>
             </a:extLst>
           </p:cNvPr>
@@ -5248,6 +5189,424 @@
               <a:t>14</a:t>
             </a:fld>
             <a:endParaRPr lang="en-US"/>
+          </a:p>
+        </p:txBody>
+      </p:sp>
+      <p:sp>
+        <p:nvSpPr>
+          <p:cNvPr id="8" name="TextBox 7">
+            <a:extLst>
+              <a:ext uri="{FF2B5EF4-FFF2-40B4-BE49-F238E27FC236}">
+                <a16:creationId xmlns:a16="http://schemas.microsoft.com/office/drawing/2014/main" id="{7FB69F0A-33A2-ABE8-A283-E8DFCEE60BF9}"/>
+              </a:ext>
+            </a:extLst>
+          </p:cNvPr>
+          <p:cNvSpPr txBox="1"/>
+          <p:nvPr/>
+        </p:nvSpPr>
+        <p:spPr>
+          <a:xfrm>
+            <a:off x="4860032" y="5781283"/>
+            <a:ext cx="793807" cy="369332"/>
+          </a:xfrm>
+          <a:prstGeom prst="rect">
+            <a:avLst/>
+          </a:prstGeom>
+          <a:noFill/>
+        </p:spPr>
+        <p:txBody>
+          <a:bodyPr wrap="none" rtlCol="0">
+            <a:spAutoFit/>
+          </a:bodyPr>
+          <a:lstStyle/>
+          <a:p>
+            <a:r>
+              <a:rPr lang="en-US" dirty="0"/>
+              <a:t>Values</a:t>
+            </a:r>
+            <a:endParaRPr lang="en-DE" dirty="0"/>
+          </a:p>
+        </p:txBody>
+      </p:sp>
+      <p:sp>
+        <p:nvSpPr>
+          <p:cNvPr id="10" name="TextBox 9">
+            <a:extLst>
+              <a:ext uri="{FF2B5EF4-FFF2-40B4-BE49-F238E27FC236}">
+                <a16:creationId xmlns:a16="http://schemas.microsoft.com/office/drawing/2014/main" id="{B5C85647-3F9E-0215-5641-5CC8CB76C99E}"/>
+              </a:ext>
+            </a:extLst>
+          </p:cNvPr>
+          <p:cNvSpPr txBox="1"/>
+          <p:nvPr/>
+        </p:nvSpPr>
+        <p:spPr>
+          <a:xfrm>
+            <a:off x="3347580" y="1275366"/>
+            <a:ext cx="946093" cy="369332"/>
+          </a:xfrm>
+          <a:prstGeom prst="rect">
+            <a:avLst/>
+          </a:prstGeom>
+          <a:noFill/>
+        </p:spPr>
+        <p:txBody>
+          <a:bodyPr wrap="none" rtlCol="0">
+            <a:spAutoFit/>
+          </a:bodyPr>
+          <a:lstStyle/>
+          <a:p>
+            <a:r>
+              <a:rPr lang="en-US" dirty="0"/>
+              <a:t>Outputs</a:t>
+            </a:r>
+            <a:endParaRPr lang="en-DE" dirty="0"/>
+          </a:p>
+        </p:txBody>
+      </p:sp>
+      <p:sp>
+        <p:nvSpPr>
+          <p:cNvPr id="11" name="TextBox 10">
+            <a:extLst>
+              <a:ext uri="{FF2B5EF4-FFF2-40B4-BE49-F238E27FC236}">
+                <a16:creationId xmlns:a16="http://schemas.microsoft.com/office/drawing/2014/main" id="{B8456BF1-1EFC-C2A7-68CD-AD02FC2326C0}"/>
+              </a:ext>
+            </a:extLst>
+          </p:cNvPr>
+          <p:cNvSpPr txBox="1"/>
+          <p:nvPr/>
+        </p:nvSpPr>
+        <p:spPr>
+          <a:xfrm>
+            <a:off x="658935" y="4266238"/>
+            <a:ext cx="915635" cy="369332"/>
+          </a:xfrm>
+          <a:prstGeom prst="rect">
+            <a:avLst/>
+          </a:prstGeom>
+          <a:noFill/>
+        </p:spPr>
+        <p:txBody>
+          <a:bodyPr wrap="none" rtlCol="0">
+            <a:spAutoFit/>
+          </a:bodyPr>
+          <a:lstStyle/>
+          <a:p>
+            <a:r>
+              <a:rPr lang="en-US" dirty="0"/>
+              <a:t>Queries</a:t>
+            </a:r>
+            <a:endParaRPr lang="en-DE" dirty="0"/>
+          </a:p>
+        </p:txBody>
+      </p:sp>
+      <p:sp>
+        <p:nvSpPr>
+          <p:cNvPr id="12" name="TextBox 11">
+            <a:extLst>
+              <a:ext uri="{FF2B5EF4-FFF2-40B4-BE49-F238E27FC236}">
+                <a16:creationId xmlns:a16="http://schemas.microsoft.com/office/drawing/2014/main" id="{8D7AF8CE-3C08-2DFE-B421-7DB4F52691A3}"/>
+              </a:ext>
+            </a:extLst>
+          </p:cNvPr>
+          <p:cNvSpPr txBox="1"/>
+          <p:nvPr/>
+        </p:nvSpPr>
+        <p:spPr>
+          <a:xfrm>
+            <a:off x="959930" y="3636230"/>
+            <a:ext cx="606513" cy="369332"/>
+          </a:xfrm>
+          <a:prstGeom prst="rect">
+            <a:avLst/>
+          </a:prstGeom>
+          <a:noFill/>
+        </p:spPr>
+        <p:txBody>
+          <a:bodyPr wrap="none" rtlCol="0">
+            <a:spAutoFit/>
+          </a:bodyPr>
+          <a:lstStyle/>
+          <a:p>
+            <a:r>
+              <a:rPr lang="en-US" dirty="0"/>
+              <a:t>Keys</a:t>
+            </a:r>
+            <a:endParaRPr lang="en-DE" dirty="0"/>
+          </a:p>
+        </p:txBody>
+      </p:sp>
+    </p:spTree>
+    <p:extLst>
+      <p:ext uri="{BB962C8B-B14F-4D97-AF65-F5344CB8AC3E}">
+        <p14:creationId xmlns:p14="http://schemas.microsoft.com/office/powerpoint/2010/main" val="504172577"/>
+      </p:ext>
+    </p:extLst>
+  </p:cSld>
+  <p:clrMapOvr>
+    <a:masterClrMapping/>
+  </p:clrMapOvr>
+  <mc:AlternateContent xmlns:mc="http://schemas.openxmlformats.org/markup-compatibility/2006" xmlns:p14="http://schemas.microsoft.com/office/powerpoint/2010/main">
+    <mc:Choice Requires="p14">
+      <p:transition spd="med" p14:dur="700">
+        <p:fade/>
+      </p:transition>
+    </mc:Choice>
+    <mc:Fallback xmlns="">
+      <p:transition spd="med">
+        <p:fade/>
+      </p:transition>
+    </mc:Fallback>
+  </mc:AlternateContent>
+</p:sld>
+</file>
+
+<file path=ppt/slides/slide15.xml><?xml version="1.0" encoding="utf-8"?>
+<p:sld xmlns:a="http://schemas.openxmlformats.org/drawingml/2006/main" xmlns:r="http://schemas.openxmlformats.org/officeDocument/2006/relationships" xmlns:p="http://schemas.openxmlformats.org/presentationml/2006/main">
+  <p:cSld>
+    <p:spTree>
+      <p:nvGrpSpPr>
+        <p:cNvPr id="1" name=""/>
+        <p:cNvGrpSpPr/>
+        <p:nvPr/>
+      </p:nvGrpSpPr>
+      <p:grpSpPr>
+        <a:xfrm>
+          <a:off x="0" y="0"/>
+          <a:ext cx="0" cy="0"/>
+          <a:chOff x="0" y="0"/>
+          <a:chExt cx="0" cy="0"/>
+        </a:xfrm>
+      </p:grpSpPr>
+      <p:pic>
+        <p:nvPicPr>
+          <p:cNvPr id="7" name="Content Placeholder 6">
+            <a:extLst>
+              <a:ext uri="{FF2B5EF4-FFF2-40B4-BE49-F238E27FC236}">
+                <a16:creationId xmlns:a16="http://schemas.microsoft.com/office/drawing/2014/main" id="{BAFF33DF-2286-1554-88C7-60128CC79146}"/>
+              </a:ext>
+            </a:extLst>
+          </p:cNvPr>
+          <p:cNvPicPr>
+            <a:picLocks noGrp="1" noChangeAspect="1"/>
+          </p:cNvPicPr>
+          <p:nvPr>
+            <p:ph idx="1"/>
+          </p:nvPr>
+        </p:nvPicPr>
+        <p:blipFill>
+          <a:blip r:embed="rId2"/>
+          <a:stretch>
+            <a:fillRect/>
+          </a:stretch>
+        </p:blipFill>
+        <p:spPr>
+          <a:xfrm>
+            <a:off x="1633388" y="-24432"/>
+            <a:ext cx="5877224" cy="6882432"/>
+          </a:xfrm>
+        </p:spPr>
+      </p:pic>
+      <p:sp>
+        <p:nvSpPr>
+          <p:cNvPr id="5" name="Slide Number Placeholder 4">
+            <a:extLst>
+              <a:ext uri="{FF2B5EF4-FFF2-40B4-BE49-F238E27FC236}">
+                <a16:creationId xmlns:a16="http://schemas.microsoft.com/office/drawing/2014/main" id="{A5925DEF-731E-C65D-17AA-5BA377FC0865}"/>
+              </a:ext>
+            </a:extLst>
+          </p:cNvPr>
+          <p:cNvSpPr>
+            <a:spLocks noGrp="1"/>
+          </p:cNvSpPr>
+          <p:nvPr>
+            <p:ph type="sldNum" sz="quarter" idx="12"/>
+          </p:nvPr>
+        </p:nvSpPr>
+        <p:spPr/>
+        <p:txBody>
+          <a:bodyPr/>
+          <a:lstStyle/>
+          <a:p>
+            <a:fld id="{C28CD5F5-F489-4697-8849-AC1E2110C5BD}" type="slidenum">
+              <a:rPr lang="en-US" smtClean="0"/>
+              <a:t>15</a:t>
+            </a:fld>
+            <a:endParaRPr lang="en-US"/>
+          </a:p>
+        </p:txBody>
+      </p:sp>
+    </p:spTree>
+    <p:extLst>
+      <p:ext uri="{BB962C8B-B14F-4D97-AF65-F5344CB8AC3E}">
+        <p14:creationId xmlns:p14="http://schemas.microsoft.com/office/powerpoint/2010/main" val="3676178029"/>
+      </p:ext>
+    </p:extLst>
+  </p:cSld>
+  <p:clrMapOvr>
+    <a:masterClrMapping/>
+  </p:clrMapOvr>
+  <mc:AlternateContent xmlns:mc="http://schemas.openxmlformats.org/markup-compatibility/2006" xmlns:p14="http://schemas.microsoft.com/office/powerpoint/2010/main">
+    <mc:Choice Requires="p14">
+      <p:transition spd="med" p14:dur="700">
+        <p:fade/>
+      </p:transition>
+    </mc:Choice>
+    <mc:Fallback xmlns="">
+      <p:transition spd="med">
+        <p:fade/>
+      </p:transition>
+    </mc:Fallback>
+  </mc:AlternateContent>
+</p:sld>
+</file>
+
+<file path=ppt/slides/slide16.xml><?xml version="1.0" encoding="utf-8"?>
+<p:sld xmlns:a="http://schemas.openxmlformats.org/drawingml/2006/main" xmlns:r="http://schemas.openxmlformats.org/officeDocument/2006/relationships" xmlns:p="http://schemas.openxmlformats.org/presentationml/2006/main">
+  <p:cSld>
+    <p:spTree>
+      <p:nvGrpSpPr>
+        <p:cNvPr id="1" name=""/>
+        <p:cNvGrpSpPr/>
+        <p:nvPr/>
+      </p:nvGrpSpPr>
+      <p:grpSpPr>
+        <a:xfrm>
+          <a:off x="0" y="0"/>
+          <a:ext cx="0" cy="0"/>
+          <a:chOff x="0" y="0"/>
+          <a:chExt cx="0" cy="0"/>
+        </a:xfrm>
+      </p:grpSpPr>
+      <p:sp>
+        <p:nvSpPr>
+          <p:cNvPr id="2" name="Title 1">
+            <a:extLst>
+              <a:ext uri="{FF2B5EF4-FFF2-40B4-BE49-F238E27FC236}">
+                <a16:creationId xmlns:a16="http://schemas.microsoft.com/office/drawing/2014/main" id="{4509D901-B333-D4F4-A9A1-738B53EDD3D8}"/>
+              </a:ext>
+            </a:extLst>
+          </p:cNvPr>
+          <p:cNvSpPr>
+            <a:spLocks noGrp="1"/>
+          </p:cNvSpPr>
+          <p:nvPr>
+            <p:ph type="title"/>
+          </p:nvPr>
+        </p:nvSpPr>
+        <p:spPr/>
+        <p:txBody>
+          <a:bodyPr/>
+          <a:lstStyle/>
+          <a:p>
+            <a:r>
+              <a:rPr lang="en-US" dirty="0"/>
+              <a:t>The Transformer</a:t>
+            </a:r>
+            <a:endParaRPr lang="en-DE" dirty="0"/>
+          </a:p>
+        </p:txBody>
+      </p:sp>
+      <p:sp>
+        <p:nvSpPr>
+          <p:cNvPr id="3" name="Content Placeholder 2">
+            <a:extLst>
+              <a:ext uri="{FF2B5EF4-FFF2-40B4-BE49-F238E27FC236}">
+                <a16:creationId xmlns:a16="http://schemas.microsoft.com/office/drawing/2014/main" id="{0927AFB4-59A8-4C4F-1B07-6FDCAAB61494}"/>
+              </a:ext>
+            </a:extLst>
+          </p:cNvPr>
+          <p:cNvSpPr>
+            <a:spLocks noGrp="1"/>
+          </p:cNvSpPr>
+          <p:nvPr>
+            <p:ph idx="1"/>
+          </p:nvPr>
+        </p:nvSpPr>
+        <p:spPr/>
+        <p:txBody>
+          <a:bodyPr/>
+          <a:lstStyle/>
+          <a:p>
+            <a:r>
+              <a:rPr lang="en-US" dirty="0"/>
+              <a:t>Extension of Attention into a full model</a:t>
+            </a:r>
+          </a:p>
+          <a:p>
+            <a:r>
+              <a:rPr lang="en-US" dirty="0"/>
+              <a:t>Uses multi-head attention to attend different subspaces of the input</a:t>
+            </a:r>
+          </a:p>
+          <a:p>
+            <a:r>
+              <a:rPr lang="en-US" dirty="0"/>
+              <a:t>Combines Attention with linear layers and layer normalization</a:t>
+            </a:r>
+          </a:p>
+          <a:p>
+            <a:r>
+              <a:rPr lang="en-US" dirty="0"/>
+              <a:t>Is used multiple times sequentially</a:t>
+            </a:r>
+          </a:p>
+        </p:txBody>
+      </p:sp>
+      <p:sp>
+        <p:nvSpPr>
+          <p:cNvPr id="4" name="Footer Placeholder 3">
+            <a:extLst>
+              <a:ext uri="{FF2B5EF4-FFF2-40B4-BE49-F238E27FC236}">
+                <a16:creationId xmlns:a16="http://schemas.microsoft.com/office/drawing/2014/main" id="{FB882403-5753-A2FF-8752-A8A8E0828560}"/>
+              </a:ext>
+            </a:extLst>
+          </p:cNvPr>
+          <p:cNvSpPr>
+            <a:spLocks noGrp="1"/>
+          </p:cNvSpPr>
+          <p:nvPr>
+            <p:ph type="ftr" sz="quarter" idx="11"/>
+          </p:nvPr>
+        </p:nvSpPr>
+        <p:spPr/>
+        <p:txBody>
+          <a:bodyPr/>
+          <a:lstStyle/>
+          <a:p>
+            <a:r>
+              <a:rPr lang="en-US" dirty="0"/>
+              <a:t>Attention in mixed-type Clustering</a:t>
+            </a:r>
+          </a:p>
+        </p:txBody>
+      </p:sp>
+      <p:sp>
+        <p:nvSpPr>
+          <p:cNvPr id="5" name="Slide Number Placeholder 4">
+            <a:extLst>
+              <a:ext uri="{FF2B5EF4-FFF2-40B4-BE49-F238E27FC236}">
+                <a16:creationId xmlns:a16="http://schemas.microsoft.com/office/drawing/2014/main" id="{3A3E060B-28E4-F952-6176-5B3BDC18C573}"/>
+              </a:ext>
+            </a:extLst>
+          </p:cNvPr>
+          <p:cNvSpPr>
+            <a:spLocks noGrp="1"/>
+          </p:cNvSpPr>
+          <p:nvPr>
+            <p:ph type="sldNum" sz="quarter" idx="12"/>
+          </p:nvPr>
+        </p:nvSpPr>
+        <p:spPr/>
+        <p:txBody>
+          <a:bodyPr/>
+          <a:lstStyle/>
+          <a:p>
+            <a:fld id="{C28CD5F5-F489-4697-8849-AC1E2110C5BD}" type="slidenum">
+              <a:rPr lang="en-US" smtClean="0"/>
+              <a:t>16</a:t>
+            </a:fld>
+            <a:endParaRPr lang="en-US" dirty="0"/>
           </a:p>
         </p:txBody>
       </p:sp>
@@ -5291,339 +5650,13 @@
   <p:clrMapOvr>
     <a:masterClrMapping/>
   </p:clrMapOvr>
-  <mc:AlternateContent xmlns:mc="http://schemas.openxmlformats.org/markup-compatibility/2006">
-    <mc:Choice xmlns:p14="http://schemas.microsoft.com/office/powerpoint/2010/main" Requires="p14">
+  <mc:AlternateContent xmlns:mc="http://schemas.openxmlformats.org/markup-compatibility/2006" xmlns:p14="http://schemas.microsoft.com/office/powerpoint/2010/main">
+    <mc:Choice Requires="p14">
       <p:transition spd="med" p14:dur="700">
         <p:fade/>
       </p:transition>
     </mc:Choice>
-    <mc:Fallback>
-      <p:transition spd="med">
-        <p:fade/>
-      </p:transition>
-    </mc:Fallback>
-  </mc:AlternateContent>
-</p:sld>
-</file>
-
-<file path=ppt/slides/slide15.xml><?xml version="1.0" encoding="utf-8"?>
-<p:sld xmlns:a="http://schemas.openxmlformats.org/drawingml/2006/main" xmlns:r="http://schemas.openxmlformats.org/officeDocument/2006/relationships" xmlns:p="http://schemas.openxmlformats.org/presentationml/2006/main">
-  <p:cSld>
-    <p:spTree>
-      <p:nvGrpSpPr>
-        <p:cNvPr id="1" name=""/>
-        <p:cNvGrpSpPr/>
-        <p:nvPr/>
-      </p:nvGrpSpPr>
-      <p:grpSpPr>
-        <a:xfrm>
-          <a:off x="0" y="0"/>
-          <a:ext cx="0" cy="0"/>
-          <a:chOff x="0" y="0"/>
-          <a:chExt cx="0" cy="0"/>
-        </a:xfrm>
-      </p:grpSpPr>
-      <p:sp>
-        <p:nvSpPr>
-          <p:cNvPr id="2" name="Title 1">
-            <a:extLst>
-              <a:ext uri="{FF2B5EF4-FFF2-40B4-BE49-F238E27FC236}">
-                <a16:creationId xmlns:a16="http://schemas.microsoft.com/office/drawing/2014/main" id="{A47E892B-FD4A-57B5-8FA8-1795686117A9}"/>
-              </a:ext>
-            </a:extLst>
-          </p:cNvPr>
-          <p:cNvSpPr>
-            <a:spLocks noGrp="1"/>
-          </p:cNvSpPr>
-          <p:nvPr>
-            <p:ph type="title"/>
-          </p:nvPr>
-        </p:nvSpPr>
-        <p:spPr>
-          <a:xfrm>
-            <a:off x="457200" y="404664"/>
-            <a:ext cx="8229600" cy="778097"/>
-          </a:xfrm>
-        </p:spPr>
-        <p:txBody>
-          <a:bodyPr>
-            <a:normAutofit fontScale="90000"/>
-          </a:bodyPr>
-          <a:lstStyle/>
-          <a:p>
-            <a:r>
-              <a:rPr lang="en-US" dirty="0"/>
-              <a:t>Transformer as a supervised mixed-type data classifier</a:t>
-            </a:r>
-            <a:endParaRPr lang="en-DE" dirty="0"/>
-          </a:p>
-        </p:txBody>
-      </p:sp>
-      <p:sp>
-        <p:nvSpPr>
-          <p:cNvPr id="3" name="Content Placeholder 2">
-            <a:extLst>
-              <a:ext uri="{FF2B5EF4-FFF2-40B4-BE49-F238E27FC236}">
-                <a16:creationId xmlns:a16="http://schemas.microsoft.com/office/drawing/2014/main" id="{F4C74972-3C6B-0B5B-7C31-D5C3744CA457}"/>
-              </a:ext>
-            </a:extLst>
-          </p:cNvPr>
-          <p:cNvSpPr>
-            <a:spLocks noGrp="1"/>
-          </p:cNvSpPr>
-          <p:nvPr>
-            <p:ph idx="1"/>
-          </p:nvPr>
-        </p:nvSpPr>
-        <p:spPr>
-          <a:xfrm>
-            <a:off x="446856" y="1596889"/>
-            <a:ext cx="8229600" cy="4929412"/>
-          </a:xfrm>
-        </p:spPr>
-        <p:txBody>
-          <a:bodyPr/>
-          <a:lstStyle/>
-          <a:p>
-            <a:r>
-              <a:rPr lang="en-US" dirty="0" err="1"/>
-              <a:t>TabTransformer</a:t>
-            </a:r>
-            <a:r>
-              <a:rPr lang="en-US" dirty="0"/>
-              <a:t> by Huang et al, 2020</a:t>
-            </a:r>
-          </a:p>
-          <a:p>
-            <a:pPr lvl="1"/>
-            <a:r>
-              <a:rPr lang="en-US" dirty="0"/>
-              <a:t>Uses shared embedding</a:t>
-            </a:r>
-          </a:p>
-          <a:p>
-            <a:pPr lvl="1"/>
-            <a:r>
-              <a:rPr lang="en-US" dirty="0"/>
-              <a:t>Only categorical features used in transformer</a:t>
-            </a:r>
-          </a:p>
-          <a:p>
-            <a:r>
-              <a:rPr lang="en-US" dirty="0"/>
-              <a:t>FT-Transformer by </a:t>
-            </a:r>
-            <a:r>
-              <a:rPr lang="en-US" dirty="0" err="1"/>
-              <a:t>Gorishniy</a:t>
-            </a:r>
-            <a:r>
-              <a:rPr lang="en-US" dirty="0"/>
-              <a:t> et al, 2021</a:t>
-            </a:r>
-          </a:p>
-          <a:p>
-            <a:pPr lvl="1"/>
-            <a:r>
-              <a:rPr lang="en-US" dirty="0"/>
-              <a:t>Embeddings for continuous </a:t>
-            </a:r>
-            <a:r>
-              <a:rPr lang="en-US" dirty="0" err="1"/>
-              <a:t>featues</a:t>
-            </a:r>
-            <a:endParaRPr lang="en-US" dirty="0"/>
-          </a:p>
-          <a:p>
-            <a:pPr lvl="1"/>
-            <a:r>
-              <a:rPr lang="en-US" dirty="0"/>
-              <a:t>Both types of features used in transformer</a:t>
-            </a:r>
-          </a:p>
-          <a:p>
-            <a:endParaRPr lang="en-US" dirty="0"/>
-          </a:p>
-          <a:p>
-            <a:endParaRPr lang="en-DE" dirty="0"/>
-          </a:p>
-        </p:txBody>
-      </p:sp>
-      <p:sp>
-        <p:nvSpPr>
-          <p:cNvPr id="4" name="Footer Placeholder 3">
-            <a:extLst>
-              <a:ext uri="{FF2B5EF4-FFF2-40B4-BE49-F238E27FC236}">
-                <a16:creationId xmlns:a16="http://schemas.microsoft.com/office/drawing/2014/main" id="{82A882EA-F211-0232-93AD-B5FE96C8275D}"/>
-              </a:ext>
-            </a:extLst>
-          </p:cNvPr>
-          <p:cNvSpPr>
-            <a:spLocks noGrp="1"/>
-          </p:cNvSpPr>
-          <p:nvPr>
-            <p:ph type="ftr" sz="quarter" idx="11"/>
-          </p:nvPr>
-        </p:nvSpPr>
-        <p:spPr/>
-        <p:txBody>
-          <a:bodyPr/>
-          <a:lstStyle/>
-          <a:p>
-            <a:r>
-              <a:rPr lang="en-US"/>
-              <a:t>Attention in mixed-type Clustering</a:t>
-            </a:r>
-            <a:endParaRPr lang="en-US" dirty="0"/>
-          </a:p>
-        </p:txBody>
-      </p:sp>
-      <p:sp>
-        <p:nvSpPr>
-          <p:cNvPr id="5" name="Slide Number Placeholder 4">
-            <a:extLst>
-              <a:ext uri="{FF2B5EF4-FFF2-40B4-BE49-F238E27FC236}">
-                <a16:creationId xmlns:a16="http://schemas.microsoft.com/office/drawing/2014/main" id="{CF97701F-CCB7-8742-1311-A074EB8AC915}"/>
-              </a:ext>
-            </a:extLst>
-          </p:cNvPr>
-          <p:cNvSpPr>
-            <a:spLocks noGrp="1"/>
-          </p:cNvSpPr>
-          <p:nvPr>
-            <p:ph type="sldNum" sz="quarter" idx="12"/>
-          </p:nvPr>
-        </p:nvSpPr>
-        <p:spPr/>
-        <p:txBody>
-          <a:bodyPr/>
-          <a:lstStyle/>
-          <a:p>
-            <a:fld id="{C28CD5F5-F489-4697-8849-AC1E2110C5BD}" type="slidenum">
-              <a:rPr lang="en-US" smtClean="0"/>
-              <a:t>15</a:t>
-            </a:fld>
-            <a:endParaRPr lang="en-US"/>
-          </a:p>
-        </p:txBody>
-      </p:sp>
-    </p:spTree>
-    <p:extLst>
-      <p:ext uri="{BB962C8B-B14F-4D97-AF65-F5344CB8AC3E}">
-        <p14:creationId xmlns:p14="http://schemas.microsoft.com/office/powerpoint/2010/main" val="2273133970"/>
-      </p:ext>
-    </p:extLst>
-  </p:cSld>
-  <p:clrMapOvr>
-    <a:masterClrMapping/>
-  </p:clrMapOvr>
-  <mc:AlternateContent xmlns:mc="http://schemas.openxmlformats.org/markup-compatibility/2006">
-    <mc:Choice xmlns:p14="http://schemas.microsoft.com/office/powerpoint/2010/main" Requires="p14">
-      <p:transition spd="med" p14:dur="700">
-        <p:fade/>
-      </p:transition>
-    </mc:Choice>
-    <mc:Fallback>
-      <p:transition spd="med">
-        <p:fade/>
-      </p:transition>
-    </mc:Fallback>
-  </mc:AlternateContent>
-</p:sld>
-</file>
-
-<file path=ppt/slides/slide16.xml><?xml version="1.0" encoding="utf-8"?>
-<p:sld xmlns:a="http://schemas.openxmlformats.org/drawingml/2006/main" xmlns:r="http://schemas.openxmlformats.org/officeDocument/2006/relationships" xmlns:p="http://schemas.openxmlformats.org/presentationml/2006/main">
-  <p:cSld>
-    <p:spTree>
-      <p:nvGrpSpPr>
-        <p:cNvPr id="1" name=""/>
-        <p:cNvGrpSpPr/>
-        <p:nvPr/>
-      </p:nvGrpSpPr>
-      <p:grpSpPr>
-        <a:xfrm>
-          <a:off x="0" y="0"/>
-          <a:ext cx="0" cy="0"/>
-          <a:chOff x="0" y="0"/>
-          <a:chExt cx="0" cy="0"/>
-        </a:xfrm>
-      </p:grpSpPr>
-      <p:pic>
-        <p:nvPicPr>
-          <p:cNvPr id="7" name="Content Placeholder 6">
-            <a:extLst>
-              <a:ext uri="{FF2B5EF4-FFF2-40B4-BE49-F238E27FC236}">
-                <a16:creationId xmlns:a16="http://schemas.microsoft.com/office/drawing/2014/main" id="{74EE7AE7-DFBC-8641-1D3F-3EAAB4D17CB9}"/>
-              </a:ext>
-            </a:extLst>
-          </p:cNvPr>
-          <p:cNvPicPr>
-            <a:picLocks noGrp="1" noChangeAspect="1"/>
-          </p:cNvPicPr>
-          <p:nvPr>
-            <p:ph idx="1"/>
-          </p:nvPr>
-        </p:nvPicPr>
-        <p:blipFill>
-          <a:blip r:embed="rId2"/>
-          <a:stretch>
-            <a:fillRect/>
-          </a:stretch>
-        </p:blipFill>
-        <p:spPr>
-          <a:xfrm>
-            <a:off x="1793610" y="0"/>
-            <a:ext cx="5556779" cy="6858000"/>
-          </a:xfrm>
-        </p:spPr>
-      </p:pic>
-      <p:sp>
-        <p:nvSpPr>
-          <p:cNvPr id="5" name="Slide Number Placeholder 4">
-            <a:extLst>
-              <a:ext uri="{FF2B5EF4-FFF2-40B4-BE49-F238E27FC236}">
-                <a16:creationId xmlns:a16="http://schemas.microsoft.com/office/drawing/2014/main" id="{81538327-8697-ACA7-82FE-9E046E04A807}"/>
-              </a:ext>
-            </a:extLst>
-          </p:cNvPr>
-          <p:cNvSpPr>
-            <a:spLocks noGrp="1"/>
-          </p:cNvSpPr>
-          <p:nvPr>
-            <p:ph type="sldNum" sz="quarter" idx="12"/>
-          </p:nvPr>
-        </p:nvSpPr>
-        <p:spPr/>
-        <p:txBody>
-          <a:bodyPr/>
-          <a:lstStyle/>
-          <a:p>
-            <a:fld id="{C28CD5F5-F489-4697-8849-AC1E2110C5BD}" type="slidenum">
-              <a:rPr lang="en-US" smtClean="0"/>
-              <a:t>16</a:t>
-            </a:fld>
-            <a:endParaRPr lang="en-US"/>
-          </a:p>
-        </p:txBody>
-      </p:sp>
-    </p:spTree>
-    <p:extLst>
-      <p:ext uri="{BB962C8B-B14F-4D97-AF65-F5344CB8AC3E}">
-        <p14:creationId xmlns:p14="http://schemas.microsoft.com/office/powerpoint/2010/main" val="2155047638"/>
-      </p:ext>
-    </p:extLst>
-  </p:cSld>
-  <p:clrMapOvr>
-    <a:masterClrMapping/>
-  </p:clrMapOvr>
-  <mc:AlternateContent xmlns:mc="http://schemas.openxmlformats.org/markup-compatibility/2006">
-    <mc:Choice xmlns:p14="http://schemas.microsoft.com/office/powerpoint/2010/main" Requires="p14">
-      <p:transition spd="med" p14:dur="700">
-        <p:fade/>
-      </p:transition>
-    </mc:Choice>
-    <mc:Fallback>
+    <mc:Fallback xmlns="">
       <p:transition spd="med">
         <p:fade/>
       </p:transition>
@@ -5651,10 +5684,165 @@
       </p:grpSpPr>
       <p:sp>
         <p:nvSpPr>
+          <p:cNvPr id="2" name="Title 1">
+            <a:extLst>
+              <a:ext uri="{FF2B5EF4-FFF2-40B4-BE49-F238E27FC236}">
+                <a16:creationId xmlns:a16="http://schemas.microsoft.com/office/drawing/2014/main" id="{A47E892B-FD4A-57B5-8FA8-1795686117A9}"/>
+              </a:ext>
+            </a:extLst>
+          </p:cNvPr>
+          <p:cNvSpPr>
+            <a:spLocks noGrp="1"/>
+          </p:cNvSpPr>
+          <p:nvPr>
+            <p:ph type="title"/>
+          </p:nvPr>
+        </p:nvSpPr>
+        <p:spPr>
+          <a:xfrm>
+            <a:off x="457200" y="404664"/>
+            <a:ext cx="8229600" cy="778097"/>
+          </a:xfrm>
+        </p:spPr>
+        <p:txBody>
+          <a:bodyPr>
+            <a:normAutofit fontScale="90000"/>
+          </a:bodyPr>
+          <a:lstStyle/>
+          <a:p>
+            <a:r>
+              <a:rPr lang="en-US" dirty="0"/>
+              <a:t>Transformer as a supervised mixed-type data classifier</a:t>
+            </a:r>
+            <a:endParaRPr lang="en-DE" dirty="0"/>
+          </a:p>
+        </p:txBody>
+      </p:sp>
+      <p:sp>
+        <p:nvSpPr>
+          <p:cNvPr id="3" name="Content Placeholder 2">
+            <a:extLst>
+              <a:ext uri="{FF2B5EF4-FFF2-40B4-BE49-F238E27FC236}">
+                <a16:creationId xmlns:a16="http://schemas.microsoft.com/office/drawing/2014/main" id="{F4C74972-3C6B-0B5B-7C31-D5C3744CA457}"/>
+              </a:ext>
+            </a:extLst>
+          </p:cNvPr>
+          <p:cNvSpPr>
+            <a:spLocks noGrp="1"/>
+          </p:cNvSpPr>
+          <p:nvPr>
+            <p:ph idx="1"/>
+          </p:nvPr>
+        </p:nvSpPr>
+        <p:spPr>
+          <a:xfrm>
+            <a:off x="446856" y="1596889"/>
+            <a:ext cx="8229600" cy="4929412"/>
+          </a:xfrm>
+        </p:spPr>
+        <p:txBody>
+          <a:bodyPr/>
+          <a:lstStyle/>
+          <a:p>
+            <a:r>
+              <a:rPr lang="en-US" dirty="0" err="1"/>
+              <a:t>TabTransformer</a:t>
+            </a:r>
+            <a:r>
+              <a:rPr lang="en-US" dirty="0"/>
+              <a:t> by Huang et al, 2020</a:t>
+            </a:r>
+          </a:p>
+          <a:p>
+            <a:pPr lvl="1"/>
+            <a:r>
+              <a:rPr lang="en-US" dirty="0"/>
+              <a:t>Uses shared embedding</a:t>
+            </a:r>
+          </a:p>
+          <a:p>
+            <a:pPr lvl="1"/>
+            <a:r>
+              <a:rPr lang="en-US" dirty="0"/>
+              <a:t>Only categorical features used in transformer</a:t>
+            </a:r>
+          </a:p>
+          <a:p>
+            <a:r>
+              <a:rPr lang="en-US" dirty="0"/>
+              <a:t>FT-Transformer by </a:t>
+            </a:r>
+            <a:r>
+              <a:rPr lang="en-US" dirty="0" err="1"/>
+              <a:t>Gorishniy</a:t>
+            </a:r>
+            <a:r>
+              <a:rPr lang="en-US" dirty="0"/>
+              <a:t> et al, 2021</a:t>
+            </a:r>
+          </a:p>
+          <a:p>
+            <a:pPr lvl="1"/>
+            <a:r>
+              <a:rPr lang="en-US" dirty="0"/>
+              <a:t>Embeddings for continuous </a:t>
+            </a:r>
+            <a:r>
+              <a:rPr lang="en-US" dirty="0" err="1"/>
+              <a:t>featues</a:t>
+            </a:r>
+            <a:endParaRPr lang="en-US" dirty="0"/>
+          </a:p>
+          <a:p>
+            <a:pPr lvl="1"/>
+            <a:r>
+              <a:rPr lang="en-US" dirty="0"/>
+              <a:t>Both types of features used in transformer</a:t>
+            </a:r>
+          </a:p>
+          <a:p>
+            <a:endParaRPr lang="en-US" dirty="0"/>
+          </a:p>
+          <a:p>
+            <a:endParaRPr lang="en-DE" dirty="0"/>
+          </a:p>
+        </p:txBody>
+      </p:sp>
+      <p:sp>
+        <p:nvSpPr>
+          <p:cNvPr id="4" name="Footer Placeholder 3">
+            <a:extLst>
+              <a:ext uri="{FF2B5EF4-FFF2-40B4-BE49-F238E27FC236}">
+                <a16:creationId xmlns:a16="http://schemas.microsoft.com/office/drawing/2014/main" id="{82A882EA-F211-0232-93AD-B5FE96C8275D}"/>
+              </a:ext>
+            </a:extLst>
+          </p:cNvPr>
+          <p:cNvSpPr>
+            <a:spLocks noGrp="1"/>
+          </p:cNvSpPr>
+          <p:nvPr>
+            <p:ph type="ftr" sz="quarter" idx="11"/>
+          </p:nvPr>
+        </p:nvSpPr>
+        <p:spPr/>
+        <p:txBody>
+          <a:bodyPr/>
+          <a:lstStyle/>
+          <a:p>
+            <a:r>
+              <a:rPr lang="en-US"/>
+              <a:t>Attention in mixed-type Clustering</a:t>
+            </a:r>
+            <a:endParaRPr lang="en-US" dirty="0"/>
+          </a:p>
+        </p:txBody>
+      </p:sp>
+      <p:sp>
+        <p:nvSpPr>
           <p:cNvPr id="5" name="Slide Number Placeholder 4">
             <a:extLst>
               <a:ext uri="{FF2B5EF4-FFF2-40B4-BE49-F238E27FC236}">
-                <a16:creationId xmlns:a16="http://schemas.microsoft.com/office/drawing/2014/main" id="{EBA02F9F-93BA-0EB8-DE47-9248E96922DF}"/>
+                <a16:creationId xmlns:a16="http://schemas.microsoft.com/office/drawing/2014/main" id="{CF97701F-CCB7-8742-1311-A074EB8AC915}"/>
               </a:ext>
             </a:extLst>
           </p:cNvPr>
@@ -5673,6 +5861,177 @@
             <a:fld id="{C28CD5F5-F489-4697-8849-AC1E2110C5BD}" type="slidenum">
               <a:rPr lang="en-US" smtClean="0"/>
               <a:t>17</a:t>
+            </a:fld>
+            <a:endParaRPr lang="en-US"/>
+          </a:p>
+        </p:txBody>
+      </p:sp>
+    </p:spTree>
+    <p:extLst>
+      <p:ext uri="{BB962C8B-B14F-4D97-AF65-F5344CB8AC3E}">
+        <p14:creationId xmlns:p14="http://schemas.microsoft.com/office/powerpoint/2010/main" val="2273133970"/>
+      </p:ext>
+    </p:extLst>
+  </p:cSld>
+  <p:clrMapOvr>
+    <a:masterClrMapping/>
+  </p:clrMapOvr>
+  <mc:AlternateContent xmlns:mc="http://schemas.openxmlformats.org/markup-compatibility/2006" xmlns:p14="http://schemas.microsoft.com/office/powerpoint/2010/main">
+    <mc:Choice Requires="p14">
+      <p:transition spd="med" p14:dur="700">
+        <p:fade/>
+      </p:transition>
+    </mc:Choice>
+    <mc:Fallback xmlns="">
+      <p:transition spd="med">
+        <p:fade/>
+      </p:transition>
+    </mc:Fallback>
+  </mc:AlternateContent>
+</p:sld>
+</file>
+
+<file path=ppt/slides/slide18.xml><?xml version="1.0" encoding="utf-8"?>
+<p:sld xmlns:a="http://schemas.openxmlformats.org/drawingml/2006/main" xmlns:r="http://schemas.openxmlformats.org/officeDocument/2006/relationships" xmlns:p="http://schemas.openxmlformats.org/presentationml/2006/main">
+  <p:cSld>
+    <p:spTree>
+      <p:nvGrpSpPr>
+        <p:cNvPr id="1" name=""/>
+        <p:cNvGrpSpPr/>
+        <p:nvPr/>
+      </p:nvGrpSpPr>
+      <p:grpSpPr>
+        <a:xfrm>
+          <a:off x="0" y="0"/>
+          <a:ext cx="0" cy="0"/>
+          <a:chOff x="0" y="0"/>
+          <a:chExt cx="0" cy="0"/>
+        </a:xfrm>
+      </p:grpSpPr>
+      <p:pic>
+        <p:nvPicPr>
+          <p:cNvPr id="7" name="Content Placeholder 6">
+            <a:extLst>
+              <a:ext uri="{FF2B5EF4-FFF2-40B4-BE49-F238E27FC236}">
+                <a16:creationId xmlns:a16="http://schemas.microsoft.com/office/drawing/2014/main" id="{74EE7AE7-DFBC-8641-1D3F-3EAAB4D17CB9}"/>
+              </a:ext>
+            </a:extLst>
+          </p:cNvPr>
+          <p:cNvPicPr>
+            <a:picLocks noGrp="1" noChangeAspect="1"/>
+          </p:cNvPicPr>
+          <p:nvPr>
+            <p:ph idx="1"/>
+          </p:nvPr>
+        </p:nvPicPr>
+        <p:blipFill>
+          <a:blip r:embed="rId2"/>
+          <a:stretch>
+            <a:fillRect/>
+          </a:stretch>
+        </p:blipFill>
+        <p:spPr>
+          <a:xfrm>
+            <a:off x="1793610" y="0"/>
+            <a:ext cx="5556779" cy="6858000"/>
+          </a:xfrm>
+        </p:spPr>
+      </p:pic>
+      <p:sp>
+        <p:nvSpPr>
+          <p:cNvPr id="5" name="Slide Number Placeholder 4">
+            <a:extLst>
+              <a:ext uri="{FF2B5EF4-FFF2-40B4-BE49-F238E27FC236}">
+                <a16:creationId xmlns:a16="http://schemas.microsoft.com/office/drawing/2014/main" id="{81538327-8697-ACA7-82FE-9E046E04A807}"/>
+              </a:ext>
+            </a:extLst>
+          </p:cNvPr>
+          <p:cNvSpPr>
+            <a:spLocks noGrp="1"/>
+          </p:cNvSpPr>
+          <p:nvPr>
+            <p:ph type="sldNum" sz="quarter" idx="12"/>
+          </p:nvPr>
+        </p:nvSpPr>
+        <p:spPr/>
+        <p:txBody>
+          <a:bodyPr/>
+          <a:lstStyle/>
+          <a:p>
+            <a:fld id="{C28CD5F5-F489-4697-8849-AC1E2110C5BD}" type="slidenum">
+              <a:rPr lang="en-US" smtClean="0"/>
+              <a:t>18</a:t>
+            </a:fld>
+            <a:endParaRPr lang="en-US"/>
+          </a:p>
+        </p:txBody>
+      </p:sp>
+    </p:spTree>
+    <p:extLst>
+      <p:ext uri="{BB962C8B-B14F-4D97-AF65-F5344CB8AC3E}">
+        <p14:creationId xmlns:p14="http://schemas.microsoft.com/office/powerpoint/2010/main" val="2155047638"/>
+      </p:ext>
+    </p:extLst>
+  </p:cSld>
+  <p:clrMapOvr>
+    <a:masterClrMapping/>
+  </p:clrMapOvr>
+  <mc:AlternateContent xmlns:mc="http://schemas.openxmlformats.org/markup-compatibility/2006" xmlns:p14="http://schemas.microsoft.com/office/powerpoint/2010/main">
+    <mc:Choice Requires="p14">
+      <p:transition spd="med" p14:dur="700">
+        <p:fade/>
+      </p:transition>
+    </mc:Choice>
+    <mc:Fallback xmlns="">
+      <p:transition spd="med">
+        <p:fade/>
+      </p:transition>
+    </mc:Fallback>
+  </mc:AlternateContent>
+</p:sld>
+</file>
+
+<file path=ppt/slides/slide19.xml><?xml version="1.0" encoding="utf-8"?>
+<p:sld xmlns:a="http://schemas.openxmlformats.org/drawingml/2006/main" xmlns:r="http://schemas.openxmlformats.org/officeDocument/2006/relationships" xmlns:p="http://schemas.openxmlformats.org/presentationml/2006/main">
+  <p:cSld>
+    <p:spTree>
+      <p:nvGrpSpPr>
+        <p:cNvPr id="1" name=""/>
+        <p:cNvGrpSpPr/>
+        <p:nvPr/>
+      </p:nvGrpSpPr>
+      <p:grpSpPr>
+        <a:xfrm>
+          <a:off x="0" y="0"/>
+          <a:ext cx="0" cy="0"/>
+          <a:chOff x="0" y="0"/>
+          <a:chExt cx="0" cy="0"/>
+        </a:xfrm>
+      </p:grpSpPr>
+      <p:sp>
+        <p:nvSpPr>
+          <p:cNvPr id="5" name="Slide Number Placeholder 4">
+            <a:extLst>
+              <a:ext uri="{FF2B5EF4-FFF2-40B4-BE49-F238E27FC236}">
+                <a16:creationId xmlns:a16="http://schemas.microsoft.com/office/drawing/2014/main" id="{EBA02F9F-93BA-0EB8-DE47-9248E96922DF}"/>
+              </a:ext>
+            </a:extLst>
+          </p:cNvPr>
+          <p:cNvSpPr>
+            <a:spLocks noGrp="1"/>
+          </p:cNvSpPr>
+          <p:nvPr>
+            <p:ph type="sldNum" sz="quarter" idx="12"/>
+          </p:nvPr>
+        </p:nvSpPr>
+        <p:spPr/>
+        <p:txBody>
+          <a:bodyPr/>
+          <a:lstStyle/>
+          <a:p>
+            <a:fld id="{C28CD5F5-F489-4697-8849-AC1E2110C5BD}" type="slidenum">
+              <a:rPr lang="en-US" smtClean="0"/>
+              <a:t>19</a:t>
             </a:fld>
             <a:endParaRPr lang="en-US"/>
           </a:p>
@@ -5718,340 +6077,13 @@
   <p:clrMapOvr>
     <a:masterClrMapping/>
   </p:clrMapOvr>
-  <mc:AlternateContent xmlns:mc="http://schemas.openxmlformats.org/markup-compatibility/2006">
-    <mc:Choice xmlns:p14="http://schemas.microsoft.com/office/powerpoint/2010/main" Requires="p14">
+  <mc:AlternateContent xmlns:mc="http://schemas.openxmlformats.org/markup-compatibility/2006" xmlns:p14="http://schemas.microsoft.com/office/powerpoint/2010/main">
+    <mc:Choice Requires="p14">
       <p:transition spd="med" p14:dur="700">
         <p:fade/>
       </p:transition>
     </mc:Choice>
-    <mc:Fallback>
-      <p:transition spd="med">
-        <p:fade/>
-      </p:transition>
-    </mc:Fallback>
-  </mc:AlternateContent>
-</p:sld>
-</file>
-
-<file path=ppt/slides/slide18.xml><?xml version="1.0" encoding="utf-8"?>
-<p:sld xmlns:a="http://schemas.openxmlformats.org/drawingml/2006/main" xmlns:r="http://schemas.openxmlformats.org/officeDocument/2006/relationships" xmlns:p="http://schemas.openxmlformats.org/presentationml/2006/main">
-  <p:cSld>
-    <p:spTree>
-      <p:nvGrpSpPr>
-        <p:cNvPr id="1" name=""/>
-        <p:cNvGrpSpPr/>
-        <p:nvPr/>
-      </p:nvGrpSpPr>
-      <p:grpSpPr>
-        <a:xfrm>
-          <a:off x="0" y="0"/>
-          <a:ext cx="0" cy="0"/>
-          <a:chOff x="0" y="0"/>
-          <a:chExt cx="0" cy="0"/>
-        </a:xfrm>
-      </p:grpSpPr>
-      <p:sp>
-        <p:nvSpPr>
-          <p:cNvPr id="2" name="Title 1">
-            <a:extLst>
-              <a:ext uri="{FF2B5EF4-FFF2-40B4-BE49-F238E27FC236}">
-                <a16:creationId xmlns:a16="http://schemas.microsoft.com/office/drawing/2014/main" id="{A07C292B-66FE-B6AF-BEAF-0DCD99D5FABC}"/>
-              </a:ext>
-            </a:extLst>
-          </p:cNvPr>
-          <p:cNvSpPr>
-            <a:spLocks noGrp="1"/>
-          </p:cNvSpPr>
-          <p:nvPr>
-            <p:ph type="title"/>
-          </p:nvPr>
-        </p:nvSpPr>
-        <p:spPr/>
-        <p:txBody>
-          <a:bodyPr/>
-          <a:lstStyle/>
-          <a:p>
-            <a:r>
-              <a:rPr lang="en-US" dirty="0"/>
-              <a:t>Comparison</a:t>
-            </a:r>
-            <a:endParaRPr lang="en-DE" dirty="0"/>
-          </a:p>
-        </p:txBody>
-      </p:sp>
-      <p:sp>
-        <p:nvSpPr>
-          <p:cNvPr id="4" name="Footer Placeholder 3">
-            <a:extLst>
-              <a:ext uri="{FF2B5EF4-FFF2-40B4-BE49-F238E27FC236}">
-                <a16:creationId xmlns:a16="http://schemas.microsoft.com/office/drawing/2014/main" id="{1AD4CCCE-1307-ABDA-3E0A-1C10717B5420}"/>
-              </a:ext>
-            </a:extLst>
-          </p:cNvPr>
-          <p:cNvSpPr>
-            <a:spLocks noGrp="1"/>
-          </p:cNvSpPr>
-          <p:nvPr>
-            <p:ph type="ftr" sz="quarter" idx="11"/>
-          </p:nvPr>
-        </p:nvSpPr>
-        <p:spPr/>
-        <p:txBody>
-          <a:bodyPr/>
-          <a:lstStyle/>
-          <a:p>
-            <a:r>
-              <a:rPr lang="en-US"/>
-              <a:t>Attention in mixed-type Clustering</a:t>
-            </a:r>
-            <a:endParaRPr lang="en-US" dirty="0"/>
-          </a:p>
-        </p:txBody>
-      </p:sp>
-      <p:sp>
-        <p:nvSpPr>
-          <p:cNvPr id="5" name="Slide Number Placeholder 4">
-            <a:extLst>
-              <a:ext uri="{FF2B5EF4-FFF2-40B4-BE49-F238E27FC236}">
-                <a16:creationId xmlns:a16="http://schemas.microsoft.com/office/drawing/2014/main" id="{9B3D9762-F35C-883F-401B-5BF1CF418E82}"/>
-              </a:ext>
-            </a:extLst>
-          </p:cNvPr>
-          <p:cNvSpPr>
-            <a:spLocks noGrp="1"/>
-          </p:cNvSpPr>
-          <p:nvPr>
-            <p:ph type="sldNum" sz="quarter" idx="12"/>
-          </p:nvPr>
-        </p:nvSpPr>
-        <p:spPr/>
-        <p:txBody>
-          <a:bodyPr/>
-          <a:lstStyle/>
-          <a:p>
-            <a:fld id="{C28CD5F5-F489-4697-8849-AC1E2110C5BD}" type="slidenum">
-              <a:rPr lang="en-US" smtClean="0"/>
-              <a:t>18</a:t>
-            </a:fld>
-            <a:endParaRPr lang="en-US"/>
-          </a:p>
-        </p:txBody>
-      </p:sp>
-      <p:pic>
-        <p:nvPicPr>
-          <p:cNvPr id="13" name="Content Placeholder 8">
-            <a:extLst>
-              <a:ext uri="{FF2B5EF4-FFF2-40B4-BE49-F238E27FC236}">
-                <a16:creationId xmlns:a16="http://schemas.microsoft.com/office/drawing/2014/main" id="{36F59F5A-7226-52A0-8074-FA62A6E30D8E}"/>
-              </a:ext>
-            </a:extLst>
-          </p:cNvPr>
-          <p:cNvPicPr>
-            <a:picLocks noGrp="1" noChangeAspect="1"/>
-          </p:cNvPicPr>
-          <p:nvPr>
-            <p:ph idx="1"/>
-          </p:nvPr>
-        </p:nvPicPr>
-        <p:blipFill>
-          <a:blip r:embed="rId2"/>
-          <a:stretch>
-            <a:fillRect/>
-          </a:stretch>
-        </p:blipFill>
-        <p:spPr>
-          <a:xfrm>
-            <a:off x="979686" y="1700808"/>
-            <a:ext cx="7184627" cy="3936925"/>
-          </a:xfrm>
-        </p:spPr>
-      </p:pic>
-    </p:spTree>
-    <p:extLst>
-      <p:ext uri="{BB962C8B-B14F-4D97-AF65-F5344CB8AC3E}">
-        <p14:creationId xmlns:p14="http://schemas.microsoft.com/office/powerpoint/2010/main" val="3462517043"/>
-      </p:ext>
-    </p:extLst>
-  </p:cSld>
-  <p:clrMapOvr>
-    <a:masterClrMapping/>
-  </p:clrMapOvr>
-  <mc:AlternateContent xmlns:mc="http://schemas.openxmlformats.org/markup-compatibility/2006">
-    <mc:Choice xmlns:p14="http://schemas.microsoft.com/office/powerpoint/2010/main" Requires="p14">
-      <p:transition spd="med" p14:dur="700">
-        <p:fade/>
-      </p:transition>
-    </mc:Choice>
-    <mc:Fallback>
-      <p:transition spd="med">
-        <p:fade/>
-      </p:transition>
-    </mc:Fallback>
-  </mc:AlternateContent>
-</p:sld>
-</file>
-
-<file path=ppt/slides/slide19.xml><?xml version="1.0" encoding="utf-8"?>
-<p:sld xmlns:a="http://schemas.openxmlformats.org/drawingml/2006/main" xmlns:r="http://schemas.openxmlformats.org/officeDocument/2006/relationships" xmlns:p="http://schemas.openxmlformats.org/presentationml/2006/main">
-  <p:cSld>
-    <p:spTree>
-      <p:nvGrpSpPr>
-        <p:cNvPr id="1" name=""/>
-        <p:cNvGrpSpPr/>
-        <p:nvPr/>
-      </p:nvGrpSpPr>
-      <p:grpSpPr>
-        <a:xfrm>
-          <a:off x="0" y="0"/>
-          <a:ext cx="0" cy="0"/>
-          <a:chOff x="0" y="0"/>
-          <a:chExt cx="0" cy="0"/>
-        </a:xfrm>
-      </p:grpSpPr>
-      <p:sp>
-        <p:nvSpPr>
-          <p:cNvPr id="2" name="Title 1">
-            <a:extLst>
-              <a:ext uri="{FF2B5EF4-FFF2-40B4-BE49-F238E27FC236}">
-                <a16:creationId xmlns:a16="http://schemas.microsoft.com/office/drawing/2014/main" id="{DC706EE7-B1C0-936C-DE60-7AD439FE0F57}"/>
-              </a:ext>
-            </a:extLst>
-          </p:cNvPr>
-          <p:cNvSpPr>
-            <a:spLocks noGrp="1"/>
-          </p:cNvSpPr>
-          <p:nvPr>
-            <p:ph type="title"/>
-          </p:nvPr>
-        </p:nvSpPr>
-        <p:spPr/>
-        <p:txBody>
-          <a:bodyPr/>
-          <a:lstStyle/>
-          <a:p>
-            <a:r>
-              <a:rPr lang="en-US" dirty="0"/>
-              <a:t>Deep Clustering</a:t>
-            </a:r>
-            <a:endParaRPr lang="en-DE" dirty="0"/>
-          </a:p>
-        </p:txBody>
-      </p:sp>
-      <p:sp>
-        <p:nvSpPr>
-          <p:cNvPr id="3" name="Content Placeholder 2">
-            <a:extLst>
-              <a:ext uri="{FF2B5EF4-FFF2-40B4-BE49-F238E27FC236}">
-                <a16:creationId xmlns:a16="http://schemas.microsoft.com/office/drawing/2014/main" id="{D0D99523-EDB4-D166-6F6A-3A7ABC20C793}"/>
-              </a:ext>
-            </a:extLst>
-          </p:cNvPr>
-          <p:cNvSpPr>
-            <a:spLocks noGrp="1"/>
-          </p:cNvSpPr>
-          <p:nvPr>
-            <p:ph idx="1"/>
-          </p:nvPr>
-        </p:nvSpPr>
-        <p:spPr/>
-        <p:txBody>
-          <a:bodyPr/>
-          <a:lstStyle/>
-          <a:p>
-            <a:r>
-              <a:rPr lang="en-US" dirty="0"/>
-              <a:t>Combine feature representation learning and clustering instead of a two-step process</a:t>
-            </a:r>
-          </a:p>
-          <a:p>
-            <a:r>
-              <a:rPr lang="en-US" dirty="0"/>
-              <a:t>Custom loss function</a:t>
-            </a:r>
-          </a:p>
-          <a:p>
-            <a:r>
-              <a:rPr lang="en-US" dirty="0"/>
-              <a:t>DEC, IDEC and DCN are baseline methods</a:t>
-            </a:r>
-          </a:p>
-        </p:txBody>
-      </p:sp>
-      <p:sp>
-        <p:nvSpPr>
-          <p:cNvPr id="4" name="Footer Placeholder 3">
-            <a:extLst>
-              <a:ext uri="{FF2B5EF4-FFF2-40B4-BE49-F238E27FC236}">
-                <a16:creationId xmlns:a16="http://schemas.microsoft.com/office/drawing/2014/main" id="{C164CEB8-5773-AF90-F20D-6603528F5867}"/>
-              </a:ext>
-            </a:extLst>
-          </p:cNvPr>
-          <p:cNvSpPr>
-            <a:spLocks noGrp="1"/>
-          </p:cNvSpPr>
-          <p:nvPr>
-            <p:ph type="ftr" sz="quarter" idx="11"/>
-          </p:nvPr>
-        </p:nvSpPr>
-        <p:spPr/>
-        <p:txBody>
-          <a:bodyPr/>
-          <a:lstStyle/>
-          <a:p>
-            <a:r>
-              <a:rPr lang="en-US"/>
-              <a:t>Attention in mixed-type Clustering</a:t>
-            </a:r>
-            <a:endParaRPr lang="en-US" dirty="0"/>
-          </a:p>
-        </p:txBody>
-      </p:sp>
-      <p:sp>
-        <p:nvSpPr>
-          <p:cNvPr id="5" name="Slide Number Placeholder 4">
-            <a:extLst>
-              <a:ext uri="{FF2B5EF4-FFF2-40B4-BE49-F238E27FC236}">
-                <a16:creationId xmlns:a16="http://schemas.microsoft.com/office/drawing/2014/main" id="{3D5FC13A-1A6F-58BA-EA3B-2F433490A973}"/>
-              </a:ext>
-            </a:extLst>
-          </p:cNvPr>
-          <p:cNvSpPr>
-            <a:spLocks noGrp="1"/>
-          </p:cNvSpPr>
-          <p:nvPr>
-            <p:ph type="sldNum" sz="quarter" idx="12"/>
-          </p:nvPr>
-        </p:nvSpPr>
-        <p:spPr/>
-        <p:txBody>
-          <a:bodyPr/>
-          <a:lstStyle/>
-          <a:p>
-            <a:fld id="{C28CD5F5-F489-4697-8849-AC1E2110C5BD}" type="slidenum">
-              <a:rPr lang="en-US" smtClean="0"/>
-              <a:t>19</a:t>
-            </a:fld>
-            <a:endParaRPr lang="en-US"/>
-          </a:p>
-        </p:txBody>
-      </p:sp>
-    </p:spTree>
-    <p:extLst>
-      <p:ext uri="{BB962C8B-B14F-4D97-AF65-F5344CB8AC3E}">
-        <p14:creationId xmlns:p14="http://schemas.microsoft.com/office/powerpoint/2010/main" val="1729583227"/>
-      </p:ext>
-    </p:extLst>
-  </p:cSld>
-  <p:clrMapOvr>
-    <a:masterClrMapping/>
-  </p:clrMapOvr>
-  <mc:AlternateContent xmlns:mc="http://schemas.openxmlformats.org/markup-compatibility/2006">
-    <mc:Choice xmlns:p14="http://schemas.microsoft.com/office/powerpoint/2010/main" Requires="p14">
-      <p:transition spd="med" p14:dur="700">
-        <p:fade/>
-      </p:transition>
-    </mc:Choice>
-    <mc:Fallback>
+    <mc:Fallback xmlns="">
       <p:transition spd="med">
         <p:fade/>
       </p:transition>
@@ -6079,7 +6111,13 @@
       </p:grpSpPr>
       <p:sp>
         <p:nvSpPr>
-          <p:cNvPr id="2" name="Title 1"/>
+          <p:cNvPr id="2" name="Title 1">
+            <a:extLst>
+              <a:ext uri="{FF2B5EF4-FFF2-40B4-BE49-F238E27FC236}">
+                <a16:creationId xmlns:a16="http://schemas.microsoft.com/office/drawing/2014/main" id="{C6DF832F-A8FC-7CDC-238D-6970289E25BF}"/>
+              </a:ext>
+            </a:extLst>
+          </p:cNvPr>
           <p:cNvSpPr>
             <a:spLocks noGrp="1"/>
           </p:cNvSpPr>
@@ -6094,14 +6132,21 @@
           <a:p>
             <a:r>
               <a:rPr lang="en-US" dirty="0"/>
-              <a:t>k-means</a:t>
-            </a:r>
-          </a:p>
-        </p:txBody>
-      </p:sp>
-      <p:sp>
-        <p:nvSpPr>
-          <p:cNvPr id="3" name="Content Placeholder 2"/>
+              <a:t>Table of Contents</a:t>
+            </a:r>
+            <a:endParaRPr lang="en-DE" dirty="0"/>
+          </a:p>
+        </p:txBody>
+      </p:sp>
+      <p:sp>
+        <p:nvSpPr>
+          <p:cNvPr id="3" name="Content Placeholder 2">
+            <a:extLst>
+              <a:ext uri="{FF2B5EF4-FFF2-40B4-BE49-F238E27FC236}">
+                <a16:creationId xmlns:a16="http://schemas.microsoft.com/office/drawing/2014/main" id="{8E753ED3-56E7-3109-8F4E-D6C58AC9B2D8}"/>
+              </a:ext>
+            </a:extLst>
+          </p:cNvPr>
           <p:cNvSpPr>
             <a:spLocks noGrp="1"/>
           </p:cNvSpPr>
@@ -6114,22 +6159,19 @@
           <a:bodyPr/>
           <a:lstStyle/>
           <a:p>
-            <a:r>
-              <a:rPr lang="en-US" dirty="0"/>
-              <a:t>Find optimal centroids that minimize the Euclidean distance to each point</a:t>
-            </a:r>
-          </a:p>
-          <a:p>
-            <a:r>
-              <a:rPr lang="en-US" dirty="0"/>
-              <a:t>Efficient and powerful, but only for continuous, numerical data</a:t>
-            </a:r>
-          </a:p>
-        </p:txBody>
-      </p:sp>
-      <p:sp>
-        <p:nvSpPr>
-          <p:cNvPr id="4" name="Footer Placeholder 3"/>
+            <a:endParaRPr lang="en-DE"/>
+          </a:p>
+        </p:txBody>
+      </p:sp>
+      <p:sp>
+        <p:nvSpPr>
+          <p:cNvPr id="4" name="Footer Placeholder 3">
+            <a:extLst>
+              <a:ext uri="{FF2B5EF4-FFF2-40B4-BE49-F238E27FC236}">
+                <a16:creationId xmlns:a16="http://schemas.microsoft.com/office/drawing/2014/main" id="{7FECFB73-8E09-161C-B294-A2FFBC0A5DC3}"/>
+              </a:ext>
+            </a:extLst>
+          </p:cNvPr>
           <p:cNvSpPr>
             <a:spLocks noGrp="1"/>
           </p:cNvSpPr>
@@ -6143,15 +6185,22 @@
           <a:lstStyle/>
           <a:p>
             <a:r>
-              <a:rPr lang="en-US" dirty="0"/>
+              <a:rPr lang="en-US"/>
               <a:t>Attention in mixed-type Clustering</a:t>
             </a:r>
-          </a:p>
-        </p:txBody>
-      </p:sp>
-      <p:sp>
-        <p:nvSpPr>
-          <p:cNvPr id="5" name="Slide Number Placeholder 4"/>
+            <a:endParaRPr lang="en-US" dirty="0"/>
+          </a:p>
+        </p:txBody>
+      </p:sp>
+      <p:sp>
+        <p:nvSpPr>
+          <p:cNvPr id="5" name="Slide Number Placeholder 4">
+            <a:extLst>
+              <a:ext uri="{FF2B5EF4-FFF2-40B4-BE49-F238E27FC236}">
+                <a16:creationId xmlns:a16="http://schemas.microsoft.com/office/drawing/2014/main" id="{762F6364-6A11-AE4A-B12D-E09779485E23}"/>
+              </a:ext>
+            </a:extLst>
+          </p:cNvPr>
           <p:cNvSpPr>
             <a:spLocks noGrp="1"/>
           </p:cNvSpPr>
@@ -6175,20 +6224,20 @@
     </p:spTree>
     <p:extLst>
       <p:ext uri="{BB962C8B-B14F-4D97-AF65-F5344CB8AC3E}">
-        <p14:creationId xmlns:p14="http://schemas.microsoft.com/office/powerpoint/2010/main" val="857397500"/>
+        <p14:creationId xmlns:p14="http://schemas.microsoft.com/office/powerpoint/2010/main" val="1163472309"/>
       </p:ext>
     </p:extLst>
   </p:cSld>
   <p:clrMapOvr>
     <a:masterClrMapping/>
   </p:clrMapOvr>
-  <mc:AlternateContent xmlns:mc="http://schemas.openxmlformats.org/markup-compatibility/2006">
-    <mc:Choice xmlns:p14="http://schemas.microsoft.com/office/powerpoint/2010/main" Requires="p14">
+  <mc:AlternateContent xmlns:mc="http://schemas.openxmlformats.org/markup-compatibility/2006" xmlns:p14="http://schemas.microsoft.com/office/powerpoint/2010/main">
+    <mc:Choice Requires="p14">
       <p:transition spd="med" p14:dur="700">
         <p:fade/>
       </p:transition>
     </mc:Choice>
-    <mc:Fallback>
+    <mc:Fallback xmlns="">
       <p:transition spd="med">
         <p:fade/>
       </p:transition>
@@ -6214,12 +6263,99 @@
           <a:chExt cx="0" cy="0"/>
         </a:xfrm>
       </p:grpSpPr>
+      <p:sp>
+        <p:nvSpPr>
+          <p:cNvPr id="2" name="Title 1">
+            <a:extLst>
+              <a:ext uri="{FF2B5EF4-FFF2-40B4-BE49-F238E27FC236}">
+                <a16:creationId xmlns:a16="http://schemas.microsoft.com/office/drawing/2014/main" id="{A07C292B-66FE-B6AF-BEAF-0DCD99D5FABC}"/>
+              </a:ext>
+            </a:extLst>
+          </p:cNvPr>
+          <p:cNvSpPr>
+            <a:spLocks noGrp="1"/>
+          </p:cNvSpPr>
+          <p:nvPr>
+            <p:ph type="title"/>
+          </p:nvPr>
+        </p:nvSpPr>
+        <p:spPr/>
+        <p:txBody>
+          <a:bodyPr/>
+          <a:lstStyle/>
+          <a:p>
+            <a:r>
+              <a:rPr lang="en-US" dirty="0"/>
+              <a:t>Comparison</a:t>
+            </a:r>
+            <a:endParaRPr lang="en-DE" dirty="0"/>
+          </a:p>
+        </p:txBody>
+      </p:sp>
+      <p:sp>
+        <p:nvSpPr>
+          <p:cNvPr id="4" name="Footer Placeholder 3">
+            <a:extLst>
+              <a:ext uri="{FF2B5EF4-FFF2-40B4-BE49-F238E27FC236}">
+                <a16:creationId xmlns:a16="http://schemas.microsoft.com/office/drawing/2014/main" id="{1AD4CCCE-1307-ABDA-3E0A-1C10717B5420}"/>
+              </a:ext>
+            </a:extLst>
+          </p:cNvPr>
+          <p:cNvSpPr>
+            <a:spLocks noGrp="1"/>
+          </p:cNvSpPr>
+          <p:nvPr>
+            <p:ph type="ftr" sz="quarter" idx="11"/>
+          </p:nvPr>
+        </p:nvSpPr>
+        <p:spPr/>
+        <p:txBody>
+          <a:bodyPr/>
+          <a:lstStyle/>
+          <a:p>
+            <a:r>
+              <a:rPr lang="en-US"/>
+              <a:t>Attention in mixed-type Clustering</a:t>
+            </a:r>
+            <a:endParaRPr lang="en-US" dirty="0"/>
+          </a:p>
+        </p:txBody>
+      </p:sp>
+      <p:sp>
+        <p:nvSpPr>
+          <p:cNvPr id="5" name="Slide Number Placeholder 4">
+            <a:extLst>
+              <a:ext uri="{FF2B5EF4-FFF2-40B4-BE49-F238E27FC236}">
+                <a16:creationId xmlns:a16="http://schemas.microsoft.com/office/drawing/2014/main" id="{9B3D9762-F35C-883F-401B-5BF1CF418E82}"/>
+              </a:ext>
+            </a:extLst>
+          </p:cNvPr>
+          <p:cNvSpPr>
+            <a:spLocks noGrp="1"/>
+          </p:cNvSpPr>
+          <p:nvPr>
+            <p:ph type="sldNum" sz="quarter" idx="12"/>
+          </p:nvPr>
+        </p:nvSpPr>
+        <p:spPr/>
+        <p:txBody>
+          <a:bodyPr/>
+          <a:lstStyle/>
+          <a:p>
+            <a:fld id="{C28CD5F5-F489-4697-8849-AC1E2110C5BD}" type="slidenum">
+              <a:rPr lang="en-US" smtClean="0"/>
+              <a:t>20</a:t>
+            </a:fld>
+            <a:endParaRPr lang="en-US"/>
+          </a:p>
+        </p:txBody>
+      </p:sp>
       <p:pic>
         <p:nvPicPr>
-          <p:cNvPr id="9" name="Content Placeholder 8">
-            <a:extLst>
-              <a:ext uri="{FF2B5EF4-FFF2-40B4-BE49-F238E27FC236}">
-                <a16:creationId xmlns:a16="http://schemas.microsoft.com/office/drawing/2014/main" id="{18C00FAE-6DE1-109A-6FA7-3B8A96286736}"/>
+          <p:cNvPr id="13" name="Content Placeholder 8">
+            <a:extLst>
+              <a:ext uri="{FF2B5EF4-FFF2-40B4-BE49-F238E27FC236}">
+                <a16:creationId xmlns:a16="http://schemas.microsoft.com/office/drawing/2014/main" id="{36F59F5A-7226-52A0-8074-FA62A6E30D8E}"/>
               </a:ext>
             </a:extLst>
           </p:cNvPr>
@@ -6238,57 +6374,28 @@
         </p:blipFill>
         <p:spPr>
           <a:xfrm>
-            <a:off x="1244167" y="0"/>
-            <a:ext cx="6655666" cy="6857999"/>
+            <a:off x="979686" y="1700808"/>
+            <a:ext cx="7184627" cy="3936925"/>
           </a:xfrm>
         </p:spPr>
       </p:pic>
-      <p:sp>
-        <p:nvSpPr>
-          <p:cNvPr id="5" name="Slide Number Placeholder 4">
-            <a:extLst>
-              <a:ext uri="{FF2B5EF4-FFF2-40B4-BE49-F238E27FC236}">
-                <a16:creationId xmlns:a16="http://schemas.microsoft.com/office/drawing/2014/main" id="{1025F86D-A4CE-1AE0-674C-4E4288C998CC}"/>
-              </a:ext>
-            </a:extLst>
-          </p:cNvPr>
-          <p:cNvSpPr>
-            <a:spLocks noGrp="1"/>
-          </p:cNvSpPr>
-          <p:nvPr>
-            <p:ph type="sldNum" sz="quarter" idx="12"/>
-          </p:nvPr>
-        </p:nvSpPr>
-        <p:spPr/>
-        <p:txBody>
-          <a:bodyPr/>
-          <a:lstStyle/>
-          <a:p>
-            <a:fld id="{C28CD5F5-F489-4697-8849-AC1E2110C5BD}" type="slidenum">
-              <a:rPr lang="en-US" smtClean="0"/>
-              <a:t>20</a:t>
-            </a:fld>
-            <a:endParaRPr lang="en-US"/>
-          </a:p>
-        </p:txBody>
-      </p:sp>
     </p:spTree>
     <p:extLst>
       <p:ext uri="{BB962C8B-B14F-4D97-AF65-F5344CB8AC3E}">
-        <p14:creationId xmlns:p14="http://schemas.microsoft.com/office/powerpoint/2010/main" val="3573918095"/>
+        <p14:creationId xmlns:p14="http://schemas.microsoft.com/office/powerpoint/2010/main" val="3462517043"/>
       </p:ext>
     </p:extLst>
   </p:cSld>
   <p:clrMapOvr>
     <a:masterClrMapping/>
   </p:clrMapOvr>
-  <mc:AlternateContent xmlns:mc="http://schemas.openxmlformats.org/markup-compatibility/2006">
-    <mc:Choice xmlns:p14="http://schemas.microsoft.com/office/powerpoint/2010/main" Requires="p14">
+  <mc:AlternateContent xmlns:mc="http://schemas.openxmlformats.org/markup-compatibility/2006" xmlns:p14="http://schemas.microsoft.com/office/powerpoint/2010/main">
+    <mc:Choice Requires="p14">
       <p:transition spd="med" p14:dur="700">
         <p:fade/>
       </p:transition>
     </mc:Choice>
-    <mc:Fallback>
+    <mc:Fallback xmlns="">
       <p:transition spd="med">
         <p:fade/>
       </p:transition>
@@ -6319,7 +6426,7 @@
           <p:cNvPr id="2" name="Title 1">
             <a:extLst>
               <a:ext uri="{FF2B5EF4-FFF2-40B4-BE49-F238E27FC236}">
-                <a16:creationId xmlns:a16="http://schemas.microsoft.com/office/drawing/2014/main" id="{6F2A9701-3452-A2DB-6AC3-A5D05F2131A9}"/>
+                <a16:creationId xmlns:a16="http://schemas.microsoft.com/office/drawing/2014/main" id="{DC706EE7-B1C0-936C-DE60-7AD439FE0F57}"/>
               </a:ext>
             </a:extLst>
           </p:cNvPr>
@@ -6337,7 +6444,7 @@
           <a:p>
             <a:r>
               <a:rPr lang="en-US" dirty="0"/>
-              <a:t>Conclusion</a:t>
+              <a:t>Deep Clustering</a:t>
             </a:r>
             <a:endParaRPr lang="en-DE" dirty="0"/>
           </a:p>
@@ -6348,7 +6455,7 @@
           <p:cNvPr id="3" name="Content Placeholder 2">
             <a:extLst>
               <a:ext uri="{FF2B5EF4-FFF2-40B4-BE49-F238E27FC236}">
-                <a16:creationId xmlns:a16="http://schemas.microsoft.com/office/drawing/2014/main" id="{BAC29642-BC69-7CE0-10AF-5510EF6A6B21}"/>
+                <a16:creationId xmlns:a16="http://schemas.microsoft.com/office/drawing/2014/main" id="{D0D99523-EDB4-D166-6F6A-3A7ABC20C793}"/>
               </a:ext>
             </a:extLst>
           </p:cNvPr>
@@ -6366,61 +6473,50 @@
           <a:p>
             <a:r>
               <a:rPr lang="en-US" dirty="0"/>
-              <a:t>Successful demonstration of Attention- and Transformer-based clustering modules</a:t>
+              <a:t>Combine feature representation learning and clustering instead of a two-step process</a:t>
             </a:r>
           </a:p>
           <a:p>
             <a:r>
               <a:rPr lang="en-US" dirty="0"/>
-              <a:t>Attention/Transformer-based networks can improve performance on some datasets</a:t>
+              <a:t>Custom loss function</a:t>
             </a:r>
           </a:p>
           <a:p>
             <a:r>
               <a:rPr lang="en-US" dirty="0"/>
-              <a:t>Additional computational resources needed</a:t>
-            </a:r>
-          </a:p>
-          <a:p>
-            <a:r>
-              <a:rPr lang="en-US" dirty="0"/>
-              <a:t>Clustering mixed-type data remains challenging</a:t>
-            </a:r>
-          </a:p>
-          <a:p>
+              <a:t>DEC, IDEC and DCN are baseline methods</a:t>
+            </a:r>
+          </a:p>
+        </p:txBody>
+      </p:sp>
+      <p:sp>
+        <p:nvSpPr>
+          <p:cNvPr id="4" name="Footer Placeholder 3">
+            <a:extLst>
+              <a:ext uri="{FF2B5EF4-FFF2-40B4-BE49-F238E27FC236}">
+                <a16:creationId xmlns:a16="http://schemas.microsoft.com/office/drawing/2014/main" id="{C164CEB8-5773-AF90-F20D-6603528F5867}"/>
+              </a:ext>
+            </a:extLst>
+          </p:cNvPr>
+          <p:cNvSpPr>
+            <a:spLocks noGrp="1"/>
+          </p:cNvSpPr>
+          <p:nvPr>
+            <p:ph type="ftr" sz="quarter" idx="11"/>
+          </p:nvPr>
+        </p:nvSpPr>
+        <p:spPr/>
+        <p:txBody>
+          <a:bodyPr/>
+          <a:lstStyle/>
+          <a:p>
+            <a:r>
+              <a:rPr lang="en-US"/>
+              <a:t>Attention in mixed-type Clustering</a:t>
+            </a:r>
             <a:endParaRPr lang="en-US" dirty="0"/>
           </a:p>
-          <a:p>
-            <a:endParaRPr lang="en-DE" dirty="0"/>
-          </a:p>
-        </p:txBody>
-      </p:sp>
-      <p:sp>
-        <p:nvSpPr>
-          <p:cNvPr id="4" name="Footer Placeholder 3">
-            <a:extLst>
-              <a:ext uri="{FF2B5EF4-FFF2-40B4-BE49-F238E27FC236}">
-                <a16:creationId xmlns:a16="http://schemas.microsoft.com/office/drawing/2014/main" id="{28642766-1539-E47C-6AE1-894F8C4B7AFB}"/>
-              </a:ext>
-            </a:extLst>
-          </p:cNvPr>
-          <p:cNvSpPr>
-            <a:spLocks noGrp="1"/>
-          </p:cNvSpPr>
-          <p:nvPr>
-            <p:ph type="ftr" sz="quarter" idx="11"/>
-          </p:nvPr>
-        </p:nvSpPr>
-        <p:spPr/>
-        <p:txBody>
-          <a:bodyPr/>
-          <a:lstStyle/>
-          <a:p>
-            <a:r>
-              <a:rPr lang="en-US" dirty="0"/>
-              <a:t>Attention in mixed-type Clustering</a:t>
-            </a:r>
-          </a:p>
         </p:txBody>
       </p:sp>
       <p:sp>
@@ -6428,7 +6524,7 @@
           <p:cNvPr id="5" name="Slide Number Placeholder 4">
             <a:extLst>
               <a:ext uri="{FF2B5EF4-FFF2-40B4-BE49-F238E27FC236}">
-                <a16:creationId xmlns:a16="http://schemas.microsoft.com/office/drawing/2014/main" id="{2194CDFB-68BB-447E-29DA-4333BD91AA69}"/>
+                <a16:creationId xmlns:a16="http://schemas.microsoft.com/office/drawing/2014/main" id="{3D5FC13A-1A6F-58BA-EA3B-2F433490A973}"/>
               </a:ext>
             </a:extLst>
           </p:cNvPr>
@@ -6455,20 +6551,20 @@
     </p:spTree>
     <p:extLst>
       <p:ext uri="{BB962C8B-B14F-4D97-AF65-F5344CB8AC3E}">
-        <p14:creationId xmlns:p14="http://schemas.microsoft.com/office/powerpoint/2010/main" val="1822058313"/>
+        <p14:creationId xmlns:p14="http://schemas.microsoft.com/office/powerpoint/2010/main" val="1729583227"/>
       </p:ext>
     </p:extLst>
   </p:cSld>
   <p:clrMapOvr>
     <a:masterClrMapping/>
   </p:clrMapOvr>
-  <mc:AlternateContent xmlns:mc="http://schemas.openxmlformats.org/markup-compatibility/2006">
-    <mc:Choice xmlns:p14="http://schemas.microsoft.com/office/powerpoint/2010/main" Requires="p14">
+  <mc:AlternateContent xmlns:mc="http://schemas.openxmlformats.org/markup-compatibility/2006" xmlns:p14="http://schemas.microsoft.com/office/powerpoint/2010/main">
+    <mc:Choice Requires="p14">
       <p:transition spd="med" p14:dur="700">
         <p:fade/>
       </p:transition>
     </mc:Choice>
-    <mc:Fallback>
+    <mc:Fallback xmlns="">
       <p:transition spd="med">
         <p:fade/>
       </p:transition>
@@ -6496,10 +6592,10 @@
       </p:grpSpPr>
       <p:pic>
         <p:nvPicPr>
-          <p:cNvPr id="7" name="Content Placeholder 6">
-            <a:extLst>
-              <a:ext uri="{FF2B5EF4-FFF2-40B4-BE49-F238E27FC236}">
-                <a16:creationId xmlns:a16="http://schemas.microsoft.com/office/drawing/2014/main" id="{4C347337-19A5-96AC-7E49-54CB81900AB4}"/>
+          <p:cNvPr id="9" name="Content Placeholder 8">
+            <a:extLst>
+              <a:ext uri="{FF2B5EF4-FFF2-40B4-BE49-F238E27FC236}">
+                <a16:creationId xmlns:a16="http://schemas.microsoft.com/office/drawing/2014/main" id="{18C00FAE-6DE1-109A-6FA7-3B8A96286736}"/>
               </a:ext>
             </a:extLst>
           </p:cNvPr>
@@ -6518,8 +6614,8 @@
         </p:blipFill>
         <p:spPr>
           <a:xfrm>
-            <a:off x="1146448" y="517704"/>
-            <a:ext cx="6851104" cy="5819969"/>
+            <a:off x="1244167" y="0"/>
+            <a:ext cx="6655666" cy="6857999"/>
           </a:xfrm>
         </p:spPr>
       </p:pic>
@@ -6528,7 +6624,7 @@
           <p:cNvPr id="5" name="Slide Number Placeholder 4">
             <a:extLst>
               <a:ext uri="{FF2B5EF4-FFF2-40B4-BE49-F238E27FC236}">
-                <a16:creationId xmlns:a16="http://schemas.microsoft.com/office/drawing/2014/main" id="{8C851310-7634-023E-315B-D4BE6F3F8DF1}"/>
+                <a16:creationId xmlns:a16="http://schemas.microsoft.com/office/drawing/2014/main" id="{1025F86D-A4CE-1AE0-674C-4E4288C998CC}"/>
               </a:ext>
             </a:extLst>
           </p:cNvPr>
@@ -6555,20 +6651,20 @@
     </p:spTree>
     <p:extLst>
       <p:ext uri="{BB962C8B-B14F-4D97-AF65-F5344CB8AC3E}">
-        <p14:creationId xmlns:p14="http://schemas.microsoft.com/office/powerpoint/2010/main" val="495062324"/>
+        <p14:creationId xmlns:p14="http://schemas.microsoft.com/office/powerpoint/2010/main" val="3573918095"/>
       </p:ext>
     </p:extLst>
   </p:cSld>
   <p:clrMapOvr>
     <a:masterClrMapping/>
   </p:clrMapOvr>
-  <mc:AlternateContent xmlns:mc="http://schemas.openxmlformats.org/markup-compatibility/2006">
-    <mc:Choice xmlns:p14="http://schemas.microsoft.com/office/powerpoint/2010/main" Requires="p14">
+  <mc:AlternateContent xmlns:mc="http://schemas.openxmlformats.org/markup-compatibility/2006" xmlns:p14="http://schemas.microsoft.com/office/powerpoint/2010/main">
+    <mc:Choice Requires="p14">
       <p:transition spd="med" p14:dur="700">
         <p:fade/>
       </p:transition>
     </mc:Choice>
-    <mc:Fallback>
+    <mc:Fallback xmlns="">
       <p:transition spd="med">
         <p:fade/>
       </p:transition>
@@ -6599,7 +6695,7 @@
           <p:cNvPr id="2" name="Title 1">
             <a:extLst>
               <a:ext uri="{FF2B5EF4-FFF2-40B4-BE49-F238E27FC236}">
-                <a16:creationId xmlns:a16="http://schemas.microsoft.com/office/drawing/2014/main" id="{5EB1BFFB-AED1-BEE9-5AE9-180D73A149D9}"/>
+                <a16:creationId xmlns:a16="http://schemas.microsoft.com/office/drawing/2014/main" id="{6F2A9701-3452-A2DB-6AC3-A5D05F2131A9}"/>
               </a:ext>
             </a:extLst>
           </p:cNvPr>
@@ -6617,7 +6713,7 @@
           <a:p>
             <a:r>
               <a:rPr lang="en-US" dirty="0"/>
-              <a:t>Outlook</a:t>
+              <a:t>Conclusion</a:t>
             </a:r>
             <a:endParaRPr lang="en-DE" dirty="0"/>
           </a:p>
@@ -6628,7 +6724,7 @@
           <p:cNvPr id="3" name="Content Placeholder 2">
             <a:extLst>
               <a:ext uri="{FF2B5EF4-FFF2-40B4-BE49-F238E27FC236}">
-                <a16:creationId xmlns:a16="http://schemas.microsoft.com/office/drawing/2014/main" id="{5C7481B7-F032-96AE-4AB2-D364333D93E4}"/>
+                <a16:creationId xmlns:a16="http://schemas.microsoft.com/office/drawing/2014/main" id="{BAC29642-BC69-7CE0-10AF-5510EF6A6B21}"/>
               </a:ext>
             </a:extLst>
           </p:cNvPr>
@@ -6646,14 +6742,31 @@
           <a:p>
             <a:r>
               <a:rPr lang="en-US" dirty="0"/>
-              <a:t>Conduct more tests (with more computing power)</a:t>
+              <a:t>Successful demonstration of Attention- and Transformer-based clustering modules</a:t>
             </a:r>
           </a:p>
           <a:p>
             <a:r>
               <a:rPr lang="en-US" dirty="0"/>
-              <a:t>Method could be explored that estimate if attention would benefit clustering</a:t>
-            </a:r>
+              <a:t>Attention/Transformer-based networks can improve performance on some datasets</a:t>
+            </a:r>
+          </a:p>
+          <a:p>
+            <a:r>
+              <a:rPr lang="en-US" dirty="0"/>
+              <a:t>Additional computational resources needed</a:t>
+            </a:r>
+          </a:p>
+          <a:p>
+            <a:r>
+              <a:rPr lang="en-US" dirty="0"/>
+              <a:t>Clustering mixed-type data remains challenging</a:t>
+            </a:r>
+          </a:p>
+          <a:p>
+            <a:endParaRPr lang="en-US" dirty="0"/>
+          </a:p>
+          <a:p>
             <a:endParaRPr lang="en-DE" dirty="0"/>
           </a:p>
         </p:txBody>
@@ -6663,7 +6776,7 @@
           <p:cNvPr id="4" name="Footer Placeholder 3">
             <a:extLst>
               <a:ext uri="{FF2B5EF4-FFF2-40B4-BE49-F238E27FC236}">
-                <a16:creationId xmlns:a16="http://schemas.microsoft.com/office/drawing/2014/main" id="{50D59038-09AA-6C82-24F8-969DD95C7D4A}"/>
+                <a16:creationId xmlns:a16="http://schemas.microsoft.com/office/drawing/2014/main" id="{28642766-1539-E47C-6AE1-894F8C4B7AFB}"/>
               </a:ext>
             </a:extLst>
           </p:cNvPr>
@@ -6680,10 +6793,9 @@
           <a:lstStyle/>
           <a:p>
             <a:r>
-              <a:rPr lang="en-US"/>
+              <a:rPr lang="en-US" dirty="0"/>
               <a:t>Attention in mixed-type Clustering</a:t>
             </a:r>
-            <a:endParaRPr lang="en-US" dirty="0"/>
           </a:p>
         </p:txBody>
       </p:sp>
@@ -6692,7 +6804,7 @@
           <p:cNvPr id="5" name="Slide Number Placeholder 4">
             <a:extLst>
               <a:ext uri="{FF2B5EF4-FFF2-40B4-BE49-F238E27FC236}">
-                <a16:creationId xmlns:a16="http://schemas.microsoft.com/office/drawing/2014/main" id="{AE95CF06-C95E-5592-A4D8-7B0B79AA1D69}"/>
+                <a16:creationId xmlns:a16="http://schemas.microsoft.com/office/drawing/2014/main" id="{2194CDFB-68BB-447E-29DA-4333BD91AA69}"/>
               </a:ext>
             </a:extLst>
           </p:cNvPr>
@@ -6711,6 +6823,270 @@
             <a:fld id="{C28CD5F5-F489-4697-8849-AC1E2110C5BD}" type="slidenum">
               <a:rPr lang="en-US" smtClean="0"/>
               <a:t>23</a:t>
+            </a:fld>
+            <a:endParaRPr lang="en-US"/>
+          </a:p>
+        </p:txBody>
+      </p:sp>
+    </p:spTree>
+    <p:extLst>
+      <p:ext uri="{BB962C8B-B14F-4D97-AF65-F5344CB8AC3E}">
+        <p14:creationId xmlns:p14="http://schemas.microsoft.com/office/powerpoint/2010/main" val="1822058313"/>
+      </p:ext>
+    </p:extLst>
+  </p:cSld>
+  <p:clrMapOvr>
+    <a:masterClrMapping/>
+  </p:clrMapOvr>
+  <mc:AlternateContent xmlns:mc="http://schemas.openxmlformats.org/markup-compatibility/2006" xmlns:p14="http://schemas.microsoft.com/office/powerpoint/2010/main">
+    <mc:Choice Requires="p14">
+      <p:transition spd="med" p14:dur="700">
+        <p:fade/>
+      </p:transition>
+    </mc:Choice>
+    <mc:Fallback xmlns="">
+      <p:transition spd="med">
+        <p:fade/>
+      </p:transition>
+    </mc:Fallback>
+  </mc:AlternateContent>
+</p:sld>
+</file>
+
+<file path=ppt/slides/slide24.xml><?xml version="1.0" encoding="utf-8"?>
+<p:sld xmlns:a="http://schemas.openxmlformats.org/drawingml/2006/main" xmlns:r="http://schemas.openxmlformats.org/officeDocument/2006/relationships" xmlns:p="http://schemas.openxmlformats.org/presentationml/2006/main">
+  <p:cSld>
+    <p:spTree>
+      <p:nvGrpSpPr>
+        <p:cNvPr id="1" name=""/>
+        <p:cNvGrpSpPr/>
+        <p:nvPr/>
+      </p:nvGrpSpPr>
+      <p:grpSpPr>
+        <a:xfrm>
+          <a:off x="0" y="0"/>
+          <a:ext cx="0" cy="0"/>
+          <a:chOff x="0" y="0"/>
+          <a:chExt cx="0" cy="0"/>
+        </a:xfrm>
+      </p:grpSpPr>
+      <p:pic>
+        <p:nvPicPr>
+          <p:cNvPr id="7" name="Content Placeholder 6">
+            <a:extLst>
+              <a:ext uri="{FF2B5EF4-FFF2-40B4-BE49-F238E27FC236}">
+                <a16:creationId xmlns:a16="http://schemas.microsoft.com/office/drawing/2014/main" id="{4C347337-19A5-96AC-7E49-54CB81900AB4}"/>
+              </a:ext>
+            </a:extLst>
+          </p:cNvPr>
+          <p:cNvPicPr>
+            <a:picLocks noGrp="1" noChangeAspect="1"/>
+          </p:cNvPicPr>
+          <p:nvPr>
+            <p:ph idx="1"/>
+          </p:nvPr>
+        </p:nvPicPr>
+        <p:blipFill>
+          <a:blip r:embed="rId2"/>
+          <a:stretch>
+            <a:fillRect/>
+          </a:stretch>
+        </p:blipFill>
+        <p:spPr>
+          <a:xfrm>
+            <a:off x="1146448" y="517704"/>
+            <a:ext cx="6851104" cy="5819969"/>
+          </a:xfrm>
+        </p:spPr>
+      </p:pic>
+      <p:sp>
+        <p:nvSpPr>
+          <p:cNvPr id="5" name="Slide Number Placeholder 4">
+            <a:extLst>
+              <a:ext uri="{FF2B5EF4-FFF2-40B4-BE49-F238E27FC236}">
+                <a16:creationId xmlns:a16="http://schemas.microsoft.com/office/drawing/2014/main" id="{8C851310-7634-023E-315B-D4BE6F3F8DF1}"/>
+              </a:ext>
+            </a:extLst>
+          </p:cNvPr>
+          <p:cNvSpPr>
+            <a:spLocks noGrp="1"/>
+          </p:cNvSpPr>
+          <p:nvPr>
+            <p:ph type="sldNum" sz="quarter" idx="12"/>
+          </p:nvPr>
+        </p:nvSpPr>
+        <p:spPr/>
+        <p:txBody>
+          <a:bodyPr/>
+          <a:lstStyle/>
+          <a:p>
+            <a:fld id="{C28CD5F5-F489-4697-8849-AC1E2110C5BD}" type="slidenum">
+              <a:rPr lang="en-US" smtClean="0"/>
+              <a:t>24</a:t>
+            </a:fld>
+            <a:endParaRPr lang="en-US"/>
+          </a:p>
+        </p:txBody>
+      </p:sp>
+    </p:spTree>
+    <p:extLst>
+      <p:ext uri="{BB962C8B-B14F-4D97-AF65-F5344CB8AC3E}">
+        <p14:creationId xmlns:p14="http://schemas.microsoft.com/office/powerpoint/2010/main" val="495062324"/>
+      </p:ext>
+    </p:extLst>
+  </p:cSld>
+  <p:clrMapOvr>
+    <a:masterClrMapping/>
+  </p:clrMapOvr>
+  <mc:AlternateContent xmlns:mc="http://schemas.openxmlformats.org/markup-compatibility/2006" xmlns:p14="http://schemas.microsoft.com/office/powerpoint/2010/main">
+    <mc:Choice Requires="p14">
+      <p:transition spd="med" p14:dur="700">
+        <p:fade/>
+      </p:transition>
+    </mc:Choice>
+    <mc:Fallback xmlns="">
+      <p:transition spd="med">
+        <p:fade/>
+      </p:transition>
+    </mc:Fallback>
+  </mc:AlternateContent>
+</p:sld>
+</file>
+
+<file path=ppt/slides/slide25.xml><?xml version="1.0" encoding="utf-8"?>
+<p:sld xmlns:a="http://schemas.openxmlformats.org/drawingml/2006/main" xmlns:r="http://schemas.openxmlformats.org/officeDocument/2006/relationships" xmlns:p="http://schemas.openxmlformats.org/presentationml/2006/main">
+  <p:cSld>
+    <p:spTree>
+      <p:nvGrpSpPr>
+        <p:cNvPr id="1" name=""/>
+        <p:cNvGrpSpPr/>
+        <p:nvPr/>
+      </p:nvGrpSpPr>
+      <p:grpSpPr>
+        <a:xfrm>
+          <a:off x="0" y="0"/>
+          <a:ext cx="0" cy="0"/>
+          <a:chOff x="0" y="0"/>
+          <a:chExt cx="0" cy="0"/>
+        </a:xfrm>
+      </p:grpSpPr>
+      <p:sp>
+        <p:nvSpPr>
+          <p:cNvPr id="2" name="Title 1">
+            <a:extLst>
+              <a:ext uri="{FF2B5EF4-FFF2-40B4-BE49-F238E27FC236}">
+                <a16:creationId xmlns:a16="http://schemas.microsoft.com/office/drawing/2014/main" id="{5EB1BFFB-AED1-BEE9-5AE9-180D73A149D9}"/>
+              </a:ext>
+            </a:extLst>
+          </p:cNvPr>
+          <p:cNvSpPr>
+            <a:spLocks noGrp="1"/>
+          </p:cNvSpPr>
+          <p:nvPr>
+            <p:ph type="title"/>
+          </p:nvPr>
+        </p:nvSpPr>
+        <p:spPr/>
+        <p:txBody>
+          <a:bodyPr/>
+          <a:lstStyle/>
+          <a:p>
+            <a:r>
+              <a:rPr lang="en-US" dirty="0"/>
+              <a:t>Outlook</a:t>
+            </a:r>
+            <a:endParaRPr lang="en-DE" dirty="0"/>
+          </a:p>
+        </p:txBody>
+      </p:sp>
+      <p:sp>
+        <p:nvSpPr>
+          <p:cNvPr id="3" name="Content Placeholder 2">
+            <a:extLst>
+              <a:ext uri="{FF2B5EF4-FFF2-40B4-BE49-F238E27FC236}">
+                <a16:creationId xmlns:a16="http://schemas.microsoft.com/office/drawing/2014/main" id="{5C7481B7-F032-96AE-4AB2-D364333D93E4}"/>
+              </a:ext>
+            </a:extLst>
+          </p:cNvPr>
+          <p:cNvSpPr>
+            <a:spLocks noGrp="1"/>
+          </p:cNvSpPr>
+          <p:nvPr>
+            <p:ph idx="1"/>
+          </p:nvPr>
+        </p:nvSpPr>
+        <p:spPr/>
+        <p:txBody>
+          <a:bodyPr/>
+          <a:lstStyle/>
+          <a:p>
+            <a:r>
+              <a:rPr lang="en-US" dirty="0"/>
+              <a:t>Conduct more tests (with more computing power)</a:t>
+            </a:r>
+          </a:p>
+          <a:p>
+            <a:r>
+              <a:rPr lang="en-US" dirty="0"/>
+              <a:t>Method could be explored that estimate if attention would benefit clustering</a:t>
+            </a:r>
+            <a:endParaRPr lang="en-DE" dirty="0"/>
+          </a:p>
+        </p:txBody>
+      </p:sp>
+      <p:sp>
+        <p:nvSpPr>
+          <p:cNvPr id="4" name="Footer Placeholder 3">
+            <a:extLst>
+              <a:ext uri="{FF2B5EF4-FFF2-40B4-BE49-F238E27FC236}">
+                <a16:creationId xmlns:a16="http://schemas.microsoft.com/office/drawing/2014/main" id="{50D59038-09AA-6C82-24F8-969DD95C7D4A}"/>
+              </a:ext>
+            </a:extLst>
+          </p:cNvPr>
+          <p:cNvSpPr>
+            <a:spLocks noGrp="1"/>
+          </p:cNvSpPr>
+          <p:nvPr>
+            <p:ph type="ftr" sz="quarter" idx="11"/>
+          </p:nvPr>
+        </p:nvSpPr>
+        <p:spPr/>
+        <p:txBody>
+          <a:bodyPr/>
+          <a:lstStyle/>
+          <a:p>
+            <a:r>
+              <a:rPr lang="en-US"/>
+              <a:t>Attention in mixed-type Clustering</a:t>
+            </a:r>
+            <a:endParaRPr lang="en-US" dirty="0"/>
+          </a:p>
+        </p:txBody>
+      </p:sp>
+      <p:sp>
+        <p:nvSpPr>
+          <p:cNvPr id="5" name="Slide Number Placeholder 4">
+            <a:extLst>
+              <a:ext uri="{FF2B5EF4-FFF2-40B4-BE49-F238E27FC236}">
+                <a16:creationId xmlns:a16="http://schemas.microsoft.com/office/drawing/2014/main" id="{AE95CF06-C95E-5592-A4D8-7B0B79AA1D69}"/>
+              </a:ext>
+            </a:extLst>
+          </p:cNvPr>
+          <p:cNvSpPr>
+            <a:spLocks noGrp="1"/>
+          </p:cNvSpPr>
+          <p:nvPr>
+            <p:ph type="sldNum" sz="quarter" idx="12"/>
+          </p:nvPr>
+        </p:nvSpPr>
+        <p:spPr/>
+        <p:txBody>
+          <a:bodyPr/>
+          <a:lstStyle/>
+          <a:p>
+            <a:fld id="{C28CD5F5-F489-4697-8849-AC1E2110C5BD}" type="slidenum">
+              <a:rPr lang="en-US" smtClean="0"/>
+              <a:t>25</a:t>
             </a:fld>
             <a:endParaRPr lang="en-US"/>
           </a:p>
@@ -6726,13 +7102,167 @@
   <p:clrMapOvr>
     <a:masterClrMapping/>
   </p:clrMapOvr>
-  <mc:AlternateContent xmlns:mc="http://schemas.openxmlformats.org/markup-compatibility/2006">
-    <mc:Choice xmlns:p14="http://schemas.microsoft.com/office/powerpoint/2010/main" Requires="p14">
+  <mc:AlternateContent xmlns:mc="http://schemas.openxmlformats.org/markup-compatibility/2006" xmlns:p14="http://schemas.microsoft.com/office/powerpoint/2010/main">
+    <mc:Choice Requires="p14">
       <p:transition spd="med" p14:dur="700">
         <p:fade/>
       </p:transition>
     </mc:Choice>
-    <mc:Fallback>
+    <mc:Fallback xmlns="">
+      <p:transition spd="med">
+        <p:fade/>
+      </p:transition>
+    </mc:Fallback>
+  </mc:AlternateContent>
+</p:sld>
+</file>
+
+<file path=ppt/slides/slide26.xml><?xml version="1.0" encoding="utf-8"?>
+<p:sld xmlns:a="http://schemas.openxmlformats.org/drawingml/2006/main" xmlns:r="http://schemas.openxmlformats.org/officeDocument/2006/relationships" xmlns:p="http://schemas.openxmlformats.org/presentationml/2006/main">
+  <p:cSld>
+    <p:spTree>
+      <p:nvGrpSpPr>
+        <p:cNvPr id="1" name=""/>
+        <p:cNvGrpSpPr/>
+        <p:nvPr/>
+      </p:nvGrpSpPr>
+      <p:grpSpPr>
+        <a:xfrm>
+          <a:off x="0" y="0"/>
+          <a:ext cx="0" cy="0"/>
+          <a:chOff x="0" y="0"/>
+          <a:chExt cx="0" cy="0"/>
+        </a:xfrm>
+      </p:grpSpPr>
+      <p:sp>
+        <p:nvSpPr>
+          <p:cNvPr id="2" name="Title 1">
+            <a:extLst>
+              <a:ext uri="{FF2B5EF4-FFF2-40B4-BE49-F238E27FC236}">
+                <a16:creationId xmlns:a16="http://schemas.microsoft.com/office/drawing/2014/main" id="{57C6D6F6-76F2-C54E-9E9D-26B457BF349D}"/>
+              </a:ext>
+            </a:extLst>
+          </p:cNvPr>
+          <p:cNvSpPr>
+            <a:spLocks noGrp="1"/>
+          </p:cNvSpPr>
+          <p:nvPr>
+            <p:ph type="title"/>
+          </p:nvPr>
+        </p:nvSpPr>
+        <p:spPr/>
+        <p:txBody>
+          <a:bodyPr/>
+          <a:lstStyle/>
+          <a:p>
+            <a:r>
+              <a:rPr lang="en-US" dirty="0"/>
+              <a:t>Sources</a:t>
+            </a:r>
+            <a:endParaRPr lang="en-DE" dirty="0"/>
+          </a:p>
+        </p:txBody>
+      </p:sp>
+      <p:sp>
+        <p:nvSpPr>
+          <p:cNvPr id="3" name="Content Placeholder 2">
+            <a:extLst>
+              <a:ext uri="{FF2B5EF4-FFF2-40B4-BE49-F238E27FC236}">
+                <a16:creationId xmlns:a16="http://schemas.microsoft.com/office/drawing/2014/main" id="{241236DA-D312-D71D-072B-14CA10ACD29D}"/>
+              </a:ext>
+            </a:extLst>
+          </p:cNvPr>
+          <p:cNvSpPr>
+            <a:spLocks noGrp="1"/>
+          </p:cNvSpPr>
+          <p:nvPr>
+            <p:ph idx="1"/>
+          </p:nvPr>
+        </p:nvSpPr>
+        <p:spPr/>
+        <p:txBody>
+          <a:bodyPr/>
+          <a:lstStyle/>
+          <a:p>
+            <a:endParaRPr lang="en-DE" dirty="0"/>
+          </a:p>
+        </p:txBody>
+      </p:sp>
+      <p:sp>
+        <p:nvSpPr>
+          <p:cNvPr id="4" name="Footer Placeholder 3">
+            <a:extLst>
+              <a:ext uri="{FF2B5EF4-FFF2-40B4-BE49-F238E27FC236}">
+                <a16:creationId xmlns:a16="http://schemas.microsoft.com/office/drawing/2014/main" id="{E87E27CC-D432-7021-AFA4-7376A29380C6}"/>
+              </a:ext>
+            </a:extLst>
+          </p:cNvPr>
+          <p:cNvSpPr>
+            <a:spLocks noGrp="1"/>
+          </p:cNvSpPr>
+          <p:nvPr>
+            <p:ph type="ftr" sz="quarter" idx="11"/>
+          </p:nvPr>
+        </p:nvSpPr>
+        <p:spPr/>
+        <p:txBody>
+          <a:bodyPr/>
+          <a:lstStyle/>
+          <a:p>
+            <a:r>
+              <a:rPr lang="en-US"/>
+              <a:t>Attention in mixed-type Clustering</a:t>
+            </a:r>
+            <a:endParaRPr lang="en-US" dirty="0"/>
+          </a:p>
+        </p:txBody>
+      </p:sp>
+      <p:sp>
+        <p:nvSpPr>
+          <p:cNvPr id="5" name="Slide Number Placeholder 4">
+            <a:extLst>
+              <a:ext uri="{FF2B5EF4-FFF2-40B4-BE49-F238E27FC236}">
+                <a16:creationId xmlns:a16="http://schemas.microsoft.com/office/drawing/2014/main" id="{3BF930AC-7BF9-3D6E-B84A-4F377A6EA87F}"/>
+              </a:ext>
+            </a:extLst>
+          </p:cNvPr>
+          <p:cNvSpPr>
+            <a:spLocks noGrp="1"/>
+          </p:cNvSpPr>
+          <p:nvPr>
+            <p:ph type="sldNum" sz="quarter" idx="12"/>
+          </p:nvPr>
+        </p:nvSpPr>
+        <p:spPr/>
+        <p:txBody>
+          <a:bodyPr/>
+          <a:lstStyle/>
+          <a:p>
+            <a:fld id="{C28CD5F5-F489-4697-8849-AC1E2110C5BD}" type="slidenum">
+              <a:rPr lang="en-US" smtClean="0"/>
+              <a:t>26</a:t>
+            </a:fld>
+            <a:endParaRPr lang="en-US"/>
+          </a:p>
+        </p:txBody>
+      </p:sp>
+    </p:spTree>
+    <p:extLst>
+      <p:ext uri="{BB962C8B-B14F-4D97-AF65-F5344CB8AC3E}">
+        <p14:creationId xmlns:p14="http://schemas.microsoft.com/office/powerpoint/2010/main" val="3110081305"/>
+      </p:ext>
+    </p:extLst>
+  </p:cSld>
+  <p:clrMapOvr>
+    <a:masterClrMapping/>
+  </p:clrMapOvr>
+  <mc:AlternateContent xmlns:mc="http://schemas.openxmlformats.org/markup-compatibility/2006" xmlns:p14="http://schemas.microsoft.com/office/powerpoint/2010/main">
+    <mc:Choice Requires="p14">
+      <p:transition spd="med" p14:dur="700">
+        <p:fade/>
+      </p:transition>
+    </mc:Choice>
+    <mc:Fallback xmlns="">
       <p:transition spd="med">
         <p:fade/>
       </p:transition>
@@ -6817,8 +7347,28 @@
           </a:xfrm>
         </p:spPr>
         <p:txBody>
-          <a:bodyPr/>
-          <a:lstStyle/>
+          <a:bodyPr>
+            <a:normAutofit fontScale="92500" lnSpcReduction="10000"/>
+          </a:bodyPr>
+          <a:lstStyle/>
+          <a:p>
+            <a:r>
+              <a:rPr lang="en-US" dirty="0"/>
+              <a:t>Clustering algorithms for mixed-type data?</a:t>
+            </a:r>
+          </a:p>
+          <a:p>
+            <a:r>
+              <a:rPr lang="en-US" dirty="0"/>
+              <a:t>Types of data… </a:t>
+            </a:r>
+          </a:p>
+          <a:p>
+            <a:r>
+              <a:rPr lang="en-US" dirty="0"/>
+              <a:t>Why categorical data is difficult</a:t>
+            </a:r>
+          </a:p>
           <a:p>
             <a:r>
               <a:rPr lang="en-US" dirty="0"/>
@@ -6842,8 +7392,23 @@
           <a:p>
             <a:r>
               <a:rPr lang="en-US" dirty="0"/>
-              <a:t>Clustering algorithms for mixed-type data?</a:t>
-            </a:r>
+              <a:t>Goal: Learn encoding through neural network</a:t>
+            </a:r>
+          </a:p>
+          <a:p>
+            <a:r>
+              <a:rPr lang="en-US" dirty="0"/>
+              <a:t>Use dense representation in combination with clustering algorithm</a:t>
+            </a:r>
+          </a:p>
+          <a:p>
+            <a:pPr marL="0" indent="0">
+              <a:buNone/>
+            </a:pPr>
+            <a:endParaRPr lang="en-US" dirty="0"/>
+          </a:p>
+          <a:p>
+            <a:endParaRPr lang="en-US" dirty="0"/>
           </a:p>
         </p:txBody>
       </p:sp>
@@ -6926,13 +7491,13 @@
   <p:clrMapOvr>
     <a:masterClrMapping/>
   </p:clrMapOvr>
-  <mc:AlternateContent xmlns:mc="http://schemas.openxmlformats.org/markup-compatibility/2006">
-    <mc:Choice xmlns:p14="http://schemas.microsoft.com/office/powerpoint/2010/main" Requires="p14">
+  <mc:AlternateContent xmlns:mc="http://schemas.openxmlformats.org/markup-compatibility/2006" xmlns:p14="http://schemas.microsoft.com/office/powerpoint/2010/main">
+    <mc:Choice Requires="p14">
       <p:transition spd="med" p14:dur="700">
         <p:fade/>
       </p:transition>
     </mc:Choice>
-    <mc:Fallback>
+    <mc:Fallback xmlns="">
       <p:transition spd="med">
         <p:fade/>
       </p:transition>
@@ -6963,7 +7528,7 @@
           <p:cNvPr id="2" name="Title 1">
             <a:extLst>
               <a:ext uri="{FF2B5EF4-FFF2-40B4-BE49-F238E27FC236}">
-                <a16:creationId xmlns:a16="http://schemas.microsoft.com/office/drawing/2014/main" id="{5BBC0050-9BD8-A873-E0B3-21C70C5BF3A4}"/>
+                <a16:creationId xmlns:a16="http://schemas.microsoft.com/office/drawing/2014/main" id="{0BEF7C91-704B-42FF-4D1D-ADC68B81D5AD}"/>
               </a:ext>
             </a:extLst>
           </p:cNvPr>
@@ -6979,11 +7544,7 @@
           <a:bodyPr/>
           <a:lstStyle/>
           <a:p>
-            <a:r>
-              <a:rPr lang="en-US" dirty="0"/>
-              <a:t>k-modes/k-prototypes</a:t>
-            </a:r>
-            <a:endParaRPr lang="en-DE" dirty="0"/>
+            <a:endParaRPr lang="en-DE"/>
           </a:p>
         </p:txBody>
       </p:sp>
@@ -6992,7 +7553,7 @@
           <p:cNvPr id="3" name="Content Placeholder 2">
             <a:extLst>
               <a:ext uri="{FF2B5EF4-FFF2-40B4-BE49-F238E27FC236}">
-                <a16:creationId xmlns:a16="http://schemas.microsoft.com/office/drawing/2014/main" id="{877BCFFE-E2AC-59F5-CE21-606091EC11A0}"/>
+                <a16:creationId xmlns:a16="http://schemas.microsoft.com/office/drawing/2014/main" id="{147BD987-24BC-A448-8603-C4A0FB4A81BA}"/>
               </a:ext>
             </a:extLst>
           </p:cNvPr>
@@ -7008,28 +7569,7 @@
           <a:bodyPr/>
           <a:lstStyle/>
           <a:p>
-            <a:r>
-              <a:rPr lang="en-US" dirty="0"/>
-              <a:t>Use the Kronecker-Delta as dissimilarity measure for categorical features:</a:t>
-            </a:r>
-          </a:p>
-          <a:p>
-            <a:endParaRPr lang="en-US" dirty="0"/>
-          </a:p>
-          <a:p>
-            <a:endParaRPr lang="en-US" dirty="0"/>
-          </a:p>
-          <a:p>
-            <a:r>
-              <a:rPr lang="en-US" dirty="0"/>
-              <a:t>k-modes for continuous features + k-means for categorical features =&gt; k-prototypes</a:t>
-            </a:r>
-          </a:p>
-          <a:p>
-            <a:r>
-              <a:rPr lang="en-US" dirty="0"/>
-              <a:t>k-modes is slow and does not perform well </a:t>
-            </a:r>
+            <a:endParaRPr lang="en-DE"/>
           </a:p>
         </p:txBody>
       </p:sp>
@@ -7038,7 +7578,7 @@
           <p:cNvPr id="4" name="Footer Placeholder 3">
             <a:extLst>
               <a:ext uri="{FF2B5EF4-FFF2-40B4-BE49-F238E27FC236}">
-                <a16:creationId xmlns:a16="http://schemas.microsoft.com/office/drawing/2014/main" id="{63F05F71-0023-A807-7ED3-CB13C1AACF9E}"/>
+                <a16:creationId xmlns:a16="http://schemas.microsoft.com/office/drawing/2014/main" id="{F35862E2-AA7E-CC74-6DB4-850A58D7C36F}"/>
               </a:ext>
             </a:extLst>
           </p:cNvPr>
@@ -7067,7 +7607,7 @@
           <p:cNvPr id="5" name="Slide Number Placeholder 4">
             <a:extLst>
               <a:ext uri="{FF2B5EF4-FFF2-40B4-BE49-F238E27FC236}">
-                <a16:creationId xmlns:a16="http://schemas.microsoft.com/office/drawing/2014/main" id="{F71BFB3C-0E6F-CFBC-EE1F-F48A02256492}"/>
+                <a16:creationId xmlns:a16="http://schemas.microsoft.com/office/drawing/2014/main" id="{4C7B27CE-8819-CFDB-AA1C-092A7B2EA9B1}"/>
               </a:ext>
             </a:extLst>
           </p:cNvPr>
@@ -7086,6 +7626,330 @@
             <a:fld id="{C28CD5F5-F489-4697-8849-AC1E2110C5BD}" type="slidenum">
               <a:rPr lang="en-US" smtClean="0"/>
               <a:t>4</a:t>
+            </a:fld>
+            <a:endParaRPr lang="en-US"/>
+          </a:p>
+        </p:txBody>
+      </p:sp>
+    </p:spTree>
+    <p:extLst>
+      <p:ext uri="{BB962C8B-B14F-4D97-AF65-F5344CB8AC3E}">
+        <p14:creationId xmlns:p14="http://schemas.microsoft.com/office/powerpoint/2010/main" val="165937854"/>
+      </p:ext>
+    </p:extLst>
+  </p:cSld>
+  <p:clrMapOvr>
+    <a:masterClrMapping/>
+  </p:clrMapOvr>
+  <mc:AlternateContent xmlns:mc="http://schemas.openxmlformats.org/markup-compatibility/2006" xmlns:p14="http://schemas.microsoft.com/office/powerpoint/2010/main">
+    <mc:Choice Requires="p14">
+      <p:transition spd="med" p14:dur="700">
+        <p:fade/>
+      </p:transition>
+    </mc:Choice>
+    <mc:Fallback xmlns="">
+      <p:transition spd="med">
+        <p:fade/>
+      </p:transition>
+    </mc:Fallback>
+  </mc:AlternateContent>
+</p:sld>
+</file>
+
+<file path=ppt/slides/slide5.xml><?xml version="1.0" encoding="utf-8"?>
+<p:sld xmlns:a="http://schemas.openxmlformats.org/drawingml/2006/main" xmlns:r="http://schemas.openxmlformats.org/officeDocument/2006/relationships" xmlns:p="http://schemas.openxmlformats.org/presentationml/2006/main">
+  <p:cSld>
+    <p:spTree>
+      <p:nvGrpSpPr>
+        <p:cNvPr id="1" name=""/>
+        <p:cNvGrpSpPr/>
+        <p:nvPr/>
+      </p:nvGrpSpPr>
+      <p:grpSpPr>
+        <a:xfrm>
+          <a:off x="0" y="0"/>
+          <a:ext cx="0" cy="0"/>
+          <a:chOff x="0" y="0"/>
+          <a:chExt cx="0" cy="0"/>
+        </a:xfrm>
+      </p:grpSpPr>
+      <p:sp>
+        <p:nvSpPr>
+          <p:cNvPr id="2" name="Title 1"/>
+          <p:cNvSpPr>
+            <a:spLocks noGrp="1"/>
+          </p:cNvSpPr>
+          <p:nvPr>
+            <p:ph type="title"/>
+          </p:nvPr>
+        </p:nvSpPr>
+        <p:spPr/>
+        <p:txBody>
+          <a:bodyPr/>
+          <a:lstStyle/>
+          <a:p>
+            <a:r>
+              <a:rPr lang="en-US" dirty="0"/>
+              <a:t>k-means</a:t>
+            </a:r>
+          </a:p>
+        </p:txBody>
+      </p:sp>
+      <p:sp>
+        <p:nvSpPr>
+          <p:cNvPr id="3" name="Content Placeholder 2"/>
+          <p:cNvSpPr>
+            <a:spLocks noGrp="1"/>
+          </p:cNvSpPr>
+          <p:nvPr>
+            <p:ph idx="1"/>
+          </p:nvPr>
+        </p:nvSpPr>
+        <p:spPr/>
+        <p:txBody>
+          <a:bodyPr/>
+          <a:lstStyle/>
+          <a:p>
+            <a:r>
+              <a:rPr lang="en-US" dirty="0"/>
+              <a:t>Common algorithm for numerical data</a:t>
+            </a:r>
+          </a:p>
+          <a:p>
+            <a:r>
+              <a:rPr lang="en-US" dirty="0"/>
+              <a:t>Find optimal centroids that minimize the Euclidean distance to each point</a:t>
+            </a:r>
+          </a:p>
+          <a:p>
+            <a:r>
+              <a:rPr lang="en-US" dirty="0"/>
+              <a:t>Efficient and powerful, but only for continuous, numerical data</a:t>
+            </a:r>
+          </a:p>
+          <a:p>
+            <a:r>
+              <a:rPr lang="en-US" dirty="0"/>
+              <a:t>k-means + One-Hot Encoding…</a:t>
+            </a:r>
+          </a:p>
+        </p:txBody>
+      </p:sp>
+      <p:sp>
+        <p:nvSpPr>
+          <p:cNvPr id="4" name="Footer Placeholder 3"/>
+          <p:cNvSpPr>
+            <a:spLocks noGrp="1"/>
+          </p:cNvSpPr>
+          <p:nvPr>
+            <p:ph type="ftr" sz="quarter" idx="11"/>
+          </p:nvPr>
+        </p:nvSpPr>
+        <p:spPr/>
+        <p:txBody>
+          <a:bodyPr/>
+          <a:lstStyle/>
+          <a:p>
+            <a:r>
+              <a:rPr lang="en-US" dirty="0"/>
+              <a:t>Attention in mixed-type Clustering</a:t>
+            </a:r>
+          </a:p>
+        </p:txBody>
+      </p:sp>
+      <p:sp>
+        <p:nvSpPr>
+          <p:cNvPr id="5" name="Slide Number Placeholder 4"/>
+          <p:cNvSpPr>
+            <a:spLocks noGrp="1"/>
+          </p:cNvSpPr>
+          <p:nvPr>
+            <p:ph type="sldNum" sz="quarter" idx="12"/>
+          </p:nvPr>
+        </p:nvSpPr>
+        <p:spPr/>
+        <p:txBody>
+          <a:bodyPr/>
+          <a:lstStyle/>
+          <a:p>
+            <a:fld id="{C28CD5F5-F489-4697-8849-AC1E2110C5BD}" type="slidenum">
+              <a:rPr lang="en-US" smtClean="0"/>
+              <a:t>5</a:t>
+            </a:fld>
+            <a:endParaRPr lang="en-US"/>
+          </a:p>
+        </p:txBody>
+      </p:sp>
+    </p:spTree>
+    <p:extLst>
+      <p:ext uri="{BB962C8B-B14F-4D97-AF65-F5344CB8AC3E}">
+        <p14:creationId xmlns:p14="http://schemas.microsoft.com/office/powerpoint/2010/main" val="857397500"/>
+      </p:ext>
+    </p:extLst>
+  </p:cSld>
+  <p:clrMapOvr>
+    <a:masterClrMapping/>
+  </p:clrMapOvr>
+  <mc:AlternateContent xmlns:mc="http://schemas.openxmlformats.org/markup-compatibility/2006" xmlns:p14="http://schemas.microsoft.com/office/powerpoint/2010/main">
+    <mc:Choice Requires="p14">
+      <p:transition spd="med" p14:dur="700">
+        <p:fade/>
+      </p:transition>
+    </mc:Choice>
+    <mc:Fallback xmlns="">
+      <p:transition spd="med">
+        <p:fade/>
+      </p:transition>
+    </mc:Fallback>
+  </mc:AlternateContent>
+</p:sld>
+</file>
+
+<file path=ppt/slides/slide6.xml><?xml version="1.0" encoding="utf-8"?>
+<p:sld xmlns:a="http://schemas.openxmlformats.org/drawingml/2006/main" xmlns:r="http://schemas.openxmlformats.org/officeDocument/2006/relationships" xmlns:p="http://schemas.openxmlformats.org/presentationml/2006/main">
+  <p:cSld>
+    <p:spTree>
+      <p:nvGrpSpPr>
+        <p:cNvPr id="1" name=""/>
+        <p:cNvGrpSpPr/>
+        <p:nvPr/>
+      </p:nvGrpSpPr>
+      <p:grpSpPr>
+        <a:xfrm>
+          <a:off x="0" y="0"/>
+          <a:ext cx="0" cy="0"/>
+          <a:chOff x="0" y="0"/>
+          <a:chExt cx="0" cy="0"/>
+        </a:xfrm>
+      </p:grpSpPr>
+      <p:sp>
+        <p:nvSpPr>
+          <p:cNvPr id="2" name="Title 1">
+            <a:extLst>
+              <a:ext uri="{FF2B5EF4-FFF2-40B4-BE49-F238E27FC236}">
+                <a16:creationId xmlns:a16="http://schemas.microsoft.com/office/drawing/2014/main" id="{5BBC0050-9BD8-A873-E0B3-21C70C5BF3A4}"/>
+              </a:ext>
+            </a:extLst>
+          </p:cNvPr>
+          <p:cNvSpPr>
+            <a:spLocks noGrp="1"/>
+          </p:cNvSpPr>
+          <p:nvPr>
+            <p:ph type="title"/>
+          </p:nvPr>
+        </p:nvSpPr>
+        <p:spPr/>
+        <p:txBody>
+          <a:bodyPr/>
+          <a:lstStyle/>
+          <a:p>
+            <a:r>
+              <a:rPr lang="en-US" dirty="0"/>
+              <a:t>k-modes/k-prototypes</a:t>
+            </a:r>
+            <a:endParaRPr lang="en-DE" dirty="0"/>
+          </a:p>
+        </p:txBody>
+      </p:sp>
+      <p:sp>
+        <p:nvSpPr>
+          <p:cNvPr id="3" name="Content Placeholder 2">
+            <a:extLst>
+              <a:ext uri="{FF2B5EF4-FFF2-40B4-BE49-F238E27FC236}">
+                <a16:creationId xmlns:a16="http://schemas.microsoft.com/office/drawing/2014/main" id="{877BCFFE-E2AC-59F5-CE21-606091EC11A0}"/>
+              </a:ext>
+            </a:extLst>
+          </p:cNvPr>
+          <p:cNvSpPr>
+            <a:spLocks noGrp="1"/>
+          </p:cNvSpPr>
+          <p:nvPr>
+            <p:ph idx="1"/>
+          </p:nvPr>
+        </p:nvSpPr>
+        <p:spPr/>
+        <p:txBody>
+          <a:bodyPr/>
+          <a:lstStyle/>
+          <a:p>
+            <a:r>
+              <a:rPr lang="en-US" dirty="0"/>
+              <a:t>Use the Kronecker-Delta as dissimilarity measure for categorical features:</a:t>
+            </a:r>
+          </a:p>
+          <a:p>
+            <a:endParaRPr lang="en-US" dirty="0"/>
+          </a:p>
+          <a:p>
+            <a:endParaRPr lang="en-US" dirty="0"/>
+          </a:p>
+          <a:p>
+            <a:r>
+              <a:rPr lang="en-US" dirty="0"/>
+              <a:t>k-modes for continuous features + k-means for categorical features =&gt; k-prototypes</a:t>
+            </a:r>
+          </a:p>
+          <a:p>
+            <a:r>
+              <a:rPr lang="en-US" dirty="0"/>
+              <a:t>k-modes is slow and does not perform well </a:t>
+            </a:r>
+          </a:p>
+        </p:txBody>
+      </p:sp>
+      <p:sp>
+        <p:nvSpPr>
+          <p:cNvPr id="4" name="Footer Placeholder 3">
+            <a:extLst>
+              <a:ext uri="{FF2B5EF4-FFF2-40B4-BE49-F238E27FC236}">
+                <a16:creationId xmlns:a16="http://schemas.microsoft.com/office/drawing/2014/main" id="{63F05F71-0023-A807-7ED3-CB13C1AACF9E}"/>
+              </a:ext>
+            </a:extLst>
+          </p:cNvPr>
+          <p:cNvSpPr>
+            <a:spLocks noGrp="1"/>
+          </p:cNvSpPr>
+          <p:nvPr>
+            <p:ph type="ftr" sz="quarter" idx="11"/>
+          </p:nvPr>
+        </p:nvSpPr>
+        <p:spPr/>
+        <p:txBody>
+          <a:bodyPr/>
+          <a:lstStyle/>
+          <a:p>
+            <a:r>
+              <a:rPr lang="en-US"/>
+              <a:t>Attention in mixed-type Clustering</a:t>
+            </a:r>
+            <a:endParaRPr lang="en-US" dirty="0"/>
+          </a:p>
+        </p:txBody>
+      </p:sp>
+      <p:sp>
+        <p:nvSpPr>
+          <p:cNvPr id="5" name="Slide Number Placeholder 4">
+            <a:extLst>
+              <a:ext uri="{FF2B5EF4-FFF2-40B4-BE49-F238E27FC236}">
+                <a16:creationId xmlns:a16="http://schemas.microsoft.com/office/drawing/2014/main" id="{F71BFB3C-0E6F-CFBC-EE1F-F48A02256492}"/>
+              </a:ext>
+            </a:extLst>
+          </p:cNvPr>
+          <p:cNvSpPr>
+            <a:spLocks noGrp="1"/>
+          </p:cNvSpPr>
+          <p:nvPr>
+            <p:ph type="sldNum" sz="quarter" idx="12"/>
+          </p:nvPr>
+        </p:nvSpPr>
+        <p:spPr/>
+        <p:txBody>
+          <a:bodyPr/>
+          <a:lstStyle/>
+          <a:p>
+            <a:fld id="{C28CD5F5-F489-4697-8849-AC1E2110C5BD}" type="slidenum">
+              <a:rPr lang="en-US" smtClean="0"/>
+              <a:t>6</a:t>
             </a:fld>
             <a:endParaRPr lang="en-US"/>
           </a:p>
@@ -7131,347 +7995,13 @@
   <p:clrMapOvr>
     <a:masterClrMapping/>
   </p:clrMapOvr>
-  <mc:AlternateContent xmlns:mc="http://schemas.openxmlformats.org/markup-compatibility/2006">
-    <mc:Choice xmlns:p14="http://schemas.microsoft.com/office/powerpoint/2010/main" Requires="p14">
+  <mc:AlternateContent xmlns:mc="http://schemas.openxmlformats.org/markup-compatibility/2006" xmlns:p14="http://schemas.microsoft.com/office/powerpoint/2010/main">
+    <mc:Choice Requires="p14">
       <p:transition spd="med" p14:dur="700">
         <p:fade/>
       </p:transition>
     </mc:Choice>
-    <mc:Fallback>
-      <p:transition spd="med">
-        <p:fade/>
-      </p:transition>
-    </mc:Fallback>
-  </mc:AlternateContent>
-</p:sld>
-</file>
-
-<file path=ppt/slides/slide5.xml><?xml version="1.0" encoding="utf-8"?>
-<p:sld xmlns:a="http://schemas.openxmlformats.org/drawingml/2006/main" xmlns:r="http://schemas.openxmlformats.org/officeDocument/2006/relationships" xmlns:p="http://schemas.openxmlformats.org/presentationml/2006/main">
-  <p:cSld>
-    <p:spTree>
-      <p:nvGrpSpPr>
-        <p:cNvPr id="1" name=""/>
-        <p:cNvGrpSpPr/>
-        <p:nvPr/>
-      </p:nvGrpSpPr>
-      <p:grpSpPr>
-        <a:xfrm>
-          <a:off x="0" y="0"/>
-          <a:ext cx="0" cy="0"/>
-          <a:chOff x="0" y="0"/>
-          <a:chExt cx="0" cy="0"/>
-        </a:xfrm>
-      </p:grpSpPr>
-      <p:sp>
-        <p:nvSpPr>
-          <p:cNvPr id="2" name="Title 1">
-            <a:extLst>
-              <a:ext uri="{FF2B5EF4-FFF2-40B4-BE49-F238E27FC236}">
-                <a16:creationId xmlns:a16="http://schemas.microsoft.com/office/drawing/2014/main" id="{EDC6B2FF-6CF3-4C7B-5561-CB55E31BFC14}"/>
-              </a:ext>
-            </a:extLst>
-          </p:cNvPr>
-          <p:cNvSpPr>
-            <a:spLocks noGrp="1"/>
-          </p:cNvSpPr>
-          <p:nvPr>
-            <p:ph type="title"/>
-          </p:nvPr>
-        </p:nvSpPr>
-        <p:spPr/>
-        <p:txBody>
-          <a:bodyPr/>
-          <a:lstStyle/>
-          <a:p>
-            <a:r>
-              <a:rPr lang="en-US" dirty="0"/>
-              <a:t>Gower distance</a:t>
-            </a:r>
-            <a:endParaRPr lang="en-DE" dirty="0"/>
-          </a:p>
-        </p:txBody>
-      </p:sp>
-      <p:sp>
-        <p:nvSpPr>
-          <p:cNvPr id="3" name="Content Placeholder 2">
-            <a:extLst>
-              <a:ext uri="{FF2B5EF4-FFF2-40B4-BE49-F238E27FC236}">
-                <a16:creationId xmlns:a16="http://schemas.microsoft.com/office/drawing/2014/main" id="{C45CF829-604E-0C5C-6A23-5BD065D568D2}"/>
-              </a:ext>
-            </a:extLst>
-          </p:cNvPr>
-          <p:cNvSpPr>
-            <a:spLocks noGrp="1"/>
-          </p:cNvSpPr>
-          <p:nvPr>
-            <p:ph idx="1"/>
-          </p:nvPr>
-        </p:nvSpPr>
-        <p:spPr/>
-        <p:txBody>
-          <a:bodyPr/>
-          <a:lstStyle/>
-          <a:p>
-            <a:r>
-              <a:rPr lang="en-US" dirty="0"/>
-              <a:t>Similarity measure for mixed-type data</a:t>
-            </a:r>
-          </a:p>
-          <a:p>
-            <a:r>
-              <a:rPr lang="en-US" dirty="0"/>
-              <a:t>Creates a distance matrix that can be used for Hierarchical Clustering</a:t>
-            </a:r>
-          </a:p>
-          <a:p>
-            <a:r>
-              <a:rPr lang="en-US" dirty="0"/>
-              <a:t>Slow</a:t>
-            </a:r>
-          </a:p>
-          <a:p>
-            <a:r>
-              <a:rPr lang="en-US" dirty="0"/>
-              <a:t>Falsely assigns most instances to one cluster</a:t>
-            </a:r>
-            <a:endParaRPr lang="en-DE" dirty="0"/>
-          </a:p>
-        </p:txBody>
-      </p:sp>
-      <p:sp>
-        <p:nvSpPr>
-          <p:cNvPr id="4" name="Footer Placeholder 3">
-            <a:extLst>
-              <a:ext uri="{FF2B5EF4-FFF2-40B4-BE49-F238E27FC236}">
-                <a16:creationId xmlns:a16="http://schemas.microsoft.com/office/drawing/2014/main" id="{5DA8B52E-5104-E95A-0BB1-3FA0E1C7AFEC}"/>
-              </a:ext>
-            </a:extLst>
-          </p:cNvPr>
-          <p:cNvSpPr>
-            <a:spLocks noGrp="1"/>
-          </p:cNvSpPr>
-          <p:nvPr>
-            <p:ph type="ftr" sz="quarter" idx="11"/>
-          </p:nvPr>
-        </p:nvSpPr>
-        <p:spPr/>
-        <p:txBody>
-          <a:bodyPr/>
-          <a:lstStyle/>
-          <a:p>
-            <a:r>
-              <a:rPr lang="en-US"/>
-              <a:t>Attention in mixed-type Clustering</a:t>
-            </a:r>
-            <a:endParaRPr lang="en-US" dirty="0"/>
-          </a:p>
-        </p:txBody>
-      </p:sp>
-      <p:sp>
-        <p:nvSpPr>
-          <p:cNvPr id="5" name="Slide Number Placeholder 4">
-            <a:extLst>
-              <a:ext uri="{FF2B5EF4-FFF2-40B4-BE49-F238E27FC236}">
-                <a16:creationId xmlns:a16="http://schemas.microsoft.com/office/drawing/2014/main" id="{F01C006D-669B-EA4A-DDA5-88952F5AEED9}"/>
-              </a:ext>
-            </a:extLst>
-          </p:cNvPr>
-          <p:cNvSpPr>
-            <a:spLocks noGrp="1"/>
-          </p:cNvSpPr>
-          <p:nvPr>
-            <p:ph type="sldNum" sz="quarter" idx="12"/>
-          </p:nvPr>
-        </p:nvSpPr>
-        <p:spPr/>
-        <p:txBody>
-          <a:bodyPr/>
-          <a:lstStyle/>
-          <a:p>
-            <a:fld id="{C28CD5F5-F489-4697-8849-AC1E2110C5BD}" type="slidenum">
-              <a:rPr lang="en-US" smtClean="0"/>
-              <a:t>5</a:t>
-            </a:fld>
-            <a:endParaRPr lang="en-US"/>
-          </a:p>
-        </p:txBody>
-      </p:sp>
-    </p:spTree>
-    <p:extLst>
-      <p:ext uri="{BB962C8B-B14F-4D97-AF65-F5344CB8AC3E}">
-        <p14:creationId xmlns:p14="http://schemas.microsoft.com/office/powerpoint/2010/main" val="445615577"/>
-      </p:ext>
-    </p:extLst>
-  </p:cSld>
-  <p:clrMapOvr>
-    <a:masterClrMapping/>
-  </p:clrMapOvr>
-  <mc:AlternateContent xmlns:mc="http://schemas.openxmlformats.org/markup-compatibility/2006">
-    <mc:Choice xmlns:p14="http://schemas.microsoft.com/office/powerpoint/2010/main" Requires="p14">
-      <p:transition spd="med" p14:dur="700">
-        <p:fade/>
-      </p:transition>
-    </mc:Choice>
-    <mc:Fallback>
-      <p:transition spd="med">
-        <p:fade/>
-      </p:transition>
-    </mc:Fallback>
-  </mc:AlternateContent>
-</p:sld>
-</file>
-
-<file path=ppt/slides/slide6.xml><?xml version="1.0" encoding="utf-8"?>
-<p:sld xmlns:a="http://schemas.openxmlformats.org/drawingml/2006/main" xmlns:r="http://schemas.openxmlformats.org/officeDocument/2006/relationships" xmlns:p="http://schemas.openxmlformats.org/presentationml/2006/main">
-  <p:cSld>
-    <p:spTree>
-      <p:nvGrpSpPr>
-        <p:cNvPr id="1" name=""/>
-        <p:cNvGrpSpPr/>
-        <p:nvPr/>
-      </p:nvGrpSpPr>
-      <p:grpSpPr>
-        <a:xfrm>
-          <a:off x="0" y="0"/>
-          <a:ext cx="0" cy="0"/>
-          <a:chOff x="0" y="0"/>
-          <a:chExt cx="0" cy="0"/>
-        </a:xfrm>
-      </p:grpSpPr>
-      <p:sp>
-        <p:nvSpPr>
-          <p:cNvPr id="2" name="Title 1">
-            <a:extLst>
-              <a:ext uri="{FF2B5EF4-FFF2-40B4-BE49-F238E27FC236}">
-                <a16:creationId xmlns:a16="http://schemas.microsoft.com/office/drawing/2014/main" id="{4896943C-0AEF-43E7-38E0-2D01795B2E4C}"/>
-              </a:ext>
-            </a:extLst>
-          </p:cNvPr>
-          <p:cNvSpPr>
-            <a:spLocks noGrp="1"/>
-          </p:cNvSpPr>
-          <p:nvPr>
-            <p:ph type="title"/>
-          </p:nvPr>
-        </p:nvSpPr>
-        <p:spPr/>
-        <p:txBody>
-          <a:bodyPr/>
-          <a:lstStyle/>
-          <a:p>
-            <a:r>
-              <a:rPr lang="en-US" dirty="0"/>
-              <a:t>Comparison of classical methods</a:t>
-            </a:r>
-            <a:endParaRPr lang="en-DE" dirty="0"/>
-          </a:p>
-        </p:txBody>
-      </p:sp>
-      <p:pic>
-        <p:nvPicPr>
-          <p:cNvPr id="7" name="Content Placeholder 6">
-            <a:extLst>
-              <a:ext uri="{FF2B5EF4-FFF2-40B4-BE49-F238E27FC236}">
-                <a16:creationId xmlns:a16="http://schemas.microsoft.com/office/drawing/2014/main" id="{B3189E8B-0A25-6C6D-AD37-481DA4B3A8A3}"/>
-              </a:ext>
-            </a:extLst>
-          </p:cNvPr>
-          <p:cNvPicPr>
-            <a:picLocks noGrp="1" noChangeAspect="1"/>
-          </p:cNvPicPr>
-          <p:nvPr>
-            <p:ph idx="1"/>
-          </p:nvPr>
-        </p:nvPicPr>
-        <p:blipFill>
-          <a:blip r:embed="rId2"/>
-          <a:stretch>
-            <a:fillRect/>
-          </a:stretch>
-        </p:blipFill>
-        <p:spPr>
-          <a:xfrm>
-            <a:off x="782862" y="1664804"/>
-            <a:ext cx="7578275" cy="3528392"/>
-          </a:xfrm>
-        </p:spPr>
-      </p:pic>
-      <p:sp>
-        <p:nvSpPr>
-          <p:cNvPr id="4" name="Footer Placeholder 3">
-            <a:extLst>
-              <a:ext uri="{FF2B5EF4-FFF2-40B4-BE49-F238E27FC236}">
-                <a16:creationId xmlns:a16="http://schemas.microsoft.com/office/drawing/2014/main" id="{352AF3F5-C145-2C09-28BC-396DDAF7D571}"/>
-              </a:ext>
-            </a:extLst>
-          </p:cNvPr>
-          <p:cNvSpPr>
-            <a:spLocks noGrp="1"/>
-          </p:cNvSpPr>
-          <p:nvPr>
-            <p:ph type="ftr" sz="quarter" idx="11"/>
-          </p:nvPr>
-        </p:nvSpPr>
-        <p:spPr/>
-        <p:txBody>
-          <a:bodyPr/>
-          <a:lstStyle/>
-          <a:p>
-            <a:r>
-              <a:rPr lang="en-US"/>
-              <a:t>Attention in mixed-type Clustering</a:t>
-            </a:r>
-            <a:endParaRPr lang="en-US" dirty="0"/>
-          </a:p>
-        </p:txBody>
-      </p:sp>
-      <p:sp>
-        <p:nvSpPr>
-          <p:cNvPr id="5" name="Slide Number Placeholder 4">
-            <a:extLst>
-              <a:ext uri="{FF2B5EF4-FFF2-40B4-BE49-F238E27FC236}">
-                <a16:creationId xmlns:a16="http://schemas.microsoft.com/office/drawing/2014/main" id="{5EC8FEB1-3AA5-1109-C413-BAAACD25C688}"/>
-              </a:ext>
-            </a:extLst>
-          </p:cNvPr>
-          <p:cNvSpPr>
-            <a:spLocks noGrp="1"/>
-          </p:cNvSpPr>
-          <p:nvPr>
-            <p:ph type="sldNum" sz="quarter" idx="12"/>
-          </p:nvPr>
-        </p:nvSpPr>
-        <p:spPr/>
-        <p:txBody>
-          <a:bodyPr/>
-          <a:lstStyle/>
-          <a:p>
-            <a:fld id="{C28CD5F5-F489-4697-8849-AC1E2110C5BD}" type="slidenum">
-              <a:rPr lang="en-US" smtClean="0"/>
-              <a:t>6</a:t>
-            </a:fld>
-            <a:endParaRPr lang="en-US"/>
-          </a:p>
-        </p:txBody>
-      </p:sp>
-    </p:spTree>
-    <p:extLst>
-      <p:ext uri="{BB962C8B-B14F-4D97-AF65-F5344CB8AC3E}">
-        <p14:creationId xmlns:p14="http://schemas.microsoft.com/office/powerpoint/2010/main" val="2465786770"/>
-      </p:ext>
-    </p:extLst>
-  </p:cSld>
-  <p:clrMapOvr>
-    <a:masterClrMapping/>
-  </p:clrMapOvr>
-  <mc:AlternateContent xmlns:mc="http://schemas.openxmlformats.org/markup-compatibility/2006">
-    <mc:Choice xmlns:p14="http://schemas.microsoft.com/office/powerpoint/2010/main" Requires="p14">
-      <p:transition spd="med" p14:dur="700">
-        <p:fade/>
-      </p:transition>
-    </mc:Choice>
-    <mc:Fallback>
+    <mc:Fallback xmlns="">
       <p:transition spd="med">
         <p:fade/>
       </p:transition>
@@ -7502,6 +8032,340 @@
           <p:cNvPr id="2" name="Title 1">
             <a:extLst>
               <a:ext uri="{FF2B5EF4-FFF2-40B4-BE49-F238E27FC236}">
+                <a16:creationId xmlns:a16="http://schemas.microsoft.com/office/drawing/2014/main" id="{EDC6B2FF-6CF3-4C7B-5561-CB55E31BFC14}"/>
+              </a:ext>
+            </a:extLst>
+          </p:cNvPr>
+          <p:cNvSpPr>
+            <a:spLocks noGrp="1"/>
+          </p:cNvSpPr>
+          <p:nvPr>
+            <p:ph type="title"/>
+          </p:nvPr>
+        </p:nvSpPr>
+        <p:spPr/>
+        <p:txBody>
+          <a:bodyPr/>
+          <a:lstStyle/>
+          <a:p>
+            <a:r>
+              <a:rPr lang="en-US" dirty="0"/>
+              <a:t>Gower distance</a:t>
+            </a:r>
+            <a:endParaRPr lang="en-DE" dirty="0"/>
+          </a:p>
+        </p:txBody>
+      </p:sp>
+      <p:sp>
+        <p:nvSpPr>
+          <p:cNvPr id="3" name="Content Placeholder 2">
+            <a:extLst>
+              <a:ext uri="{FF2B5EF4-FFF2-40B4-BE49-F238E27FC236}">
+                <a16:creationId xmlns:a16="http://schemas.microsoft.com/office/drawing/2014/main" id="{C45CF829-604E-0C5C-6A23-5BD065D568D2}"/>
+              </a:ext>
+            </a:extLst>
+          </p:cNvPr>
+          <p:cNvSpPr>
+            <a:spLocks noGrp="1"/>
+          </p:cNvSpPr>
+          <p:nvPr>
+            <p:ph idx="1"/>
+          </p:nvPr>
+        </p:nvSpPr>
+        <p:spPr/>
+        <p:txBody>
+          <a:bodyPr/>
+          <a:lstStyle/>
+          <a:p>
+            <a:r>
+              <a:rPr lang="en-US" dirty="0"/>
+              <a:t>Similarity measure for mixed-type data</a:t>
+            </a:r>
+          </a:p>
+          <a:p>
+            <a:r>
+              <a:rPr lang="en-US" dirty="0"/>
+              <a:t>Creates a distance matrix that can be used for Hierarchical Clustering</a:t>
+            </a:r>
+          </a:p>
+          <a:p>
+            <a:r>
+              <a:rPr lang="en-US" dirty="0"/>
+              <a:t>Slow</a:t>
+            </a:r>
+          </a:p>
+          <a:p>
+            <a:r>
+              <a:rPr lang="en-US" dirty="0"/>
+              <a:t>Falsely assigns most instances to one cluster</a:t>
+            </a:r>
+            <a:endParaRPr lang="en-DE" dirty="0"/>
+          </a:p>
+        </p:txBody>
+      </p:sp>
+      <p:sp>
+        <p:nvSpPr>
+          <p:cNvPr id="4" name="Footer Placeholder 3">
+            <a:extLst>
+              <a:ext uri="{FF2B5EF4-FFF2-40B4-BE49-F238E27FC236}">
+                <a16:creationId xmlns:a16="http://schemas.microsoft.com/office/drawing/2014/main" id="{5DA8B52E-5104-E95A-0BB1-3FA0E1C7AFEC}"/>
+              </a:ext>
+            </a:extLst>
+          </p:cNvPr>
+          <p:cNvSpPr>
+            <a:spLocks noGrp="1"/>
+          </p:cNvSpPr>
+          <p:nvPr>
+            <p:ph type="ftr" sz="quarter" idx="11"/>
+          </p:nvPr>
+        </p:nvSpPr>
+        <p:spPr/>
+        <p:txBody>
+          <a:bodyPr/>
+          <a:lstStyle/>
+          <a:p>
+            <a:r>
+              <a:rPr lang="en-US"/>
+              <a:t>Attention in mixed-type Clustering</a:t>
+            </a:r>
+            <a:endParaRPr lang="en-US" dirty="0"/>
+          </a:p>
+        </p:txBody>
+      </p:sp>
+      <p:sp>
+        <p:nvSpPr>
+          <p:cNvPr id="5" name="Slide Number Placeholder 4">
+            <a:extLst>
+              <a:ext uri="{FF2B5EF4-FFF2-40B4-BE49-F238E27FC236}">
+                <a16:creationId xmlns:a16="http://schemas.microsoft.com/office/drawing/2014/main" id="{F01C006D-669B-EA4A-DDA5-88952F5AEED9}"/>
+              </a:ext>
+            </a:extLst>
+          </p:cNvPr>
+          <p:cNvSpPr>
+            <a:spLocks noGrp="1"/>
+          </p:cNvSpPr>
+          <p:nvPr>
+            <p:ph type="sldNum" sz="quarter" idx="12"/>
+          </p:nvPr>
+        </p:nvSpPr>
+        <p:spPr/>
+        <p:txBody>
+          <a:bodyPr/>
+          <a:lstStyle/>
+          <a:p>
+            <a:fld id="{C28CD5F5-F489-4697-8849-AC1E2110C5BD}" type="slidenum">
+              <a:rPr lang="en-US" smtClean="0"/>
+              <a:t>7</a:t>
+            </a:fld>
+            <a:endParaRPr lang="en-US"/>
+          </a:p>
+        </p:txBody>
+      </p:sp>
+    </p:spTree>
+    <p:extLst>
+      <p:ext uri="{BB962C8B-B14F-4D97-AF65-F5344CB8AC3E}">
+        <p14:creationId xmlns:p14="http://schemas.microsoft.com/office/powerpoint/2010/main" val="445615577"/>
+      </p:ext>
+    </p:extLst>
+  </p:cSld>
+  <p:clrMapOvr>
+    <a:masterClrMapping/>
+  </p:clrMapOvr>
+  <mc:AlternateContent xmlns:mc="http://schemas.openxmlformats.org/markup-compatibility/2006" xmlns:p14="http://schemas.microsoft.com/office/powerpoint/2010/main">
+    <mc:Choice Requires="p14">
+      <p:transition spd="med" p14:dur="700">
+        <p:fade/>
+      </p:transition>
+    </mc:Choice>
+    <mc:Fallback xmlns="">
+      <p:transition spd="med">
+        <p:fade/>
+      </p:transition>
+    </mc:Fallback>
+  </mc:AlternateContent>
+</p:sld>
+</file>
+
+<file path=ppt/slides/slide8.xml><?xml version="1.0" encoding="utf-8"?>
+<p:sld xmlns:a="http://schemas.openxmlformats.org/drawingml/2006/main" xmlns:r="http://schemas.openxmlformats.org/officeDocument/2006/relationships" xmlns:p="http://schemas.openxmlformats.org/presentationml/2006/main">
+  <p:cSld>
+    <p:spTree>
+      <p:nvGrpSpPr>
+        <p:cNvPr id="1" name=""/>
+        <p:cNvGrpSpPr/>
+        <p:nvPr/>
+      </p:nvGrpSpPr>
+      <p:grpSpPr>
+        <a:xfrm>
+          <a:off x="0" y="0"/>
+          <a:ext cx="0" cy="0"/>
+          <a:chOff x="0" y="0"/>
+          <a:chExt cx="0" cy="0"/>
+        </a:xfrm>
+      </p:grpSpPr>
+      <p:sp>
+        <p:nvSpPr>
+          <p:cNvPr id="2" name="Title 1">
+            <a:extLst>
+              <a:ext uri="{FF2B5EF4-FFF2-40B4-BE49-F238E27FC236}">
+                <a16:creationId xmlns:a16="http://schemas.microsoft.com/office/drawing/2014/main" id="{4896943C-0AEF-43E7-38E0-2D01795B2E4C}"/>
+              </a:ext>
+            </a:extLst>
+          </p:cNvPr>
+          <p:cNvSpPr>
+            <a:spLocks noGrp="1"/>
+          </p:cNvSpPr>
+          <p:nvPr>
+            <p:ph type="title"/>
+          </p:nvPr>
+        </p:nvSpPr>
+        <p:spPr/>
+        <p:txBody>
+          <a:bodyPr/>
+          <a:lstStyle/>
+          <a:p>
+            <a:r>
+              <a:rPr lang="en-US" dirty="0"/>
+              <a:t>Comparison of classical methods</a:t>
+            </a:r>
+            <a:endParaRPr lang="en-DE" dirty="0"/>
+          </a:p>
+        </p:txBody>
+      </p:sp>
+      <p:pic>
+        <p:nvPicPr>
+          <p:cNvPr id="7" name="Content Placeholder 6">
+            <a:extLst>
+              <a:ext uri="{FF2B5EF4-FFF2-40B4-BE49-F238E27FC236}">
+                <a16:creationId xmlns:a16="http://schemas.microsoft.com/office/drawing/2014/main" id="{B3189E8B-0A25-6C6D-AD37-481DA4B3A8A3}"/>
+              </a:ext>
+            </a:extLst>
+          </p:cNvPr>
+          <p:cNvPicPr>
+            <a:picLocks noGrp="1" noChangeAspect="1"/>
+          </p:cNvPicPr>
+          <p:nvPr>
+            <p:ph idx="1"/>
+          </p:nvPr>
+        </p:nvPicPr>
+        <p:blipFill>
+          <a:blip r:embed="rId2"/>
+          <a:stretch>
+            <a:fillRect/>
+          </a:stretch>
+        </p:blipFill>
+        <p:spPr>
+          <a:xfrm>
+            <a:off x="782862" y="1664804"/>
+            <a:ext cx="7578275" cy="3528392"/>
+          </a:xfrm>
+        </p:spPr>
+      </p:pic>
+      <p:sp>
+        <p:nvSpPr>
+          <p:cNvPr id="4" name="Footer Placeholder 3">
+            <a:extLst>
+              <a:ext uri="{FF2B5EF4-FFF2-40B4-BE49-F238E27FC236}">
+                <a16:creationId xmlns:a16="http://schemas.microsoft.com/office/drawing/2014/main" id="{352AF3F5-C145-2C09-28BC-396DDAF7D571}"/>
+              </a:ext>
+            </a:extLst>
+          </p:cNvPr>
+          <p:cNvSpPr>
+            <a:spLocks noGrp="1"/>
+          </p:cNvSpPr>
+          <p:nvPr>
+            <p:ph type="ftr" sz="quarter" idx="11"/>
+          </p:nvPr>
+        </p:nvSpPr>
+        <p:spPr/>
+        <p:txBody>
+          <a:bodyPr/>
+          <a:lstStyle/>
+          <a:p>
+            <a:r>
+              <a:rPr lang="en-US"/>
+              <a:t>Attention in mixed-type Clustering</a:t>
+            </a:r>
+            <a:endParaRPr lang="en-US" dirty="0"/>
+          </a:p>
+        </p:txBody>
+      </p:sp>
+      <p:sp>
+        <p:nvSpPr>
+          <p:cNvPr id="5" name="Slide Number Placeholder 4">
+            <a:extLst>
+              <a:ext uri="{FF2B5EF4-FFF2-40B4-BE49-F238E27FC236}">
+                <a16:creationId xmlns:a16="http://schemas.microsoft.com/office/drawing/2014/main" id="{5EC8FEB1-3AA5-1109-C413-BAAACD25C688}"/>
+              </a:ext>
+            </a:extLst>
+          </p:cNvPr>
+          <p:cNvSpPr>
+            <a:spLocks noGrp="1"/>
+          </p:cNvSpPr>
+          <p:nvPr>
+            <p:ph type="sldNum" sz="quarter" idx="12"/>
+          </p:nvPr>
+        </p:nvSpPr>
+        <p:spPr/>
+        <p:txBody>
+          <a:bodyPr/>
+          <a:lstStyle/>
+          <a:p>
+            <a:fld id="{C28CD5F5-F489-4697-8849-AC1E2110C5BD}" type="slidenum">
+              <a:rPr lang="en-US" smtClean="0"/>
+              <a:t>8</a:t>
+            </a:fld>
+            <a:endParaRPr lang="en-US"/>
+          </a:p>
+        </p:txBody>
+      </p:sp>
+    </p:spTree>
+    <p:extLst>
+      <p:ext uri="{BB962C8B-B14F-4D97-AF65-F5344CB8AC3E}">
+        <p14:creationId xmlns:p14="http://schemas.microsoft.com/office/powerpoint/2010/main" val="2465786770"/>
+      </p:ext>
+    </p:extLst>
+  </p:cSld>
+  <p:clrMapOvr>
+    <a:masterClrMapping/>
+  </p:clrMapOvr>
+  <mc:AlternateContent xmlns:mc="http://schemas.openxmlformats.org/markup-compatibility/2006" xmlns:p14="http://schemas.microsoft.com/office/powerpoint/2010/main">
+    <mc:Choice Requires="p14">
+      <p:transition spd="med" p14:dur="700">
+        <p:fade/>
+      </p:transition>
+    </mc:Choice>
+    <mc:Fallback xmlns="">
+      <p:transition spd="med">
+        <p:fade/>
+      </p:transition>
+    </mc:Fallback>
+  </mc:AlternateContent>
+</p:sld>
+</file>
+
+<file path=ppt/slides/slide9.xml><?xml version="1.0" encoding="utf-8"?>
+<p:sld xmlns:a="http://schemas.openxmlformats.org/drawingml/2006/main" xmlns:r="http://schemas.openxmlformats.org/officeDocument/2006/relationships" xmlns:p="http://schemas.openxmlformats.org/presentationml/2006/main">
+  <p:cSld>
+    <p:spTree>
+      <p:nvGrpSpPr>
+        <p:cNvPr id="1" name=""/>
+        <p:cNvGrpSpPr/>
+        <p:nvPr/>
+      </p:nvGrpSpPr>
+      <p:grpSpPr>
+        <a:xfrm>
+          <a:off x="0" y="0"/>
+          <a:ext cx="0" cy="0"/>
+          <a:chOff x="0" y="0"/>
+          <a:chExt cx="0" cy="0"/>
+        </a:xfrm>
+      </p:grpSpPr>
+      <p:sp>
+        <p:nvSpPr>
+          <p:cNvPr id="2" name="Title 1">
+            <a:extLst>
+              <a:ext uri="{FF2B5EF4-FFF2-40B4-BE49-F238E27FC236}">
                 <a16:creationId xmlns:a16="http://schemas.microsoft.com/office/drawing/2014/main" id="{21C8BC01-317C-F9F9-C843-FC1B785026DF}"/>
               </a:ext>
             </a:extLst>
@@ -7621,7 +8485,7 @@
           <a:p>
             <a:fld id="{C28CD5F5-F489-4697-8849-AC1E2110C5BD}" type="slidenum">
               <a:rPr lang="en-US" smtClean="0"/>
-              <a:t>7</a:t>
+              <a:t>9</a:t>
             </a:fld>
             <a:endParaRPr lang="en-US"/>
           </a:p>
@@ -7667,370 +8531,13 @@
   <p:clrMapOvr>
     <a:masterClrMapping/>
   </p:clrMapOvr>
-  <mc:AlternateContent xmlns:mc="http://schemas.openxmlformats.org/markup-compatibility/2006">
-    <mc:Choice xmlns:p14="http://schemas.microsoft.com/office/powerpoint/2010/main" Requires="p14">
+  <mc:AlternateContent xmlns:mc="http://schemas.openxmlformats.org/markup-compatibility/2006" xmlns:p14="http://schemas.microsoft.com/office/powerpoint/2010/main">
+    <mc:Choice Requires="p14">
       <p:transition spd="med" p14:dur="700">
         <p:fade/>
       </p:transition>
     </mc:Choice>
-    <mc:Fallback>
-      <p:transition spd="med">
-        <p:fade/>
-      </p:transition>
-    </mc:Fallback>
-  </mc:AlternateContent>
-</p:sld>
-</file>
-
-<file path=ppt/slides/slide8.xml><?xml version="1.0" encoding="utf-8"?>
-<p:sld xmlns:a="http://schemas.openxmlformats.org/drawingml/2006/main" xmlns:r="http://schemas.openxmlformats.org/officeDocument/2006/relationships" xmlns:p="http://schemas.openxmlformats.org/presentationml/2006/main">
-  <p:cSld>
-    <p:spTree>
-      <p:nvGrpSpPr>
-        <p:cNvPr id="1" name=""/>
-        <p:cNvGrpSpPr/>
-        <p:nvPr/>
-      </p:nvGrpSpPr>
-      <p:grpSpPr>
-        <a:xfrm>
-          <a:off x="0" y="0"/>
-          <a:ext cx="0" cy="0"/>
-          <a:chOff x="0" y="0"/>
-          <a:chExt cx="0" cy="0"/>
-        </a:xfrm>
-      </p:grpSpPr>
-      <p:sp>
-        <p:nvSpPr>
-          <p:cNvPr id="2" name="Title 1">
-            <a:extLst>
-              <a:ext uri="{FF2B5EF4-FFF2-40B4-BE49-F238E27FC236}">
-                <a16:creationId xmlns:a16="http://schemas.microsoft.com/office/drawing/2014/main" id="{676BA053-BBBE-4AD1-0E82-306B86326615}"/>
-              </a:ext>
-            </a:extLst>
-          </p:cNvPr>
-          <p:cNvSpPr>
-            <a:spLocks noGrp="1"/>
-          </p:cNvSpPr>
-          <p:nvPr>
-            <p:ph type="title"/>
-          </p:nvPr>
-        </p:nvSpPr>
-        <p:spPr/>
-        <p:txBody>
-          <a:bodyPr/>
-          <a:lstStyle/>
-          <a:p>
-            <a:r>
-              <a:rPr lang="en-US" dirty="0"/>
-              <a:t>Embeddings</a:t>
-            </a:r>
-            <a:endParaRPr lang="en-DE" dirty="0"/>
-          </a:p>
-        </p:txBody>
-      </p:sp>
-      <p:sp>
-        <p:nvSpPr>
-          <p:cNvPr id="3" name="Content Placeholder 2">
-            <a:extLst>
-              <a:ext uri="{FF2B5EF4-FFF2-40B4-BE49-F238E27FC236}">
-                <a16:creationId xmlns:a16="http://schemas.microsoft.com/office/drawing/2014/main" id="{10F19FFA-55FC-F88F-3CD6-B2E3BA63CC64}"/>
-              </a:ext>
-            </a:extLst>
-          </p:cNvPr>
-          <p:cNvSpPr>
-            <a:spLocks noGrp="1"/>
-          </p:cNvSpPr>
-          <p:nvPr>
-            <p:ph idx="1"/>
-          </p:nvPr>
-        </p:nvSpPr>
-        <p:spPr/>
-        <p:txBody>
-          <a:bodyPr/>
-          <a:lstStyle/>
-          <a:p>
-            <a:r>
-              <a:rPr lang="en-US" dirty="0"/>
-              <a:t>Learnable embedding for each categorical feature</a:t>
-            </a:r>
-          </a:p>
-          <a:p>
-            <a:r>
-              <a:rPr lang="en-US" dirty="0"/>
-              <a:t>Shared embedding for all features (1/8 of embedding) to differentiate classes of different features (Idea by Huang et al, 2020)</a:t>
-            </a:r>
-            <a:endParaRPr lang="en-DE" dirty="0"/>
-          </a:p>
-        </p:txBody>
-      </p:sp>
-      <p:sp>
-        <p:nvSpPr>
-          <p:cNvPr id="4" name="Footer Placeholder 3">
-            <a:extLst>
-              <a:ext uri="{FF2B5EF4-FFF2-40B4-BE49-F238E27FC236}">
-                <a16:creationId xmlns:a16="http://schemas.microsoft.com/office/drawing/2014/main" id="{580DB2E9-AA44-771E-56AA-A227847B7279}"/>
-              </a:ext>
-            </a:extLst>
-          </p:cNvPr>
-          <p:cNvSpPr>
-            <a:spLocks noGrp="1"/>
-          </p:cNvSpPr>
-          <p:nvPr>
-            <p:ph type="ftr" sz="quarter" idx="11"/>
-          </p:nvPr>
-        </p:nvSpPr>
-        <p:spPr/>
-        <p:txBody>
-          <a:bodyPr/>
-          <a:lstStyle/>
-          <a:p>
-            <a:r>
-              <a:rPr lang="en-US"/>
-              <a:t>Attention in mixed-type Clustering</a:t>
-            </a:r>
-            <a:endParaRPr lang="en-US" dirty="0"/>
-          </a:p>
-        </p:txBody>
-      </p:sp>
-      <p:sp>
-        <p:nvSpPr>
-          <p:cNvPr id="5" name="Slide Number Placeholder 4">
-            <a:extLst>
-              <a:ext uri="{FF2B5EF4-FFF2-40B4-BE49-F238E27FC236}">
-                <a16:creationId xmlns:a16="http://schemas.microsoft.com/office/drawing/2014/main" id="{04E5CC93-5908-68A0-0437-61B96A0576AC}"/>
-              </a:ext>
-            </a:extLst>
-          </p:cNvPr>
-          <p:cNvSpPr>
-            <a:spLocks noGrp="1"/>
-          </p:cNvSpPr>
-          <p:nvPr>
-            <p:ph type="sldNum" sz="quarter" idx="12"/>
-          </p:nvPr>
-        </p:nvSpPr>
-        <p:spPr/>
-        <p:txBody>
-          <a:bodyPr/>
-          <a:lstStyle/>
-          <a:p>
-            <a:fld id="{C28CD5F5-F489-4697-8849-AC1E2110C5BD}" type="slidenum">
-              <a:rPr lang="en-US" smtClean="0"/>
-              <a:t>8</a:t>
-            </a:fld>
-            <a:endParaRPr lang="en-US"/>
-          </a:p>
-        </p:txBody>
-      </p:sp>
-      <p:pic>
-        <p:nvPicPr>
-          <p:cNvPr id="11" name="Picture 10">
-            <a:extLst>
-              <a:ext uri="{FF2B5EF4-FFF2-40B4-BE49-F238E27FC236}">
-                <a16:creationId xmlns:a16="http://schemas.microsoft.com/office/drawing/2014/main" id="{47DF48E3-EB15-3141-4E5D-688D45D3BAF5}"/>
-              </a:ext>
-            </a:extLst>
-          </p:cNvPr>
-          <p:cNvPicPr>
-            <a:picLocks noChangeAspect="1"/>
-          </p:cNvPicPr>
-          <p:nvPr/>
-        </p:nvPicPr>
-        <p:blipFill>
-          <a:blip r:embed="rId2"/>
-          <a:stretch>
-            <a:fillRect/>
-          </a:stretch>
-        </p:blipFill>
-        <p:spPr>
-          <a:xfrm>
-            <a:off x="2713400" y="4077072"/>
-            <a:ext cx="3717199" cy="2049093"/>
-          </a:xfrm>
-          <a:prstGeom prst="rect">
-            <a:avLst/>
-          </a:prstGeom>
-        </p:spPr>
-      </p:pic>
-    </p:spTree>
-    <p:extLst>
-      <p:ext uri="{BB962C8B-B14F-4D97-AF65-F5344CB8AC3E}">
-        <p14:creationId xmlns:p14="http://schemas.microsoft.com/office/powerpoint/2010/main" val="1621454117"/>
-      </p:ext>
-    </p:extLst>
-  </p:cSld>
-  <p:clrMapOvr>
-    <a:masterClrMapping/>
-  </p:clrMapOvr>
-  <mc:AlternateContent xmlns:mc="http://schemas.openxmlformats.org/markup-compatibility/2006">
-    <mc:Choice xmlns:p14="http://schemas.microsoft.com/office/powerpoint/2010/main" Requires="p14">
-      <p:transition spd="med" p14:dur="700">
-        <p:fade/>
-      </p:transition>
-    </mc:Choice>
-    <mc:Fallback>
-      <p:transition spd="med">
-        <p:fade/>
-      </p:transition>
-    </mc:Fallback>
-  </mc:AlternateContent>
-</p:sld>
-</file>
-
-<file path=ppt/slides/slide9.xml><?xml version="1.0" encoding="utf-8"?>
-<p:sld xmlns:a="http://schemas.openxmlformats.org/drawingml/2006/main" xmlns:r="http://schemas.openxmlformats.org/officeDocument/2006/relationships" xmlns:p="http://schemas.openxmlformats.org/presentationml/2006/main">
-  <p:cSld>
-    <p:spTree>
-      <p:nvGrpSpPr>
-        <p:cNvPr id="1" name=""/>
-        <p:cNvGrpSpPr/>
-        <p:nvPr/>
-      </p:nvGrpSpPr>
-      <p:grpSpPr>
-        <a:xfrm>
-          <a:off x="0" y="0"/>
-          <a:ext cx="0" cy="0"/>
-          <a:chOff x="0" y="0"/>
-          <a:chExt cx="0" cy="0"/>
-        </a:xfrm>
-      </p:grpSpPr>
-      <p:sp>
-        <p:nvSpPr>
-          <p:cNvPr id="2" name="Title 1">
-            <a:extLst>
-              <a:ext uri="{FF2B5EF4-FFF2-40B4-BE49-F238E27FC236}">
-                <a16:creationId xmlns:a16="http://schemas.microsoft.com/office/drawing/2014/main" id="{B54D7757-EF28-7CB3-0C74-740DA5E5D44E}"/>
-              </a:ext>
-            </a:extLst>
-          </p:cNvPr>
-          <p:cNvSpPr>
-            <a:spLocks noGrp="1"/>
-          </p:cNvSpPr>
-          <p:nvPr>
-            <p:ph type="title"/>
-          </p:nvPr>
-        </p:nvSpPr>
-        <p:spPr/>
-        <p:txBody>
-          <a:bodyPr/>
-          <a:lstStyle/>
-          <a:p>
-            <a:r>
-              <a:rPr lang="en-US" dirty="0"/>
-              <a:t>Attention!</a:t>
-            </a:r>
-            <a:endParaRPr lang="en-DE" dirty="0"/>
-          </a:p>
-        </p:txBody>
-      </p:sp>
-      <p:sp>
-        <p:nvSpPr>
-          <p:cNvPr id="3" name="Content Placeholder 2">
-            <a:extLst>
-              <a:ext uri="{FF2B5EF4-FFF2-40B4-BE49-F238E27FC236}">
-                <a16:creationId xmlns:a16="http://schemas.microsoft.com/office/drawing/2014/main" id="{5494FB56-BBAF-97F8-1849-CAA55AA1F19F}"/>
-              </a:ext>
-            </a:extLst>
-          </p:cNvPr>
-          <p:cNvSpPr>
-            <a:spLocks noGrp="1"/>
-          </p:cNvSpPr>
-          <p:nvPr>
-            <p:ph idx="1"/>
-          </p:nvPr>
-        </p:nvSpPr>
-        <p:spPr/>
-        <p:txBody>
-          <a:bodyPr/>
-          <a:lstStyle/>
-          <a:p>
-            <a:r>
-              <a:rPr lang="en-US" dirty="0"/>
-              <a:t>Mechanism used in NLP to compute relationships between tokens</a:t>
-            </a:r>
-          </a:p>
-          <a:p>
-            <a:r>
-              <a:rPr lang="en-US" dirty="0"/>
-              <a:t>We can use attention to compute relationships between features</a:t>
-            </a:r>
-          </a:p>
-        </p:txBody>
-      </p:sp>
-      <p:sp>
-        <p:nvSpPr>
-          <p:cNvPr id="4" name="Footer Placeholder 3">
-            <a:extLst>
-              <a:ext uri="{FF2B5EF4-FFF2-40B4-BE49-F238E27FC236}">
-                <a16:creationId xmlns:a16="http://schemas.microsoft.com/office/drawing/2014/main" id="{30C5E13D-176C-A002-E70B-B8A678AE7E6E}"/>
-              </a:ext>
-            </a:extLst>
-          </p:cNvPr>
-          <p:cNvSpPr>
-            <a:spLocks noGrp="1"/>
-          </p:cNvSpPr>
-          <p:nvPr>
-            <p:ph type="ftr" sz="quarter" idx="11"/>
-          </p:nvPr>
-        </p:nvSpPr>
-        <p:spPr/>
-        <p:txBody>
-          <a:bodyPr/>
-          <a:lstStyle/>
-          <a:p>
-            <a:r>
-              <a:rPr lang="en-US"/>
-              <a:t>Attention in mixed-type Clustering</a:t>
-            </a:r>
-            <a:endParaRPr lang="en-US" dirty="0"/>
-          </a:p>
-        </p:txBody>
-      </p:sp>
-      <p:sp>
-        <p:nvSpPr>
-          <p:cNvPr id="5" name="Slide Number Placeholder 4">
-            <a:extLst>
-              <a:ext uri="{FF2B5EF4-FFF2-40B4-BE49-F238E27FC236}">
-                <a16:creationId xmlns:a16="http://schemas.microsoft.com/office/drawing/2014/main" id="{7B8B4535-E37D-224C-1588-01A45148B47A}"/>
-              </a:ext>
-            </a:extLst>
-          </p:cNvPr>
-          <p:cNvSpPr>
-            <a:spLocks noGrp="1"/>
-          </p:cNvSpPr>
-          <p:nvPr>
-            <p:ph type="sldNum" sz="quarter" idx="12"/>
-          </p:nvPr>
-        </p:nvSpPr>
-        <p:spPr/>
-        <p:txBody>
-          <a:bodyPr/>
-          <a:lstStyle/>
-          <a:p>
-            <a:fld id="{C28CD5F5-F489-4697-8849-AC1E2110C5BD}" type="slidenum">
-              <a:rPr lang="en-US" smtClean="0"/>
-              <a:t>9</a:t>
-            </a:fld>
-            <a:endParaRPr lang="en-US"/>
-          </a:p>
-        </p:txBody>
-      </p:sp>
-    </p:spTree>
-    <p:extLst>
-      <p:ext uri="{BB962C8B-B14F-4D97-AF65-F5344CB8AC3E}">
-        <p14:creationId xmlns:p14="http://schemas.microsoft.com/office/powerpoint/2010/main" val="3414753961"/>
-      </p:ext>
-    </p:extLst>
-  </p:cSld>
-  <p:clrMapOvr>
-    <a:masterClrMapping/>
-  </p:clrMapOvr>
-  <mc:AlternateContent xmlns:mc="http://schemas.openxmlformats.org/markup-compatibility/2006">
-    <mc:Choice xmlns:p14="http://schemas.microsoft.com/office/powerpoint/2010/main" Requires="p14">
-      <p:transition spd="med" p14:dur="700">
-        <p:fade/>
-      </p:transition>
-    </mc:Choice>
-    <mc:Fallback>
+    <mc:Fallback xmlns="">
       <p:transition spd="med">
         <p:fade/>
       </p:transition>

--- a/presentation.pptx
+++ b/presentation.pptx
@@ -5,17 +5,17 @@
     <p:sldMasterId id="2147483648" r:id="rId1"/>
   </p:sldMasterIdLst>
   <p:notesMasterIdLst>
-    <p:notesMasterId r:id="rId28"/>
+    <p:notesMasterId r:id="rId30"/>
   </p:notesMasterIdLst>
   <p:sldIdLst>
     <p:sldId id="258" r:id="rId2"/>
     <p:sldId id="282" r:id="rId3"/>
-    <p:sldId id="260" r:id="rId4"/>
-    <p:sldId id="284" r:id="rId5"/>
-    <p:sldId id="259" r:id="rId6"/>
-    <p:sldId id="261" r:id="rId7"/>
-    <p:sldId id="262" r:id="rId8"/>
-    <p:sldId id="267" r:id="rId9"/>
+    <p:sldId id="285" r:id="rId4"/>
+    <p:sldId id="259" r:id="rId5"/>
+    <p:sldId id="261" r:id="rId6"/>
+    <p:sldId id="262" r:id="rId7"/>
+    <p:sldId id="267" r:id="rId8"/>
+    <p:sldId id="284" r:id="rId9"/>
     <p:sldId id="263" r:id="rId10"/>
     <p:sldId id="272" r:id="rId11"/>
     <p:sldId id="264" r:id="rId12"/>
@@ -34,16 +34,18 @@
     <p:sldId id="275" r:id="rId25"/>
     <p:sldId id="277" r:id="rId26"/>
     <p:sldId id="283" r:id="rId27"/>
+    <p:sldId id="286" r:id="rId28"/>
+    <p:sldId id="287" r:id="rId29"/>
   </p:sldIdLst>
   <p:sldSz cx="9144000" cy="6858000" type="screen4x3"/>
   <p:notesSz cx="6858000" cy="9144000"/>
   <p:embeddedFontLst>
     <p:embeddedFont>
       <p:font typeface="Calibri" panose="020F0502020204030204" pitchFamily="34" charset="0"/>
-      <p:regular r:id="rId29"/>
-      <p:bold r:id="rId30"/>
-      <p:italic r:id="rId31"/>
-      <p:boldItalic r:id="rId32"/>
+      <p:regular r:id="rId31"/>
+      <p:bold r:id="rId32"/>
+      <p:italic r:id="rId33"/>
+      <p:boldItalic r:id="rId34"/>
     </p:embeddedFont>
   </p:embeddedFontLst>
   <p:defaultTextStyle>
@@ -242,7 +244,7 @@
           <a:p>
             <a:fld id="{4B11441F-F30F-4649-A32B-0EF4F2FA26B8}" type="datetimeFigureOut">
               <a:rPr lang="en-US" smtClean="0"/>
-              <a:t>11/17/2023</a:t>
+              <a:t>11/18/2023</a:t>
             </a:fld>
             <a:endParaRPr lang="en-US"/>
           </a:p>
@@ -4288,7 +4290,7 @@
           <a:p>
             <a:r>
               <a:rPr lang="en-US" dirty="0"/>
-              <a:t>Embeddings</a:t>
+              <a:t>Categorical Embeddings</a:t>
             </a:r>
             <a:endParaRPr lang="en-DE" dirty="0"/>
           </a:p>
@@ -4482,7 +4484,7 @@
           <a:p>
             <a:r>
               <a:rPr lang="en-US" dirty="0"/>
-              <a:t>Attention!</a:t>
+              <a:t>Attention</a:t>
             </a:r>
             <a:endParaRPr lang="en-DE" dirty="0"/>
           </a:p>
@@ -4645,7 +4647,7 @@
           <a:p>
             <a:r>
               <a:rPr lang="en-US" dirty="0"/>
-              <a:t>Attention!</a:t>
+              <a:t>Attention</a:t>
             </a:r>
             <a:endParaRPr lang="en-DE" dirty="0"/>
           </a:p>
@@ -4818,7 +4820,7 @@
           <a:p>
             <a:r>
               <a:rPr lang="en-US" dirty="0"/>
-              <a:t>Attention!</a:t>
+              <a:t>Attention</a:t>
             </a:r>
             <a:endParaRPr lang="en-DE" dirty="0"/>
           </a:p>
@@ -5100,7 +5102,7 @@
           <a:p>
             <a:r>
               <a:rPr lang="en-US" dirty="0"/>
-              <a:t>Attention!</a:t>
+              <a:t>Attention</a:t>
             </a:r>
             <a:endParaRPr lang="en-DE" dirty="0"/>
           </a:p>
@@ -6156,10 +6158,67 @@
         </p:nvSpPr>
         <p:spPr/>
         <p:txBody>
-          <a:bodyPr/>
-          <a:lstStyle/>
-          <a:p>
-            <a:endParaRPr lang="en-DE"/>
+          <a:bodyPr>
+            <a:normAutofit lnSpcReduction="10000"/>
+          </a:bodyPr>
+          <a:lstStyle/>
+          <a:p>
+            <a:r>
+              <a:rPr lang="en-US" dirty="0"/>
+              <a:t>Classical methods</a:t>
+            </a:r>
+          </a:p>
+          <a:p>
+            <a:pPr lvl="1"/>
+            <a:r>
+              <a:rPr lang="en-US" dirty="0"/>
+              <a:t>k-means, k-means + one-hot encoding</a:t>
+            </a:r>
+          </a:p>
+          <a:p>
+            <a:pPr lvl="1"/>
+            <a:r>
+              <a:rPr lang="en-US" dirty="0"/>
+              <a:t>k-modes/k-prototypes</a:t>
+            </a:r>
+          </a:p>
+          <a:p>
+            <a:pPr lvl="1"/>
+            <a:r>
+              <a:rPr lang="en-US" dirty="0"/>
+              <a:t>Gower distance</a:t>
+            </a:r>
+          </a:p>
+          <a:p>
+            <a:r>
+              <a:rPr lang="en-US" dirty="0"/>
+              <a:t>Autoencoder</a:t>
+            </a:r>
+          </a:p>
+          <a:p>
+            <a:r>
+              <a:rPr lang="en-US" dirty="0"/>
+              <a:t>Categorical Embeddings</a:t>
+            </a:r>
+          </a:p>
+          <a:p>
+            <a:r>
+              <a:rPr lang="en-US" dirty="0"/>
+              <a:t>Attention</a:t>
+            </a:r>
+          </a:p>
+          <a:p>
+            <a:r>
+              <a:rPr lang="en-US" dirty="0"/>
+              <a:t>Transformer</a:t>
+            </a:r>
+          </a:p>
+          <a:p>
+            <a:r>
+              <a:rPr lang="en-US" dirty="0"/>
+              <a:t>Deep Clustering</a:t>
+            </a:r>
+            <a:endParaRPr lang="en-DE" dirty="0"/>
           </a:p>
         </p:txBody>
       </p:sp>
@@ -7163,31 +7222,35 @@
           </a:p>
         </p:txBody>
       </p:sp>
-      <p:sp>
-        <p:nvSpPr>
-          <p:cNvPr id="3" name="Content Placeholder 2">
-            <a:extLst>
-              <a:ext uri="{FF2B5EF4-FFF2-40B4-BE49-F238E27FC236}">
-                <a16:creationId xmlns:a16="http://schemas.microsoft.com/office/drawing/2014/main" id="{241236DA-D312-D71D-072B-14CA10ACD29D}"/>
-              </a:ext>
-            </a:extLst>
-          </p:cNvPr>
-          <p:cNvSpPr>
-            <a:spLocks noGrp="1"/>
-          </p:cNvSpPr>
+      <p:pic>
+        <p:nvPicPr>
+          <p:cNvPr id="7" name="Content Placeholder 6">
+            <a:extLst>
+              <a:ext uri="{FF2B5EF4-FFF2-40B4-BE49-F238E27FC236}">
+                <a16:creationId xmlns:a16="http://schemas.microsoft.com/office/drawing/2014/main" id="{8CC3380F-778D-5737-8757-682AD76DA8A7}"/>
+              </a:ext>
+            </a:extLst>
+          </p:cNvPr>
+          <p:cNvPicPr>
+            <a:picLocks noGrp="1" noChangeAspect="1"/>
+          </p:cNvPicPr>
           <p:nvPr>
             <p:ph idx="1"/>
           </p:nvPr>
-        </p:nvSpPr>
-        <p:spPr/>
-        <p:txBody>
-          <a:bodyPr/>
-          <a:lstStyle/>
-          <a:p>
-            <a:endParaRPr lang="en-DE" dirty="0"/>
-          </a:p>
-        </p:txBody>
-      </p:sp>
+        </p:nvPicPr>
+        <p:blipFill>
+          <a:blip r:embed="rId2"/>
+          <a:stretch>
+            <a:fillRect/>
+          </a:stretch>
+        </p:blipFill>
+        <p:spPr>
+          <a:xfrm>
+            <a:off x="163482" y="1124744"/>
+            <a:ext cx="4433686" cy="4896544"/>
+          </a:xfrm>
+        </p:spPr>
+      </p:pic>
       <p:sp>
         <p:nvSpPr>
           <p:cNvPr id="4" name="Footer Placeholder 3">
@@ -7246,10 +7309,378 @@
           </a:p>
         </p:txBody>
       </p:sp>
+      <p:pic>
+        <p:nvPicPr>
+          <p:cNvPr id="9" name="Picture 8">
+            <a:extLst>
+              <a:ext uri="{FF2B5EF4-FFF2-40B4-BE49-F238E27FC236}">
+                <a16:creationId xmlns:a16="http://schemas.microsoft.com/office/drawing/2014/main" id="{E132352B-7A55-7B08-95E2-6E6EA6C5A0BA}"/>
+              </a:ext>
+            </a:extLst>
+          </p:cNvPr>
+          <p:cNvPicPr>
+            <a:picLocks noChangeAspect="1"/>
+          </p:cNvPicPr>
+          <p:nvPr/>
+        </p:nvPicPr>
+        <p:blipFill>
+          <a:blip r:embed="rId3"/>
+          <a:stretch>
+            <a:fillRect/>
+          </a:stretch>
+        </p:blipFill>
+        <p:spPr>
+          <a:xfrm>
+            <a:off x="4768670" y="462585"/>
+            <a:ext cx="4187880" cy="5932830"/>
+          </a:xfrm>
+          <a:prstGeom prst="rect">
+            <a:avLst/>
+          </a:prstGeom>
+        </p:spPr>
+      </p:pic>
     </p:spTree>
     <p:extLst>
       <p:ext uri="{BB962C8B-B14F-4D97-AF65-F5344CB8AC3E}">
         <p14:creationId xmlns:p14="http://schemas.microsoft.com/office/powerpoint/2010/main" val="3110081305"/>
+      </p:ext>
+    </p:extLst>
+  </p:cSld>
+  <p:clrMapOvr>
+    <a:masterClrMapping/>
+  </p:clrMapOvr>
+  <mc:AlternateContent xmlns:mc="http://schemas.openxmlformats.org/markup-compatibility/2006" xmlns:p14="http://schemas.microsoft.com/office/powerpoint/2010/main">
+    <mc:Choice Requires="p14">
+      <p:transition spd="med" p14:dur="700">
+        <p:fade/>
+      </p:transition>
+    </mc:Choice>
+    <mc:Fallback xmlns="">
+      <p:transition spd="med">
+        <p:fade/>
+      </p:transition>
+    </mc:Fallback>
+  </mc:AlternateContent>
+</p:sld>
+</file>
+
+<file path=ppt/slides/slide27.xml><?xml version="1.0" encoding="utf-8"?>
+<p:sld xmlns:a="http://schemas.openxmlformats.org/drawingml/2006/main" xmlns:r="http://schemas.openxmlformats.org/officeDocument/2006/relationships" xmlns:p="http://schemas.openxmlformats.org/presentationml/2006/main">
+  <p:cSld>
+    <p:spTree>
+      <p:nvGrpSpPr>
+        <p:cNvPr id="1" name=""/>
+        <p:cNvGrpSpPr/>
+        <p:nvPr/>
+      </p:nvGrpSpPr>
+      <p:grpSpPr>
+        <a:xfrm>
+          <a:off x="0" y="0"/>
+          <a:ext cx="0" cy="0"/>
+          <a:chOff x="0" y="0"/>
+          <a:chExt cx="0" cy="0"/>
+        </a:xfrm>
+      </p:grpSpPr>
+      <p:sp>
+        <p:nvSpPr>
+          <p:cNvPr id="2" name="Title 1">
+            <a:extLst>
+              <a:ext uri="{FF2B5EF4-FFF2-40B4-BE49-F238E27FC236}">
+                <a16:creationId xmlns:a16="http://schemas.microsoft.com/office/drawing/2014/main" id="{9E380BBB-113A-6016-856D-94A9AB704510}"/>
+              </a:ext>
+            </a:extLst>
+          </p:cNvPr>
+          <p:cNvSpPr>
+            <a:spLocks noGrp="1"/>
+          </p:cNvSpPr>
+          <p:nvPr>
+            <p:ph type="title"/>
+          </p:nvPr>
+        </p:nvSpPr>
+        <p:spPr/>
+        <p:txBody>
+          <a:bodyPr/>
+          <a:lstStyle/>
+          <a:p>
+            <a:endParaRPr lang="en-DE" dirty="0"/>
+          </a:p>
+        </p:txBody>
+      </p:sp>
+      <p:pic>
+        <p:nvPicPr>
+          <p:cNvPr id="7" name="Content Placeholder 6">
+            <a:extLst>
+              <a:ext uri="{FF2B5EF4-FFF2-40B4-BE49-F238E27FC236}">
+                <a16:creationId xmlns:a16="http://schemas.microsoft.com/office/drawing/2014/main" id="{5D02349E-7939-B45C-D1AF-551032693E54}"/>
+              </a:ext>
+            </a:extLst>
+          </p:cNvPr>
+          <p:cNvPicPr>
+            <a:picLocks noGrp="1" noChangeAspect="1"/>
+          </p:cNvPicPr>
+          <p:nvPr>
+            <p:ph idx="1"/>
+          </p:nvPr>
+        </p:nvPicPr>
+        <p:blipFill>
+          <a:blip r:embed="rId2"/>
+          <a:stretch>
+            <a:fillRect/>
+          </a:stretch>
+        </p:blipFill>
+        <p:spPr>
+          <a:xfrm>
+            <a:off x="342701" y="274639"/>
+            <a:ext cx="4157291" cy="5961830"/>
+          </a:xfrm>
+        </p:spPr>
+      </p:pic>
+      <p:sp>
+        <p:nvSpPr>
+          <p:cNvPr id="4" name="Footer Placeholder 3">
+            <a:extLst>
+              <a:ext uri="{FF2B5EF4-FFF2-40B4-BE49-F238E27FC236}">
+                <a16:creationId xmlns:a16="http://schemas.microsoft.com/office/drawing/2014/main" id="{52890707-CA7E-3FDF-2FA4-FF79C75863ED}"/>
+              </a:ext>
+            </a:extLst>
+          </p:cNvPr>
+          <p:cNvSpPr>
+            <a:spLocks noGrp="1"/>
+          </p:cNvSpPr>
+          <p:nvPr>
+            <p:ph type="ftr" sz="quarter" idx="11"/>
+          </p:nvPr>
+        </p:nvSpPr>
+        <p:spPr/>
+        <p:txBody>
+          <a:bodyPr/>
+          <a:lstStyle/>
+          <a:p>
+            <a:r>
+              <a:rPr lang="en-US"/>
+              <a:t>Attention in mixed-type Clustering</a:t>
+            </a:r>
+            <a:endParaRPr lang="en-US" dirty="0"/>
+          </a:p>
+        </p:txBody>
+      </p:sp>
+      <p:sp>
+        <p:nvSpPr>
+          <p:cNvPr id="5" name="Slide Number Placeholder 4">
+            <a:extLst>
+              <a:ext uri="{FF2B5EF4-FFF2-40B4-BE49-F238E27FC236}">
+                <a16:creationId xmlns:a16="http://schemas.microsoft.com/office/drawing/2014/main" id="{CAFF5930-94E8-FDA0-9B34-41E387F9AF28}"/>
+              </a:ext>
+            </a:extLst>
+          </p:cNvPr>
+          <p:cNvSpPr>
+            <a:spLocks noGrp="1"/>
+          </p:cNvSpPr>
+          <p:nvPr>
+            <p:ph type="sldNum" sz="quarter" idx="12"/>
+          </p:nvPr>
+        </p:nvSpPr>
+        <p:spPr/>
+        <p:txBody>
+          <a:bodyPr/>
+          <a:lstStyle/>
+          <a:p>
+            <a:fld id="{C28CD5F5-F489-4697-8849-AC1E2110C5BD}" type="slidenum">
+              <a:rPr lang="en-US" smtClean="0"/>
+              <a:t>27</a:t>
+            </a:fld>
+            <a:endParaRPr lang="en-US"/>
+          </a:p>
+        </p:txBody>
+      </p:sp>
+      <p:pic>
+        <p:nvPicPr>
+          <p:cNvPr id="9" name="Picture 8">
+            <a:extLst>
+              <a:ext uri="{FF2B5EF4-FFF2-40B4-BE49-F238E27FC236}">
+                <a16:creationId xmlns:a16="http://schemas.microsoft.com/office/drawing/2014/main" id="{F41272DC-A4A1-6DEC-7B5A-9556FD96FA4D}"/>
+              </a:ext>
+            </a:extLst>
+          </p:cNvPr>
+          <p:cNvPicPr>
+            <a:picLocks noChangeAspect="1"/>
+          </p:cNvPicPr>
+          <p:nvPr/>
+        </p:nvPicPr>
+        <p:blipFill>
+          <a:blip r:embed="rId3"/>
+          <a:stretch>
+            <a:fillRect/>
+          </a:stretch>
+        </p:blipFill>
+        <p:spPr>
+          <a:xfrm>
+            <a:off x="4759822" y="253531"/>
+            <a:ext cx="4072309" cy="6004045"/>
+          </a:xfrm>
+          <a:prstGeom prst="rect">
+            <a:avLst/>
+          </a:prstGeom>
+        </p:spPr>
+      </p:pic>
+    </p:spTree>
+    <p:extLst>
+      <p:ext uri="{BB962C8B-B14F-4D97-AF65-F5344CB8AC3E}">
+        <p14:creationId xmlns:p14="http://schemas.microsoft.com/office/powerpoint/2010/main" val="2257364659"/>
+      </p:ext>
+    </p:extLst>
+  </p:cSld>
+  <p:clrMapOvr>
+    <a:masterClrMapping/>
+  </p:clrMapOvr>
+  <mc:AlternateContent xmlns:mc="http://schemas.openxmlformats.org/markup-compatibility/2006" xmlns:p14="http://schemas.microsoft.com/office/powerpoint/2010/main">
+    <mc:Choice Requires="p14">
+      <p:transition spd="med" p14:dur="700">
+        <p:fade/>
+      </p:transition>
+    </mc:Choice>
+    <mc:Fallback xmlns="">
+      <p:transition spd="med">
+        <p:fade/>
+      </p:transition>
+    </mc:Fallback>
+  </mc:AlternateContent>
+</p:sld>
+</file>
+
+<file path=ppt/slides/slide28.xml><?xml version="1.0" encoding="utf-8"?>
+<p:sld xmlns:a="http://schemas.openxmlformats.org/drawingml/2006/main" xmlns:r="http://schemas.openxmlformats.org/officeDocument/2006/relationships" xmlns:p="http://schemas.openxmlformats.org/presentationml/2006/main">
+  <p:cSld>
+    <p:spTree>
+      <p:nvGrpSpPr>
+        <p:cNvPr id="1" name=""/>
+        <p:cNvGrpSpPr/>
+        <p:nvPr/>
+      </p:nvGrpSpPr>
+      <p:grpSpPr>
+        <a:xfrm>
+          <a:off x="0" y="0"/>
+          <a:ext cx="0" cy="0"/>
+          <a:chOff x="0" y="0"/>
+          <a:chExt cx="0" cy="0"/>
+        </a:xfrm>
+      </p:grpSpPr>
+      <p:sp>
+        <p:nvSpPr>
+          <p:cNvPr id="2" name="Title 1">
+            <a:extLst>
+              <a:ext uri="{FF2B5EF4-FFF2-40B4-BE49-F238E27FC236}">
+                <a16:creationId xmlns:a16="http://schemas.microsoft.com/office/drawing/2014/main" id="{A950F404-26C7-4808-6791-67BBB6F27193}"/>
+              </a:ext>
+            </a:extLst>
+          </p:cNvPr>
+          <p:cNvSpPr>
+            <a:spLocks noGrp="1"/>
+          </p:cNvSpPr>
+          <p:nvPr>
+            <p:ph type="title"/>
+          </p:nvPr>
+        </p:nvSpPr>
+        <p:spPr/>
+        <p:txBody>
+          <a:bodyPr/>
+          <a:lstStyle/>
+          <a:p>
+            <a:endParaRPr lang="en-DE"/>
+          </a:p>
+        </p:txBody>
+      </p:sp>
+      <p:pic>
+        <p:nvPicPr>
+          <p:cNvPr id="7" name="Content Placeholder 6">
+            <a:extLst>
+              <a:ext uri="{FF2B5EF4-FFF2-40B4-BE49-F238E27FC236}">
+                <a16:creationId xmlns:a16="http://schemas.microsoft.com/office/drawing/2014/main" id="{2EE84E3A-227D-5717-899C-508B4AC04403}"/>
+              </a:ext>
+            </a:extLst>
+          </p:cNvPr>
+          <p:cNvPicPr>
+            <a:picLocks noGrp="1" noChangeAspect="1"/>
+          </p:cNvPicPr>
+          <p:nvPr>
+            <p:ph idx="1"/>
+          </p:nvPr>
+        </p:nvPicPr>
+        <p:blipFill>
+          <a:blip r:embed="rId2"/>
+          <a:stretch>
+            <a:fillRect/>
+          </a:stretch>
+        </p:blipFill>
+        <p:spPr>
+          <a:xfrm>
+            <a:off x="426352" y="274639"/>
+            <a:ext cx="4646471" cy="3802433"/>
+          </a:xfrm>
+        </p:spPr>
+      </p:pic>
+      <p:sp>
+        <p:nvSpPr>
+          <p:cNvPr id="4" name="Footer Placeholder 3">
+            <a:extLst>
+              <a:ext uri="{FF2B5EF4-FFF2-40B4-BE49-F238E27FC236}">
+                <a16:creationId xmlns:a16="http://schemas.microsoft.com/office/drawing/2014/main" id="{8C9169D8-B32B-75C3-F631-041CA49AD416}"/>
+              </a:ext>
+            </a:extLst>
+          </p:cNvPr>
+          <p:cNvSpPr>
+            <a:spLocks noGrp="1"/>
+          </p:cNvSpPr>
+          <p:nvPr>
+            <p:ph type="ftr" sz="quarter" idx="11"/>
+          </p:nvPr>
+        </p:nvSpPr>
+        <p:spPr/>
+        <p:txBody>
+          <a:bodyPr/>
+          <a:lstStyle/>
+          <a:p>
+            <a:r>
+              <a:rPr lang="en-US"/>
+              <a:t>Attention in mixed-type Clustering</a:t>
+            </a:r>
+            <a:endParaRPr lang="en-US" dirty="0"/>
+          </a:p>
+        </p:txBody>
+      </p:sp>
+      <p:sp>
+        <p:nvSpPr>
+          <p:cNvPr id="5" name="Slide Number Placeholder 4">
+            <a:extLst>
+              <a:ext uri="{FF2B5EF4-FFF2-40B4-BE49-F238E27FC236}">
+                <a16:creationId xmlns:a16="http://schemas.microsoft.com/office/drawing/2014/main" id="{86B093F6-BFAA-C9E9-2607-B56D925635CC}"/>
+              </a:ext>
+            </a:extLst>
+          </p:cNvPr>
+          <p:cNvSpPr>
+            <a:spLocks noGrp="1"/>
+          </p:cNvSpPr>
+          <p:nvPr>
+            <p:ph type="sldNum" sz="quarter" idx="12"/>
+          </p:nvPr>
+        </p:nvSpPr>
+        <p:spPr/>
+        <p:txBody>
+          <a:bodyPr/>
+          <a:lstStyle/>
+          <a:p>
+            <a:fld id="{C28CD5F5-F489-4697-8849-AC1E2110C5BD}" type="slidenum">
+              <a:rPr lang="en-US" smtClean="0"/>
+              <a:t>28</a:t>
+            </a:fld>
+            <a:endParaRPr lang="en-US"/>
+          </a:p>
+        </p:txBody>
+      </p:sp>
+    </p:spTree>
+    <p:extLst>
+      <p:ext uri="{BB962C8B-B14F-4D97-AF65-F5344CB8AC3E}">
+        <p14:creationId xmlns:p14="http://schemas.microsoft.com/office/powerpoint/2010/main" val="2799716273"/>
       </p:ext>
     </p:extLst>
   </p:cSld>
@@ -7293,7 +7724,7 @@
           <p:cNvPr id="2" name="Title 1">
             <a:extLst>
               <a:ext uri="{FF2B5EF4-FFF2-40B4-BE49-F238E27FC236}">
-                <a16:creationId xmlns:a16="http://schemas.microsoft.com/office/drawing/2014/main" id="{65C9645A-18F8-F721-A19B-996CD4C2F799}"/>
+                <a16:creationId xmlns:a16="http://schemas.microsoft.com/office/drawing/2014/main" id="{AD90549B-9118-027B-FB60-D61BD21EFDF5}"/>
               </a:ext>
             </a:extLst>
           </p:cNvPr>
@@ -7304,12 +7735,7 @@
             <p:ph type="title"/>
           </p:nvPr>
         </p:nvSpPr>
-        <p:spPr>
-          <a:xfrm>
-            <a:off x="457200" y="274638"/>
-            <a:ext cx="8229600" cy="994122"/>
-          </a:xfrm>
-        </p:spPr>
+        <p:spPr/>
         <p:txBody>
           <a:bodyPr>
             <a:normAutofit fontScale="90000"/>
@@ -7329,7 +7755,7 @@
           <p:cNvPr id="3" name="Content Placeholder 2">
             <a:extLst>
               <a:ext uri="{FF2B5EF4-FFF2-40B4-BE49-F238E27FC236}">
-                <a16:creationId xmlns:a16="http://schemas.microsoft.com/office/drawing/2014/main" id="{492AE349-75FC-5EED-2127-58E9FBD27439}"/>
+                <a16:creationId xmlns:a16="http://schemas.microsoft.com/office/drawing/2014/main" id="{0442CBD7-8547-4ADE-BA4E-61754F054F64}"/>
               </a:ext>
             </a:extLst>
           </p:cNvPr>
@@ -7340,17 +7766,28 @@
             <p:ph idx="1"/>
           </p:nvPr>
         </p:nvSpPr>
-        <p:spPr>
-          <a:xfrm>
-            <a:off x="457200" y="1700808"/>
-            <a:ext cx="8229600" cy="4425354"/>
-          </a:xfrm>
-        </p:spPr>
-        <p:txBody>
-          <a:bodyPr>
-            <a:normAutofit fontScale="92500" lnSpcReduction="10000"/>
-          </a:bodyPr>
-          <a:lstStyle/>
+        <p:spPr/>
+        <p:txBody>
+          <a:bodyPr/>
+          <a:lstStyle/>
+          <a:p>
+            <a:r>
+              <a:rPr lang="en-US" dirty="0"/>
+              <a:t>Traditional clustering methods handle numerical, continuous data</a:t>
+            </a:r>
+          </a:p>
+          <a:p>
+            <a:r>
+              <a:rPr lang="en-US" dirty="0"/>
+              <a:t>Hard to measure similarity between classes in categorical features (e.g., blue </a:t>
+            </a:r>
+            <a:r>
+              <a:rPr lang="en-US" dirty="0">
+                <a:sym typeface="Wingdings" panose="05000000000000000000" pitchFamily="2" charset="2"/>
+              </a:rPr>
+              <a:t> green)</a:t>
+            </a:r>
+          </a:p>
           <a:p>
             <a:r>
               <a:rPr lang="en-US" dirty="0"/>
@@ -7358,56 +7795,15 @@
             </a:r>
           </a:p>
           <a:p>
-            <a:r>
-              <a:rPr lang="en-US" dirty="0"/>
-              <a:t>Types of data… </a:t>
-            </a:r>
-          </a:p>
-          <a:p>
-            <a:r>
-              <a:rPr lang="en-US" dirty="0"/>
-              <a:t>Why categorical data is difficult</a:t>
-            </a:r>
-          </a:p>
-          <a:p>
-            <a:r>
-              <a:rPr lang="en-US" dirty="0"/>
-              <a:t>One-hot encoding</a:t>
-            </a:r>
-          </a:p>
-          <a:p>
             <a:pPr lvl="1"/>
-            <a:r>
-              <a:rPr lang="en-US" dirty="0"/>
-              <a:t>Curse of dimensionality</a:t>
-            </a:r>
-          </a:p>
-          <a:p>
-            <a:pPr lvl="1"/>
-            <a:r>
-              <a:rPr lang="en-US" dirty="0"/>
-              <a:t>Poor characteristics of binary features</a:t>
-            </a:r>
-          </a:p>
-          <a:p>
-            <a:r>
-              <a:rPr lang="en-US" dirty="0"/>
-              <a:t>Goal: Learn encoding through neural network</a:t>
-            </a:r>
-          </a:p>
-          <a:p>
-            <a:r>
-              <a:rPr lang="en-US" dirty="0"/>
-              <a:t>Use dense representation in combination with clustering algorithm</a:t>
-            </a:r>
-          </a:p>
-          <a:p>
-            <a:pPr marL="0" indent="0">
-              <a:buNone/>
-            </a:pPr>
             <a:endParaRPr lang="en-US" dirty="0"/>
           </a:p>
           <a:p>
+            <a:endParaRPr lang="en-US" dirty="0">
+              <a:sym typeface="Wingdings" panose="05000000000000000000" pitchFamily="2" charset="2"/>
+            </a:endParaRPr>
+          </a:p>
+          <a:p>
             <a:endParaRPr lang="en-US" dirty="0"/>
           </a:p>
         </p:txBody>
@@ -7417,7 +7813,7 @@
           <p:cNvPr id="4" name="Footer Placeholder 3">
             <a:extLst>
               <a:ext uri="{FF2B5EF4-FFF2-40B4-BE49-F238E27FC236}">
-                <a16:creationId xmlns:a16="http://schemas.microsoft.com/office/drawing/2014/main" id="{E4F5F251-56BB-086C-7DD1-5BD7375E27BC}"/>
+                <a16:creationId xmlns:a16="http://schemas.microsoft.com/office/drawing/2014/main" id="{20A60C6F-E3B0-A1AE-FBCA-2E4A605259EB}"/>
               </a:ext>
             </a:extLst>
           </p:cNvPr>
@@ -7428,21 +7824,15 @@
             <p:ph type="ftr" sz="quarter" idx="11"/>
           </p:nvPr>
         </p:nvSpPr>
-        <p:spPr>
-          <a:xfrm>
-            <a:off x="467544" y="6356351"/>
-            <a:ext cx="6624736" cy="365125"/>
-          </a:xfrm>
-        </p:spPr>
-        <p:txBody>
-          <a:bodyPr/>
-          <a:lstStyle/>
-          <a:p>
-            <a:r>
-              <a:rPr lang="en-US"/>
+        <p:spPr/>
+        <p:txBody>
+          <a:bodyPr/>
+          <a:lstStyle/>
+          <a:p>
+            <a:r>
+              <a:rPr lang="en-US" dirty="0"/>
               <a:t>Attention in mixed-type Clustering</a:t>
             </a:r>
-            <a:endParaRPr lang="en-US" dirty="0"/>
           </a:p>
         </p:txBody>
       </p:sp>
@@ -7451,7 +7841,7 @@
           <p:cNvPr id="5" name="Slide Number Placeholder 4">
             <a:extLst>
               <a:ext uri="{FF2B5EF4-FFF2-40B4-BE49-F238E27FC236}">
-                <a16:creationId xmlns:a16="http://schemas.microsoft.com/office/drawing/2014/main" id="{3065411A-7067-61B1-36F6-6F499DBA09AB}"/>
+                <a16:creationId xmlns:a16="http://schemas.microsoft.com/office/drawing/2014/main" id="{8318CE1D-7158-80F4-5D63-FAAB60FDA9C9}"/>
               </a:ext>
             </a:extLst>
           </p:cNvPr>
@@ -7462,19 +7852,13 @@
             <p:ph type="sldNum" sz="quarter" idx="12"/>
           </p:nvPr>
         </p:nvSpPr>
-        <p:spPr>
-          <a:xfrm>
-            <a:off x="7236296" y="6356351"/>
-            <a:ext cx="1450504" cy="365125"/>
-          </a:xfrm>
-        </p:spPr>
+        <p:spPr/>
         <p:txBody>
           <a:bodyPr/>
           <a:lstStyle/>
           <a:p>
             <a:fld id="{C28CD5F5-F489-4697-8849-AC1E2110C5BD}" type="slidenum">
               <a:rPr lang="en-US" smtClean="0"/>
-              <a:pPr/>
               <a:t>3</a:t>
             </a:fld>
             <a:endParaRPr lang="en-US"/>
@@ -7484,7 +7868,7 @@
     </p:spTree>
     <p:extLst>
       <p:ext uri="{BB962C8B-B14F-4D97-AF65-F5344CB8AC3E}">
-        <p14:creationId xmlns:p14="http://schemas.microsoft.com/office/powerpoint/2010/main" val="3805365817"/>
+        <p14:creationId xmlns:p14="http://schemas.microsoft.com/office/powerpoint/2010/main" val="3111629981"/>
       </p:ext>
     </p:extLst>
   </p:cSld>
@@ -7525,13 +7909,7 @@
       </p:grpSpPr>
       <p:sp>
         <p:nvSpPr>
-          <p:cNvPr id="2" name="Title 1">
-            <a:extLst>
-              <a:ext uri="{FF2B5EF4-FFF2-40B4-BE49-F238E27FC236}">
-                <a16:creationId xmlns:a16="http://schemas.microsoft.com/office/drawing/2014/main" id="{0BEF7C91-704B-42FF-4D1D-ADC68B81D5AD}"/>
-              </a:ext>
-            </a:extLst>
-          </p:cNvPr>
+          <p:cNvPr id="2" name="Title 1"/>
           <p:cNvSpPr>
             <a:spLocks noGrp="1"/>
           </p:cNvSpPr>
@@ -7544,19 +7922,16 @@
           <a:bodyPr/>
           <a:lstStyle/>
           <a:p>
-            <a:endParaRPr lang="en-DE"/>
-          </a:p>
-        </p:txBody>
-      </p:sp>
-      <p:sp>
-        <p:nvSpPr>
-          <p:cNvPr id="3" name="Content Placeholder 2">
-            <a:extLst>
-              <a:ext uri="{FF2B5EF4-FFF2-40B4-BE49-F238E27FC236}">
-                <a16:creationId xmlns:a16="http://schemas.microsoft.com/office/drawing/2014/main" id="{147BD987-24BC-A448-8603-C4A0FB4A81BA}"/>
-              </a:ext>
-            </a:extLst>
-          </p:cNvPr>
+            <a:r>
+              <a:rPr lang="en-US" dirty="0"/>
+              <a:t>k-means</a:t>
+            </a:r>
+          </a:p>
+        </p:txBody>
+      </p:sp>
+      <p:sp>
+        <p:nvSpPr>
+          <p:cNvPr id="3" name="Content Placeholder 2"/>
           <p:cNvSpPr>
             <a:spLocks noGrp="1"/>
           </p:cNvSpPr>
@@ -7569,19 +7944,48 @@
           <a:bodyPr/>
           <a:lstStyle/>
           <a:p>
-            <a:endParaRPr lang="en-DE"/>
-          </a:p>
-        </p:txBody>
-      </p:sp>
-      <p:sp>
-        <p:nvSpPr>
-          <p:cNvPr id="4" name="Footer Placeholder 3">
-            <a:extLst>
-              <a:ext uri="{FF2B5EF4-FFF2-40B4-BE49-F238E27FC236}">
-                <a16:creationId xmlns:a16="http://schemas.microsoft.com/office/drawing/2014/main" id="{F35862E2-AA7E-CC74-6DB4-850A58D7C36F}"/>
-              </a:ext>
-            </a:extLst>
-          </p:cNvPr>
+            <a:r>
+              <a:rPr lang="en-US" dirty="0"/>
+              <a:t>Common algorithm for numerical data</a:t>
+            </a:r>
+          </a:p>
+          <a:p>
+            <a:r>
+              <a:rPr lang="en-US" dirty="0"/>
+              <a:t>Find optimal centroids that minimize the Euclidean distance to each point</a:t>
+            </a:r>
+          </a:p>
+          <a:p>
+            <a:r>
+              <a:rPr lang="en-US" dirty="0"/>
+              <a:t>Efficient and powerful, but only for continuous, numerical data</a:t>
+            </a:r>
+          </a:p>
+          <a:p>
+            <a:r>
+              <a:rPr lang="en-US" dirty="0"/>
+              <a:t>One-hot encoding for categorical features?</a:t>
+            </a:r>
+          </a:p>
+          <a:p>
+            <a:pPr lvl="1"/>
+            <a:r>
+              <a:rPr lang="en-US" dirty="0"/>
+              <a:t>Curse of dimensionality</a:t>
+            </a:r>
+          </a:p>
+          <a:p>
+            <a:pPr lvl="1"/>
+            <a:r>
+              <a:rPr lang="en-US" dirty="0"/>
+              <a:t>Poor characteristics of binary features</a:t>
+            </a:r>
+          </a:p>
+        </p:txBody>
+      </p:sp>
+      <p:sp>
+        <p:nvSpPr>
+          <p:cNvPr id="4" name="Footer Placeholder 3"/>
           <p:cNvSpPr>
             <a:spLocks noGrp="1"/>
           </p:cNvSpPr>
@@ -7595,22 +7999,15 @@
           <a:lstStyle/>
           <a:p>
             <a:r>
-              <a:rPr lang="en-US"/>
+              <a:rPr lang="en-US" dirty="0"/>
               <a:t>Attention in mixed-type Clustering</a:t>
             </a:r>
-            <a:endParaRPr lang="en-US" dirty="0"/>
-          </a:p>
-        </p:txBody>
-      </p:sp>
-      <p:sp>
-        <p:nvSpPr>
-          <p:cNvPr id="5" name="Slide Number Placeholder 4">
-            <a:extLst>
-              <a:ext uri="{FF2B5EF4-FFF2-40B4-BE49-F238E27FC236}">
-                <a16:creationId xmlns:a16="http://schemas.microsoft.com/office/drawing/2014/main" id="{4C7B27CE-8819-CFDB-AA1C-092A7B2EA9B1}"/>
-              </a:ext>
-            </a:extLst>
-          </p:cNvPr>
+          </a:p>
+        </p:txBody>
+      </p:sp>
+      <p:sp>
+        <p:nvSpPr>
+          <p:cNvPr id="5" name="Slide Number Placeholder 4"/>
           <p:cNvSpPr>
             <a:spLocks noGrp="1"/>
           </p:cNvSpPr>
@@ -7634,7 +8031,7 @@
     </p:spTree>
     <p:extLst>
       <p:ext uri="{BB962C8B-B14F-4D97-AF65-F5344CB8AC3E}">
-        <p14:creationId xmlns:p14="http://schemas.microsoft.com/office/powerpoint/2010/main" val="165937854"/>
+        <p14:creationId xmlns:p14="http://schemas.microsoft.com/office/powerpoint/2010/main" val="857397500"/>
       </p:ext>
     </p:extLst>
   </p:cSld>
@@ -7675,7 +8072,13 @@
       </p:grpSpPr>
       <p:sp>
         <p:nvSpPr>
-          <p:cNvPr id="2" name="Title 1"/>
+          <p:cNvPr id="2" name="Title 1">
+            <a:extLst>
+              <a:ext uri="{FF2B5EF4-FFF2-40B4-BE49-F238E27FC236}">
+                <a16:creationId xmlns:a16="http://schemas.microsoft.com/office/drawing/2014/main" id="{5BBC0050-9BD8-A873-E0B3-21C70C5BF3A4}"/>
+              </a:ext>
+            </a:extLst>
+          </p:cNvPr>
           <p:cNvSpPr>
             <a:spLocks noGrp="1"/>
           </p:cNvSpPr>
@@ -7690,14 +8093,21 @@
           <a:p>
             <a:r>
               <a:rPr lang="en-US" dirty="0"/>
-              <a:t>k-means</a:t>
-            </a:r>
-          </a:p>
-        </p:txBody>
-      </p:sp>
-      <p:sp>
-        <p:nvSpPr>
-          <p:cNvPr id="3" name="Content Placeholder 2"/>
+              <a:t>k-modes/k-prototypes</a:t>
+            </a:r>
+            <a:endParaRPr lang="en-DE" dirty="0"/>
+          </a:p>
+        </p:txBody>
+      </p:sp>
+      <p:sp>
+        <p:nvSpPr>
+          <p:cNvPr id="3" name="Content Placeholder 2">
+            <a:extLst>
+              <a:ext uri="{FF2B5EF4-FFF2-40B4-BE49-F238E27FC236}">
+                <a16:creationId xmlns:a16="http://schemas.microsoft.com/office/drawing/2014/main" id="{877BCFFE-E2AC-59F5-CE21-606091EC11A0}"/>
+              </a:ext>
+            </a:extLst>
+          </p:cNvPr>
           <p:cNvSpPr>
             <a:spLocks noGrp="1"/>
           </p:cNvSpPr>
@@ -7712,32 +8122,38 @@
           <a:p>
             <a:r>
               <a:rPr lang="en-US" dirty="0"/>
-              <a:t>Common algorithm for numerical data</a:t>
-            </a:r>
-          </a:p>
-          <a:p>
-            <a:r>
-              <a:rPr lang="en-US" dirty="0"/>
-              <a:t>Find optimal centroids that minimize the Euclidean distance to each point</a:t>
-            </a:r>
-          </a:p>
-          <a:p>
-            <a:r>
-              <a:rPr lang="en-US" dirty="0"/>
-              <a:t>Efficient and powerful, but only for continuous, numerical data</a:t>
-            </a:r>
-          </a:p>
-          <a:p>
-            <a:r>
-              <a:rPr lang="en-US" dirty="0"/>
-              <a:t>k-means + One-Hot Encoding…</a:t>
-            </a:r>
-          </a:p>
-        </p:txBody>
-      </p:sp>
-      <p:sp>
-        <p:nvSpPr>
-          <p:cNvPr id="4" name="Footer Placeholder 3"/>
+              <a:t>Use the Kronecker-Delta as dissimilarity measure for categorical features:</a:t>
+            </a:r>
+          </a:p>
+          <a:p>
+            <a:endParaRPr lang="en-US" dirty="0"/>
+          </a:p>
+          <a:p>
+            <a:endParaRPr lang="en-US" dirty="0"/>
+          </a:p>
+          <a:p>
+            <a:r>
+              <a:rPr lang="en-US" dirty="0"/>
+              <a:t>k-modes for continuous features + k-means for categorical features =&gt; k-prototypes</a:t>
+            </a:r>
+          </a:p>
+          <a:p>
+            <a:r>
+              <a:rPr lang="en-US" dirty="0"/>
+              <a:t>k-modes is slow and does not perform well </a:t>
+            </a:r>
+          </a:p>
+        </p:txBody>
+      </p:sp>
+      <p:sp>
+        <p:nvSpPr>
+          <p:cNvPr id="4" name="Footer Placeholder 3">
+            <a:extLst>
+              <a:ext uri="{FF2B5EF4-FFF2-40B4-BE49-F238E27FC236}">
+                <a16:creationId xmlns:a16="http://schemas.microsoft.com/office/drawing/2014/main" id="{63F05F71-0023-A807-7ED3-CB13C1AACF9E}"/>
+              </a:ext>
+            </a:extLst>
+          </p:cNvPr>
           <p:cNvSpPr>
             <a:spLocks noGrp="1"/>
           </p:cNvSpPr>
@@ -7751,15 +8167,22 @@
           <a:lstStyle/>
           <a:p>
             <a:r>
-              <a:rPr lang="en-US" dirty="0"/>
+              <a:rPr lang="en-US"/>
               <a:t>Attention in mixed-type Clustering</a:t>
             </a:r>
-          </a:p>
-        </p:txBody>
-      </p:sp>
-      <p:sp>
-        <p:nvSpPr>
-          <p:cNvPr id="5" name="Slide Number Placeholder 4"/>
+            <a:endParaRPr lang="en-US" dirty="0"/>
+          </a:p>
+        </p:txBody>
+      </p:sp>
+      <p:sp>
+        <p:nvSpPr>
+          <p:cNvPr id="5" name="Slide Number Placeholder 4">
+            <a:extLst>
+              <a:ext uri="{FF2B5EF4-FFF2-40B4-BE49-F238E27FC236}">
+                <a16:creationId xmlns:a16="http://schemas.microsoft.com/office/drawing/2014/main" id="{F71BFB3C-0E6F-CFBC-EE1F-F48A02256492}"/>
+              </a:ext>
+            </a:extLst>
+          </p:cNvPr>
           <p:cNvSpPr>
             <a:spLocks noGrp="1"/>
           </p:cNvSpPr>
@@ -7775,181 +8198,6 @@
             <a:fld id="{C28CD5F5-F489-4697-8849-AC1E2110C5BD}" type="slidenum">
               <a:rPr lang="en-US" smtClean="0"/>
               <a:t>5</a:t>
-            </a:fld>
-            <a:endParaRPr lang="en-US"/>
-          </a:p>
-        </p:txBody>
-      </p:sp>
-    </p:spTree>
-    <p:extLst>
-      <p:ext uri="{BB962C8B-B14F-4D97-AF65-F5344CB8AC3E}">
-        <p14:creationId xmlns:p14="http://schemas.microsoft.com/office/powerpoint/2010/main" val="857397500"/>
-      </p:ext>
-    </p:extLst>
-  </p:cSld>
-  <p:clrMapOvr>
-    <a:masterClrMapping/>
-  </p:clrMapOvr>
-  <mc:AlternateContent xmlns:mc="http://schemas.openxmlformats.org/markup-compatibility/2006" xmlns:p14="http://schemas.microsoft.com/office/powerpoint/2010/main">
-    <mc:Choice Requires="p14">
-      <p:transition spd="med" p14:dur="700">
-        <p:fade/>
-      </p:transition>
-    </mc:Choice>
-    <mc:Fallback xmlns="">
-      <p:transition spd="med">
-        <p:fade/>
-      </p:transition>
-    </mc:Fallback>
-  </mc:AlternateContent>
-</p:sld>
-</file>
-
-<file path=ppt/slides/slide6.xml><?xml version="1.0" encoding="utf-8"?>
-<p:sld xmlns:a="http://schemas.openxmlformats.org/drawingml/2006/main" xmlns:r="http://schemas.openxmlformats.org/officeDocument/2006/relationships" xmlns:p="http://schemas.openxmlformats.org/presentationml/2006/main">
-  <p:cSld>
-    <p:spTree>
-      <p:nvGrpSpPr>
-        <p:cNvPr id="1" name=""/>
-        <p:cNvGrpSpPr/>
-        <p:nvPr/>
-      </p:nvGrpSpPr>
-      <p:grpSpPr>
-        <a:xfrm>
-          <a:off x="0" y="0"/>
-          <a:ext cx="0" cy="0"/>
-          <a:chOff x="0" y="0"/>
-          <a:chExt cx="0" cy="0"/>
-        </a:xfrm>
-      </p:grpSpPr>
-      <p:sp>
-        <p:nvSpPr>
-          <p:cNvPr id="2" name="Title 1">
-            <a:extLst>
-              <a:ext uri="{FF2B5EF4-FFF2-40B4-BE49-F238E27FC236}">
-                <a16:creationId xmlns:a16="http://schemas.microsoft.com/office/drawing/2014/main" id="{5BBC0050-9BD8-A873-E0B3-21C70C5BF3A4}"/>
-              </a:ext>
-            </a:extLst>
-          </p:cNvPr>
-          <p:cNvSpPr>
-            <a:spLocks noGrp="1"/>
-          </p:cNvSpPr>
-          <p:nvPr>
-            <p:ph type="title"/>
-          </p:nvPr>
-        </p:nvSpPr>
-        <p:spPr/>
-        <p:txBody>
-          <a:bodyPr/>
-          <a:lstStyle/>
-          <a:p>
-            <a:r>
-              <a:rPr lang="en-US" dirty="0"/>
-              <a:t>k-modes/k-prototypes</a:t>
-            </a:r>
-            <a:endParaRPr lang="en-DE" dirty="0"/>
-          </a:p>
-        </p:txBody>
-      </p:sp>
-      <p:sp>
-        <p:nvSpPr>
-          <p:cNvPr id="3" name="Content Placeholder 2">
-            <a:extLst>
-              <a:ext uri="{FF2B5EF4-FFF2-40B4-BE49-F238E27FC236}">
-                <a16:creationId xmlns:a16="http://schemas.microsoft.com/office/drawing/2014/main" id="{877BCFFE-E2AC-59F5-CE21-606091EC11A0}"/>
-              </a:ext>
-            </a:extLst>
-          </p:cNvPr>
-          <p:cNvSpPr>
-            <a:spLocks noGrp="1"/>
-          </p:cNvSpPr>
-          <p:nvPr>
-            <p:ph idx="1"/>
-          </p:nvPr>
-        </p:nvSpPr>
-        <p:spPr/>
-        <p:txBody>
-          <a:bodyPr/>
-          <a:lstStyle/>
-          <a:p>
-            <a:r>
-              <a:rPr lang="en-US" dirty="0"/>
-              <a:t>Use the Kronecker-Delta as dissimilarity measure for categorical features:</a:t>
-            </a:r>
-          </a:p>
-          <a:p>
-            <a:endParaRPr lang="en-US" dirty="0"/>
-          </a:p>
-          <a:p>
-            <a:endParaRPr lang="en-US" dirty="0"/>
-          </a:p>
-          <a:p>
-            <a:r>
-              <a:rPr lang="en-US" dirty="0"/>
-              <a:t>k-modes for continuous features + k-means for categorical features =&gt; k-prototypes</a:t>
-            </a:r>
-          </a:p>
-          <a:p>
-            <a:r>
-              <a:rPr lang="en-US" dirty="0"/>
-              <a:t>k-modes is slow and does not perform well </a:t>
-            </a:r>
-          </a:p>
-        </p:txBody>
-      </p:sp>
-      <p:sp>
-        <p:nvSpPr>
-          <p:cNvPr id="4" name="Footer Placeholder 3">
-            <a:extLst>
-              <a:ext uri="{FF2B5EF4-FFF2-40B4-BE49-F238E27FC236}">
-                <a16:creationId xmlns:a16="http://schemas.microsoft.com/office/drawing/2014/main" id="{63F05F71-0023-A807-7ED3-CB13C1AACF9E}"/>
-              </a:ext>
-            </a:extLst>
-          </p:cNvPr>
-          <p:cNvSpPr>
-            <a:spLocks noGrp="1"/>
-          </p:cNvSpPr>
-          <p:nvPr>
-            <p:ph type="ftr" sz="quarter" idx="11"/>
-          </p:nvPr>
-        </p:nvSpPr>
-        <p:spPr/>
-        <p:txBody>
-          <a:bodyPr/>
-          <a:lstStyle/>
-          <a:p>
-            <a:r>
-              <a:rPr lang="en-US"/>
-              <a:t>Attention in mixed-type Clustering</a:t>
-            </a:r>
-            <a:endParaRPr lang="en-US" dirty="0"/>
-          </a:p>
-        </p:txBody>
-      </p:sp>
-      <p:sp>
-        <p:nvSpPr>
-          <p:cNvPr id="5" name="Slide Number Placeholder 4">
-            <a:extLst>
-              <a:ext uri="{FF2B5EF4-FFF2-40B4-BE49-F238E27FC236}">
-                <a16:creationId xmlns:a16="http://schemas.microsoft.com/office/drawing/2014/main" id="{F71BFB3C-0E6F-CFBC-EE1F-F48A02256492}"/>
-              </a:ext>
-            </a:extLst>
-          </p:cNvPr>
-          <p:cNvSpPr>
-            <a:spLocks noGrp="1"/>
-          </p:cNvSpPr>
-          <p:nvPr>
-            <p:ph type="sldNum" sz="quarter" idx="12"/>
-          </p:nvPr>
-        </p:nvSpPr>
-        <p:spPr/>
-        <p:txBody>
-          <a:bodyPr/>
-          <a:lstStyle/>
-          <a:p>
-            <a:fld id="{C28CD5F5-F489-4697-8849-AC1E2110C5BD}" type="slidenum">
-              <a:rPr lang="en-US" smtClean="0"/>
-              <a:t>6</a:t>
             </a:fld>
             <a:endParaRPr lang="en-US"/>
           </a:p>
@@ -8010,6 +8258,182 @@
 </p:sld>
 </file>
 
+<file path=ppt/slides/slide6.xml><?xml version="1.0" encoding="utf-8"?>
+<p:sld xmlns:a="http://schemas.openxmlformats.org/drawingml/2006/main" xmlns:r="http://schemas.openxmlformats.org/officeDocument/2006/relationships" xmlns:p="http://schemas.openxmlformats.org/presentationml/2006/main">
+  <p:cSld>
+    <p:spTree>
+      <p:nvGrpSpPr>
+        <p:cNvPr id="1" name=""/>
+        <p:cNvGrpSpPr/>
+        <p:nvPr/>
+      </p:nvGrpSpPr>
+      <p:grpSpPr>
+        <a:xfrm>
+          <a:off x="0" y="0"/>
+          <a:ext cx="0" cy="0"/>
+          <a:chOff x="0" y="0"/>
+          <a:chExt cx="0" cy="0"/>
+        </a:xfrm>
+      </p:grpSpPr>
+      <p:sp>
+        <p:nvSpPr>
+          <p:cNvPr id="2" name="Title 1">
+            <a:extLst>
+              <a:ext uri="{FF2B5EF4-FFF2-40B4-BE49-F238E27FC236}">
+                <a16:creationId xmlns:a16="http://schemas.microsoft.com/office/drawing/2014/main" id="{EDC6B2FF-6CF3-4C7B-5561-CB55E31BFC14}"/>
+              </a:ext>
+            </a:extLst>
+          </p:cNvPr>
+          <p:cNvSpPr>
+            <a:spLocks noGrp="1"/>
+          </p:cNvSpPr>
+          <p:nvPr>
+            <p:ph type="title"/>
+          </p:nvPr>
+        </p:nvSpPr>
+        <p:spPr/>
+        <p:txBody>
+          <a:bodyPr/>
+          <a:lstStyle/>
+          <a:p>
+            <a:r>
+              <a:rPr lang="en-US" dirty="0"/>
+              <a:t>Gower distance</a:t>
+            </a:r>
+            <a:endParaRPr lang="en-DE" dirty="0"/>
+          </a:p>
+        </p:txBody>
+      </p:sp>
+      <p:sp>
+        <p:nvSpPr>
+          <p:cNvPr id="3" name="Content Placeholder 2">
+            <a:extLst>
+              <a:ext uri="{FF2B5EF4-FFF2-40B4-BE49-F238E27FC236}">
+                <a16:creationId xmlns:a16="http://schemas.microsoft.com/office/drawing/2014/main" id="{C45CF829-604E-0C5C-6A23-5BD065D568D2}"/>
+              </a:ext>
+            </a:extLst>
+          </p:cNvPr>
+          <p:cNvSpPr>
+            <a:spLocks noGrp="1"/>
+          </p:cNvSpPr>
+          <p:nvPr>
+            <p:ph idx="1"/>
+          </p:nvPr>
+        </p:nvSpPr>
+        <p:spPr/>
+        <p:txBody>
+          <a:bodyPr/>
+          <a:lstStyle/>
+          <a:p>
+            <a:r>
+              <a:rPr lang="en-US" dirty="0"/>
+              <a:t>Similarity measure for mixed-type data</a:t>
+            </a:r>
+          </a:p>
+          <a:p>
+            <a:r>
+              <a:rPr lang="en-US" dirty="0"/>
+              <a:t>Creates a distance matrix that can be used for Hierarchical Clustering</a:t>
+            </a:r>
+          </a:p>
+          <a:p>
+            <a:r>
+              <a:rPr lang="en-US" dirty="0"/>
+              <a:t>Slow</a:t>
+            </a:r>
+          </a:p>
+          <a:p>
+            <a:r>
+              <a:rPr lang="en-US" dirty="0"/>
+              <a:t>Falsely assigns most instances to one cluster</a:t>
+            </a:r>
+            <a:endParaRPr lang="en-DE" dirty="0"/>
+          </a:p>
+        </p:txBody>
+      </p:sp>
+      <p:sp>
+        <p:nvSpPr>
+          <p:cNvPr id="4" name="Footer Placeholder 3">
+            <a:extLst>
+              <a:ext uri="{FF2B5EF4-FFF2-40B4-BE49-F238E27FC236}">
+                <a16:creationId xmlns:a16="http://schemas.microsoft.com/office/drawing/2014/main" id="{5DA8B52E-5104-E95A-0BB1-3FA0E1C7AFEC}"/>
+              </a:ext>
+            </a:extLst>
+          </p:cNvPr>
+          <p:cNvSpPr>
+            <a:spLocks noGrp="1"/>
+          </p:cNvSpPr>
+          <p:nvPr>
+            <p:ph type="ftr" sz="quarter" idx="11"/>
+          </p:nvPr>
+        </p:nvSpPr>
+        <p:spPr/>
+        <p:txBody>
+          <a:bodyPr/>
+          <a:lstStyle/>
+          <a:p>
+            <a:r>
+              <a:rPr lang="en-US"/>
+              <a:t>Attention in mixed-type Clustering</a:t>
+            </a:r>
+            <a:endParaRPr lang="en-US" dirty="0"/>
+          </a:p>
+        </p:txBody>
+      </p:sp>
+      <p:sp>
+        <p:nvSpPr>
+          <p:cNvPr id="5" name="Slide Number Placeholder 4">
+            <a:extLst>
+              <a:ext uri="{FF2B5EF4-FFF2-40B4-BE49-F238E27FC236}">
+                <a16:creationId xmlns:a16="http://schemas.microsoft.com/office/drawing/2014/main" id="{F01C006D-669B-EA4A-DDA5-88952F5AEED9}"/>
+              </a:ext>
+            </a:extLst>
+          </p:cNvPr>
+          <p:cNvSpPr>
+            <a:spLocks noGrp="1"/>
+          </p:cNvSpPr>
+          <p:nvPr>
+            <p:ph type="sldNum" sz="quarter" idx="12"/>
+          </p:nvPr>
+        </p:nvSpPr>
+        <p:spPr/>
+        <p:txBody>
+          <a:bodyPr/>
+          <a:lstStyle/>
+          <a:p>
+            <a:fld id="{C28CD5F5-F489-4697-8849-AC1E2110C5BD}" type="slidenum">
+              <a:rPr lang="en-US" smtClean="0"/>
+              <a:t>6</a:t>
+            </a:fld>
+            <a:endParaRPr lang="en-US"/>
+          </a:p>
+        </p:txBody>
+      </p:sp>
+    </p:spTree>
+    <p:extLst>
+      <p:ext uri="{BB962C8B-B14F-4D97-AF65-F5344CB8AC3E}">
+        <p14:creationId xmlns:p14="http://schemas.microsoft.com/office/powerpoint/2010/main" val="445615577"/>
+      </p:ext>
+    </p:extLst>
+  </p:cSld>
+  <p:clrMapOvr>
+    <a:masterClrMapping/>
+  </p:clrMapOvr>
+  <mc:AlternateContent xmlns:mc="http://schemas.openxmlformats.org/markup-compatibility/2006" xmlns:p14="http://schemas.microsoft.com/office/powerpoint/2010/main">
+    <mc:Choice Requires="p14">
+      <p:transition spd="med" p14:dur="700">
+        <p:fade/>
+      </p:transition>
+    </mc:Choice>
+    <mc:Fallback xmlns="">
+      <p:transition spd="med">
+        <p:fade/>
+      </p:transition>
+    </mc:Fallback>
+  </mc:AlternateContent>
+</p:sld>
+</file>
+
 <file path=ppt/slides/slide7.xml><?xml version="1.0" encoding="utf-8"?>
 <p:sld xmlns:a="http://schemas.openxmlformats.org/drawingml/2006/main" xmlns:r="http://schemas.openxmlformats.org/officeDocument/2006/relationships" xmlns:p="http://schemas.openxmlformats.org/presentationml/2006/main">
   <p:cSld>
@@ -8032,7 +8456,7 @@
           <p:cNvPr id="2" name="Title 1">
             <a:extLst>
               <a:ext uri="{FF2B5EF4-FFF2-40B4-BE49-F238E27FC236}">
-                <a16:creationId xmlns:a16="http://schemas.microsoft.com/office/drawing/2014/main" id="{EDC6B2FF-6CF3-4C7B-5561-CB55E31BFC14}"/>
+                <a16:creationId xmlns:a16="http://schemas.microsoft.com/office/drawing/2014/main" id="{4896943C-0AEF-43E7-38E0-2D01795B2E4C}"/>
               </a:ext>
             </a:extLst>
           </p:cNvPr>
@@ -8050,65 +8474,47 @@
           <a:p>
             <a:r>
               <a:rPr lang="en-US" dirty="0"/>
-              <a:t>Gower distance</a:t>
+              <a:t>Comparison of classical methods</a:t>
             </a:r>
             <a:endParaRPr lang="en-DE" dirty="0"/>
           </a:p>
         </p:txBody>
       </p:sp>
-      <p:sp>
-        <p:nvSpPr>
-          <p:cNvPr id="3" name="Content Placeholder 2">
-            <a:extLst>
-              <a:ext uri="{FF2B5EF4-FFF2-40B4-BE49-F238E27FC236}">
-                <a16:creationId xmlns:a16="http://schemas.microsoft.com/office/drawing/2014/main" id="{C45CF829-604E-0C5C-6A23-5BD065D568D2}"/>
-              </a:ext>
-            </a:extLst>
-          </p:cNvPr>
-          <p:cNvSpPr>
-            <a:spLocks noGrp="1"/>
-          </p:cNvSpPr>
+      <p:pic>
+        <p:nvPicPr>
+          <p:cNvPr id="7" name="Content Placeholder 6">
+            <a:extLst>
+              <a:ext uri="{FF2B5EF4-FFF2-40B4-BE49-F238E27FC236}">
+                <a16:creationId xmlns:a16="http://schemas.microsoft.com/office/drawing/2014/main" id="{B3189E8B-0A25-6C6D-AD37-481DA4B3A8A3}"/>
+              </a:ext>
+            </a:extLst>
+          </p:cNvPr>
+          <p:cNvPicPr>
+            <a:picLocks noGrp="1" noChangeAspect="1"/>
+          </p:cNvPicPr>
           <p:nvPr>
             <p:ph idx="1"/>
           </p:nvPr>
-        </p:nvSpPr>
-        <p:spPr/>
-        <p:txBody>
-          <a:bodyPr/>
-          <a:lstStyle/>
-          <a:p>
-            <a:r>
-              <a:rPr lang="en-US" dirty="0"/>
-              <a:t>Similarity measure for mixed-type data</a:t>
-            </a:r>
-          </a:p>
-          <a:p>
-            <a:r>
-              <a:rPr lang="en-US" dirty="0"/>
-              <a:t>Creates a distance matrix that can be used for Hierarchical Clustering</a:t>
-            </a:r>
-          </a:p>
-          <a:p>
-            <a:r>
-              <a:rPr lang="en-US" dirty="0"/>
-              <a:t>Slow</a:t>
-            </a:r>
-          </a:p>
-          <a:p>
-            <a:r>
-              <a:rPr lang="en-US" dirty="0"/>
-              <a:t>Falsely assigns most instances to one cluster</a:t>
-            </a:r>
-            <a:endParaRPr lang="en-DE" dirty="0"/>
-          </a:p>
-        </p:txBody>
-      </p:sp>
+        </p:nvPicPr>
+        <p:blipFill>
+          <a:blip r:embed="rId2"/>
+          <a:stretch>
+            <a:fillRect/>
+          </a:stretch>
+        </p:blipFill>
+        <p:spPr>
+          <a:xfrm>
+            <a:off x="782862" y="1664804"/>
+            <a:ext cx="7578275" cy="3528392"/>
+          </a:xfrm>
+        </p:spPr>
+      </p:pic>
       <p:sp>
         <p:nvSpPr>
           <p:cNvPr id="4" name="Footer Placeholder 3">
             <a:extLst>
               <a:ext uri="{FF2B5EF4-FFF2-40B4-BE49-F238E27FC236}">
-                <a16:creationId xmlns:a16="http://schemas.microsoft.com/office/drawing/2014/main" id="{5DA8B52E-5104-E95A-0BB1-3FA0E1C7AFEC}"/>
+                <a16:creationId xmlns:a16="http://schemas.microsoft.com/office/drawing/2014/main" id="{352AF3F5-C145-2C09-28BC-396DDAF7D571}"/>
               </a:ext>
             </a:extLst>
           </p:cNvPr>
@@ -8137,7 +8543,7 @@
           <p:cNvPr id="5" name="Slide Number Placeholder 4">
             <a:extLst>
               <a:ext uri="{FF2B5EF4-FFF2-40B4-BE49-F238E27FC236}">
-                <a16:creationId xmlns:a16="http://schemas.microsoft.com/office/drawing/2014/main" id="{F01C006D-669B-EA4A-DDA5-88952F5AEED9}"/>
+                <a16:creationId xmlns:a16="http://schemas.microsoft.com/office/drawing/2014/main" id="{5EC8FEB1-3AA5-1109-C413-BAAACD25C688}"/>
               </a:ext>
             </a:extLst>
           </p:cNvPr>
@@ -8164,7 +8570,7 @@
     </p:spTree>
     <p:extLst>
       <p:ext uri="{BB962C8B-B14F-4D97-AF65-F5344CB8AC3E}">
-        <p14:creationId xmlns:p14="http://schemas.microsoft.com/office/powerpoint/2010/main" val="445615577"/>
+        <p14:creationId xmlns:p14="http://schemas.microsoft.com/office/powerpoint/2010/main" val="2465786770"/>
       </p:ext>
     </p:extLst>
   </p:cSld>
@@ -8208,7 +8614,7 @@
           <p:cNvPr id="2" name="Title 1">
             <a:extLst>
               <a:ext uri="{FF2B5EF4-FFF2-40B4-BE49-F238E27FC236}">
-                <a16:creationId xmlns:a16="http://schemas.microsoft.com/office/drawing/2014/main" id="{4896943C-0AEF-43E7-38E0-2D01795B2E4C}"/>
+                <a16:creationId xmlns:a16="http://schemas.microsoft.com/office/drawing/2014/main" id="{0BEF7C91-704B-42FF-4D1D-ADC68B81D5AD}"/>
               </a:ext>
             </a:extLst>
           </p:cNvPr>
@@ -8221,52 +8627,65 @@
         </p:nvSpPr>
         <p:spPr/>
         <p:txBody>
-          <a:bodyPr/>
-          <a:lstStyle/>
-          <a:p>
-            <a:r>
-              <a:rPr lang="en-US" dirty="0"/>
-              <a:t>Comparison of classical methods</a:t>
+          <a:bodyPr>
+            <a:normAutofit fontScale="90000"/>
+          </a:bodyPr>
+          <a:lstStyle/>
+          <a:p>
+            <a:r>
+              <a:rPr lang="en-US" dirty="0"/>
+              <a:t>Mixed-type data with neural networks</a:t>
             </a:r>
             <a:endParaRPr lang="en-DE" dirty="0"/>
           </a:p>
         </p:txBody>
       </p:sp>
-      <p:pic>
-        <p:nvPicPr>
-          <p:cNvPr id="7" name="Content Placeholder 6">
-            <a:extLst>
-              <a:ext uri="{FF2B5EF4-FFF2-40B4-BE49-F238E27FC236}">
-                <a16:creationId xmlns:a16="http://schemas.microsoft.com/office/drawing/2014/main" id="{B3189E8B-0A25-6C6D-AD37-481DA4B3A8A3}"/>
-              </a:ext>
-            </a:extLst>
-          </p:cNvPr>
-          <p:cNvPicPr>
-            <a:picLocks noGrp="1" noChangeAspect="1"/>
-          </p:cNvPicPr>
+      <p:sp>
+        <p:nvSpPr>
+          <p:cNvPr id="3" name="Content Placeholder 2">
+            <a:extLst>
+              <a:ext uri="{FF2B5EF4-FFF2-40B4-BE49-F238E27FC236}">
+                <a16:creationId xmlns:a16="http://schemas.microsoft.com/office/drawing/2014/main" id="{147BD987-24BC-A448-8603-C4A0FB4A81BA}"/>
+              </a:ext>
+            </a:extLst>
+          </p:cNvPr>
+          <p:cNvSpPr>
+            <a:spLocks noGrp="1"/>
+          </p:cNvSpPr>
           <p:nvPr>
             <p:ph idx="1"/>
           </p:nvPr>
-        </p:nvPicPr>
-        <p:blipFill>
-          <a:blip r:embed="rId2"/>
-          <a:stretch>
-            <a:fillRect/>
-          </a:stretch>
-        </p:blipFill>
-        <p:spPr>
-          <a:xfrm>
-            <a:off x="782862" y="1664804"/>
-            <a:ext cx="7578275" cy="3528392"/>
-          </a:xfrm>
-        </p:spPr>
-      </p:pic>
+        </p:nvSpPr>
+        <p:spPr/>
+        <p:txBody>
+          <a:bodyPr/>
+          <a:lstStyle/>
+          <a:p>
+            <a:r>
+              <a:rPr lang="en-US" dirty="0"/>
+              <a:t>Learn dense representation through neural network</a:t>
+            </a:r>
+          </a:p>
+          <a:p>
+            <a:r>
+              <a:rPr lang="en-US" dirty="0"/>
+              <a:t>Use dense representation in combination with classical distance-based clustering algorithm (e.g., k-means)</a:t>
+            </a:r>
+          </a:p>
+          <a:p>
+            <a:pPr marL="0" indent="0">
+              <a:buNone/>
+            </a:pPr>
+            <a:endParaRPr lang="en-DE" dirty="0"/>
+          </a:p>
+        </p:txBody>
+      </p:sp>
       <p:sp>
         <p:nvSpPr>
           <p:cNvPr id="4" name="Footer Placeholder 3">
             <a:extLst>
               <a:ext uri="{FF2B5EF4-FFF2-40B4-BE49-F238E27FC236}">
-                <a16:creationId xmlns:a16="http://schemas.microsoft.com/office/drawing/2014/main" id="{352AF3F5-C145-2C09-28BC-396DDAF7D571}"/>
+                <a16:creationId xmlns:a16="http://schemas.microsoft.com/office/drawing/2014/main" id="{F35862E2-AA7E-CC74-6DB4-850A58D7C36F}"/>
               </a:ext>
             </a:extLst>
           </p:cNvPr>
@@ -8283,10 +8702,9 @@
           <a:lstStyle/>
           <a:p>
             <a:r>
-              <a:rPr lang="en-US"/>
+              <a:rPr lang="en-US" dirty="0"/>
               <a:t>Attention in mixed-type Clustering</a:t>
             </a:r>
-            <a:endParaRPr lang="en-US" dirty="0"/>
           </a:p>
         </p:txBody>
       </p:sp>
@@ -8295,7 +8713,7 @@
           <p:cNvPr id="5" name="Slide Number Placeholder 4">
             <a:extLst>
               <a:ext uri="{FF2B5EF4-FFF2-40B4-BE49-F238E27FC236}">
-                <a16:creationId xmlns:a16="http://schemas.microsoft.com/office/drawing/2014/main" id="{5EC8FEB1-3AA5-1109-C413-BAAACD25C688}"/>
+                <a16:creationId xmlns:a16="http://schemas.microsoft.com/office/drawing/2014/main" id="{4C7B27CE-8819-CFDB-AA1C-092A7B2EA9B1}"/>
               </a:ext>
             </a:extLst>
           </p:cNvPr>
@@ -8322,7 +8740,7 @@
     </p:spTree>
     <p:extLst>
       <p:ext uri="{BB962C8B-B14F-4D97-AF65-F5344CB8AC3E}">
-        <p14:creationId xmlns:p14="http://schemas.microsoft.com/office/powerpoint/2010/main" val="2465786770"/>
+        <p14:creationId xmlns:p14="http://schemas.microsoft.com/office/powerpoint/2010/main" val="165937854"/>
       </p:ext>
     </p:extLst>
   </p:cSld>

--- a/presentation.pptx
+++ b/presentation.pptx
@@ -244,7 +244,7 @@
           <a:p>
             <a:fld id="{4B11441F-F30F-4649-A32B-0EF4F2FA26B8}" type="datetimeFigureOut">
               <a:rPr lang="en-US" smtClean="0"/>
-              <a:t>11/18/2023</a:t>
+              <a:t>11/19/2023</a:t>
             </a:fld>
             <a:endParaRPr lang="en-US"/>
           </a:p>
@@ -6165,7 +6165,7 @@
           <a:p>
             <a:r>
               <a:rPr lang="en-US" dirty="0"/>
-              <a:t>Classical methods</a:t>
+              <a:t>Classical methods for mixed-type data</a:t>
             </a:r>
           </a:p>
           <a:p>
@@ -6532,19 +6532,25 @@
           <a:p>
             <a:r>
               <a:rPr lang="en-US" dirty="0"/>
-              <a:t>Combine feature representation learning and clustering instead of a two-step process</a:t>
-            </a:r>
-          </a:p>
-          <a:p>
-            <a:r>
-              <a:rPr lang="en-US" dirty="0"/>
-              <a:t>Custom loss function</a:t>
-            </a:r>
-          </a:p>
-          <a:p>
-            <a:r>
-              <a:rPr lang="en-US" dirty="0"/>
-              <a:t>DEC, IDEC and DCN are baseline methods</a:t>
+              <a:t>Combine feature representation learning and clustering using a custom loss function, instead of a two-step process</a:t>
+            </a:r>
+          </a:p>
+          <a:p>
+            <a:r>
+              <a:rPr lang="en-US" dirty="0"/>
+              <a:t>DEC: Iterative algorithm to produce cluster friendly representations in the encoder</a:t>
+            </a:r>
+          </a:p>
+          <a:p>
+            <a:r>
+              <a:rPr lang="en-US" dirty="0"/>
+              <a:t>IDEC: Includes autoencoder reconstruction loss in DEC</a:t>
+            </a:r>
+          </a:p>
+          <a:p>
+            <a:r>
+              <a:rPr lang="en-US" dirty="0"/>
+              <a:t>DCN: Alternates between updating network parameters and cluster assignments</a:t>
             </a:r>
           </a:p>
         </p:txBody>
@@ -7430,7 +7436,7 @@
         </p:blipFill>
         <p:spPr>
           <a:xfrm>
-            <a:off x="342701" y="274639"/>
+            <a:off x="226888" y="295746"/>
             <a:ext cx="4157291" cy="5961830"/>
           </a:xfrm>
         </p:spPr>
@@ -7515,7 +7521,7 @@
         </p:blipFill>
         <p:spPr>
           <a:xfrm>
-            <a:off x="4759822" y="253531"/>
+            <a:off x="4844803" y="282091"/>
             <a:ext cx="4072309" cy="6004045"/>
           </a:xfrm>
           <a:prstGeom prst="rect">
@@ -7614,7 +7620,7 @@
         </p:blipFill>
         <p:spPr>
           <a:xfrm>
-            <a:off x="426352" y="274639"/>
+            <a:off x="251520" y="244927"/>
             <a:ext cx="4646471" cy="3802433"/>
           </a:xfrm>
         </p:spPr>
@@ -7738,13 +7744,13 @@
         <p:spPr/>
         <p:txBody>
           <a:bodyPr>
-            <a:normAutofit fontScale="90000"/>
+            <a:normAutofit/>
           </a:bodyPr>
           <a:lstStyle/>
           <a:p>
             <a:r>
               <a:rPr lang="en-US" dirty="0"/>
-              <a:t>How to handle categorical/mixed-type data?</a:t>
+              <a:t>Mixed-type data</a:t>
             </a:r>
             <a:endParaRPr lang="en-DE" dirty="0"/>
           </a:p>
@@ -7773,7 +7779,13 @@
           <a:p>
             <a:r>
               <a:rPr lang="en-US" dirty="0"/>
-              <a:t>Traditional clustering methods handle numerical, continuous data</a:t>
+              <a:t>Composed of continuous and categorical features</a:t>
+            </a:r>
+          </a:p>
+          <a:p>
+            <a:r>
+              <a:rPr lang="en-US" dirty="0"/>
+              <a:t>Classical clustering methods handle continuous data only</a:t>
             </a:r>
           </a:p>
           <a:p>
@@ -8140,7 +8152,7 @@
           <a:p>
             <a:r>
               <a:rPr lang="en-US" dirty="0"/>
-              <a:t>k-modes is slow and does not perform well </a:t>
+              <a:t>Slow and does not perform well</a:t>
             </a:r>
           </a:p>
         </p:txBody>
@@ -8327,7 +8339,7 @@
           <a:p>
             <a:r>
               <a:rPr lang="en-US" dirty="0"/>
-              <a:t>Similarity measure for mixed-type data</a:t>
+              <a:t>Different similarity measures for different types of data</a:t>
             </a:r>
           </a:p>
           <a:p>
@@ -8663,13 +8675,13 @@
           <a:p>
             <a:r>
               <a:rPr lang="en-US" dirty="0"/>
-              <a:t>Learn dense representation through neural network</a:t>
-            </a:r>
-          </a:p>
-          <a:p>
-            <a:r>
-              <a:rPr lang="en-US" dirty="0"/>
-              <a:t>Use dense representation in combination with classical distance-based clustering algorithm (e.g., k-means)</a:t>
+              <a:t>Learn representation of data through neural network</a:t>
+            </a:r>
+          </a:p>
+          <a:p>
+            <a:r>
+              <a:rPr lang="en-US" dirty="0"/>
+              <a:t>Use representation in combination with classical distance-based clustering algorithm (e.g., k-means)</a:t>
             </a:r>
           </a:p>
           <a:p>
@@ -8831,52 +8843,26 @@
           <a:p>
             <a:r>
               <a:rPr lang="en-US" dirty="0"/>
-              <a:t>Idea: Use a neural network to learn a dense representation of continuous and categorical features</a:t>
-            </a:r>
-          </a:p>
-          <a:p>
-            <a:r>
-              <a:rPr lang="en-US" dirty="0"/>
-              <a:t>Combine the encoded input with classical k-means</a:t>
-            </a:r>
-          </a:p>
-          <a:p>
-            <a:endParaRPr lang="en-US" dirty="0"/>
+              <a:t>Neural network that learns efficient encoding of data</a:t>
+            </a:r>
+          </a:p>
+          <a:p>
+            <a:r>
+              <a:rPr lang="en-US" dirty="0"/>
+              <a:t>Unsupervised: during training, we try to reconstruct the input</a:t>
+            </a:r>
+          </a:p>
+          <a:p>
+            <a:r>
+              <a:rPr lang="en-US" dirty="0"/>
+              <a:t>For clustering, we can use the encoded representation</a:t>
+            </a:r>
           </a:p>
           <a:p>
             <a:pPr marL="0" indent="0">
               <a:buNone/>
             </a:pPr>
             <a:endParaRPr lang="en-DE" dirty="0"/>
-          </a:p>
-        </p:txBody>
-      </p:sp>
-      <p:sp>
-        <p:nvSpPr>
-          <p:cNvPr id="4" name="Footer Placeholder 3">
-            <a:extLst>
-              <a:ext uri="{FF2B5EF4-FFF2-40B4-BE49-F238E27FC236}">
-                <a16:creationId xmlns:a16="http://schemas.microsoft.com/office/drawing/2014/main" id="{4F36C224-F1A6-94F0-507F-6E901D40EBEF}"/>
-              </a:ext>
-            </a:extLst>
-          </p:cNvPr>
-          <p:cNvSpPr>
-            <a:spLocks noGrp="1"/>
-          </p:cNvSpPr>
-          <p:nvPr>
-            <p:ph type="ftr" sz="quarter" idx="11"/>
-          </p:nvPr>
-        </p:nvSpPr>
-        <p:spPr/>
-        <p:txBody>
-          <a:bodyPr/>
-          <a:lstStyle/>
-          <a:p>
-            <a:r>
-              <a:rPr lang="en-US"/>
-              <a:t>Attention in mixed-type Clustering</a:t>
-            </a:r>
-            <a:endParaRPr lang="en-US" dirty="0"/>
           </a:p>
         </p:txBody>
       </p:sp>
@@ -8931,7 +8917,7 @@
         </p:blipFill>
         <p:spPr>
           <a:xfrm>
-            <a:off x="2195736" y="3658982"/>
+            <a:off x="4078288" y="4096722"/>
             <a:ext cx="4608512" cy="2467183"/>
           </a:xfrm>
           <a:prstGeom prst="rect">
